--- a/NotesAndSlides/CIS399Wk3Day3-SQLIteDatabases.pptx
+++ b/NotesAndSlides/CIS399Wk3Day3-SQLIteDatabases.pptx
@@ -268,7 +268,7 @@
           <a:p>
             <a:fld id="{1FC32AA1-1225-9048-80C3-2B6F58548154}" type="datetimeFigureOut">
               <a:rPr lang="en-US" smtClean="0"/>
-              <a:t>7/14/17</a:t>
+              <a:t>7/12/18</a:t>
             </a:fld>
             <a:endParaRPr lang="en-US"/>
           </a:p>
@@ -332,38 +332,37 @@
           <a:p>
             <a:pPr lvl="0"/>
             <a:r>
-              <a:rPr lang="en-US" smtClean="0"/>
+              <a:rPr lang="en-US"/>
               <a:t>Click to edit Master text styles</a:t>
             </a:r>
           </a:p>
           <a:p>
             <a:pPr lvl="1"/>
             <a:r>
-              <a:rPr lang="en-US" smtClean="0"/>
+              <a:rPr lang="en-US"/>
               <a:t>Second level</a:t>
             </a:r>
           </a:p>
           <a:p>
             <a:pPr lvl="2"/>
             <a:r>
-              <a:rPr lang="en-US" smtClean="0"/>
+              <a:rPr lang="en-US"/>
               <a:t>Third level</a:t>
             </a:r>
           </a:p>
           <a:p>
             <a:pPr lvl="3"/>
             <a:r>
-              <a:rPr lang="en-US" smtClean="0"/>
+              <a:rPr lang="en-US"/>
               <a:t>Fourth level</a:t>
             </a:r>
           </a:p>
           <a:p>
             <a:pPr lvl="4"/>
             <a:r>
-              <a:rPr lang="en-US" smtClean="0"/>
+              <a:rPr lang="en-US"/>
               <a:t>Fifth level</a:t>
             </a:r>
-            <a:endParaRPr lang="en-US"/>
           </a:p>
         </p:txBody>
       </p:sp>
@@ -581,11 +580,11 @@
           <a:lstStyle/>
           <a:p>
             <a:r>
-              <a:rPr lang="en-US" dirty="0" smtClean="0"/>
+              <a:rPr lang="en-US" dirty="0"/>
               <a:t>http://</a:t>
             </a:r>
             <a:r>
-              <a:rPr lang="en-US" dirty="0" err="1" smtClean="0"/>
+              <a:rPr lang="en-US" dirty="0" err="1"/>
               <a:t>sqlite.org</a:t>
             </a:r>
             <a:endParaRPr lang="en-US" dirty="0"/>
@@ -672,6 +671,69 @@
           <a:bodyPr/>
           <a:lstStyle/>
           <a:p>
+            <a:pPr marL="0" marR="0" indent="0" algn="l" defTabSz="457200" rtl="0" eaLnBrk="1" fontAlgn="auto" latinLnBrk="0" hangingPunct="1">
+              <a:lnSpc>
+                <a:spcPct val="100000"/>
+              </a:lnSpc>
+              <a:spcBef>
+                <a:spcPts val="0"/>
+              </a:spcBef>
+              <a:spcAft>
+                <a:spcPts val="0"/>
+              </a:spcAft>
+              <a:buClrTx/>
+              <a:buSzTx/>
+              <a:buFontTx/>
+              <a:buNone/>
+              <a:tabLst/>
+              <a:defRPr/>
+            </a:pPr>
+            <a:r>
+              <a:rPr lang="en-US" dirty="0"/>
+              <a:t>See an example in: https://</a:t>
+            </a:r>
+            <a:r>
+              <a:rPr lang="en-US" dirty="0" err="1"/>
+              <a:t>github.com</a:t>
+            </a:r>
+            <a:r>
+              <a:rPr lang="en-US" dirty="0"/>
+              <a:t>/UO-CIS/CIS399AndroidDemos/tree/master/</a:t>
+            </a:r>
+            <a:r>
+              <a:rPr lang="en-US" dirty="0" err="1"/>
+              <a:t>WeatherForecast-SAX+SQLite+ListView</a:t>
+            </a:r>
+            <a:r>
+              <a:rPr lang="en-US" dirty="0"/>
+              <a:t>,</a:t>
+            </a:r>
+          </a:p>
+          <a:p>
+            <a:pPr marL="0" marR="0" indent="0" algn="l" defTabSz="457200" rtl="0" eaLnBrk="1" fontAlgn="auto" latinLnBrk="0" hangingPunct="1">
+              <a:lnSpc>
+                <a:spcPct val="100000"/>
+              </a:lnSpc>
+              <a:spcBef>
+                <a:spcPts val="0"/>
+              </a:spcBef>
+              <a:spcAft>
+                <a:spcPts val="0"/>
+              </a:spcAft>
+              <a:buClrTx/>
+              <a:buSzTx/>
+              <a:buFontTx/>
+              <a:buNone/>
+              <a:tabLst/>
+              <a:defRPr/>
+            </a:pPr>
+            <a:r>
+              <a:rPr lang="en-US" dirty="0" err="1"/>
+              <a:t>Dal.java</a:t>
+            </a:r>
+            <a:endParaRPr lang="en-US" dirty="0"/>
+          </a:p>
+          <a:p>
             <a:endParaRPr lang="en-US" dirty="0"/>
           </a:p>
         </p:txBody>
@@ -693,7 +755,7 @@
           <a:p>
             <a:fld id="{44EB6C7D-DFD8-944D-93E3-D07F7EBDDEA8}" type="slidenum">
               <a:rPr lang="en-US" smtClean="0"/>
-              <a:t>22</a:t>
+              <a:t>21</a:t>
             </a:fld>
             <a:endParaRPr lang="en-US"/>
           </a:p>
@@ -702,7 +764,7 @@
     </p:spTree>
     <p:extLst>
       <p:ext uri="{BB962C8B-B14F-4D97-AF65-F5344CB8AC3E}">
-        <p14:creationId xmlns:p14="http://schemas.microsoft.com/office/powerpoint/2010/main" val="2094514162"/>
+        <p14:creationId xmlns:p14="http://schemas.microsoft.com/office/powerpoint/2010/main" val="3801045464"/>
       </p:ext>
     </p:extLst>
   </p:cSld>
@@ -756,22 +818,6 @@
           <a:bodyPr/>
           <a:lstStyle/>
           <a:p>
-            <a:r>
-              <a:rPr lang="en-US" dirty="0" smtClean="0"/>
-              <a:t>https://</a:t>
-            </a:r>
-            <a:r>
-              <a:rPr lang="en-US" dirty="0" err="1" smtClean="0"/>
-              <a:t>en.wikipedia.org</a:t>
-            </a:r>
-            <a:r>
-              <a:rPr lang="en-US" dirty="0" smtClean="0"/>
-              <a:t>/wiki/</a:t>
-            </a:r>
-            <a:r>
-              <a:rPr lang="en-US" dirty="0" err="1" smtClean="0"/>
-              <a:t>Multitier_architecture</a:t>
-            </a:r>
             <a:endParaRPr lang="en-US" dirty="0"/>
           </a:p>
         </p:txBody>
@@ -793,7 +839,7 @@
           <a:p>
             <a:fld id="{44EB6C7D-DFD8-944D-93E3-D07F7EBDDEA8}" type="slidenum">
               <a:rPr lang="en-US" smtClean="0"/>
-              <a:t>23</a:t>
+              <a:t>22</a:t>
             </a:fld>
             <a:endParaRPr lang="en-US"/>
           </a:p>
@@ -856,6 +902,22 @@
           <a:bodyPr/>
           <a:lstStyle/>
           <a:p>
+            <a:r>
+              <a:rPr lang="en-US" dirty="0"/>
+              <a:t>https://</a:t>
+            </a:r>
+            <a:r>
+              <a:rPr lang="en-US" dirty="0" err="1"/>
+              <a:t>en.wikipedia.org</a:t>
+            </a:r>
+            <a:r>
+              <a:rPr lang="en-US" dirty="0"/>
+              <a:t>/wiki/</a:t>
+            </a:r>
+            <a:r>
+              <a:rPr lang="en-US" dirty="0" err="1"/>
+              <a:t>Multitier_architecture</a:t>
+            </a:r>
             <a:endParaRPr lang="en-US" dirty="0"/>
           </a:p>
         </p:txBody>
@@ -877,7 +939,7 @@
           <a:p>
             <a:fld id="{44EB6C7D-DFD8-944D-93E3-D07F7EBDDEA8}" type="slidenum">
               <a:rPr lang="en-US" smtClean="0"/>
-              <a:t>24</a:t>
+              <a:t>23</a:t>
             </a:fld>
             <a:endParaRPr lang="en-US"/>
           </a:p>
@@ -940,38 +1002,6 @@
           <a:bodyPr/>
           <a:lstStyle/>
           <a:p>
-            <a:r>
-              <a:rPr lang="en-US" dirty="0" smtClean="0"/>
-              <a:t>Business</a:t>
-            </a:r>
-            <a:r>
-              <a:rPr lang="en-US" baseline="0" dirty="0" smtClean="0"/>
-              <a:t> classes: List, Task</a:t>
-            </a:r>
-          </a:p>
-          <a:p>
-            <a:r>
-              <a:rPr lang="en-US" baseline="0" dirty="0" smtClean="0"/>
-              <a:t>Database access: </a:t>
-            </a:r>
-            <a:r>
-              <a:rPr lang="en-US" baseline="0" dirty="0" err="1" smtClean="0"/>
-              <a:t>TaskListDB</a:t>
-            </a:r>
-            <a:endParaRPr lang="en-US" baseline="0" dirty="0" smtClean="0"/>
-          </a:p>
-          <a:p>
-            <a:r>
-              <a:rPr lang="en-US" baseline="0" dirty="0" smtClean="0"/>
-              <a:t>Android UI: </a:t>
-            </a:r>
-            <a:r>
-              <a:rPr lang="en-US" baseline="0" dirty="0" err="1" smtClean="0"/>
-              <a:t>TaskListActivity</a:t>
-            </a:r>
-            <a:endParaRPr lang="en-US" baseline="0" dirty="0" smtClean="0"/>
-          </a:p>
-          <a:p>
             <a:endParaRPr lang="en-US" dirty="0"/>
           </a:p>
         </p:txBody>
@@ -993,7 +1023,7 @@
           <a:p>
             <a:fld id="{44EB6C7D-DFD8-944D-93E3-D07F7EBDDEA8}" type="slidenum">
               <a:rPr lang="en-US" smtClean="0"/>
-              <a:t>25</a:t>
+              <a:t>24</a:t>
             </a:fld>
             <a:endParaRPr lang="en-US"/>
           </a:p>
@@ -1056,6 +1086,122 @@
           <a:bodyPr/>
           <a:lstStyle/>
           <a:p>
+            <a:r>
+              <a:rPr lang="en-US" dirty="0"/>
+              <a:t>Business</a:t>
+            </a:r>
+            <a:r>
+              <a:rPr lang="en-US" baseline="0" dirty="0"/>
+              <a:t> classes: List, Task</a:t>
+            </a:r>
+          </a:p>
+          <a:p>
+            <a:r>
+              <a:rPr lang="en-US" baseline="0" dirty="0"/>
+              <a:t>Database access: </a:t>
+            </a:r>
+            <a:r>
+              <a:rPr lang="en-US" baseline="0" dirty="0" err="1"/>
+              <a:t>TaskListDB</a:t>
+            </a:r>
+            <a:endParaRPr lang="en-US" baseline="0" dirty="0"/>
+          </a:p>
+          <a:p>
+            <a:r>
+              <a:rPr lang="en-US" baseline="0" dirty="0"/>
+              <a:t>Android UI: </a:t>
+            </a:r>
+            <a:r>
+              <a:rPr lang="en-US" baseline="0" dirty="0" err="1"/>
+              <a:t>TaskListActivity</a:t>
+            </a:r>
+            <a:endParaRPr lang="en-US" baseline="0" dirty="0"/>
+          </a:p>
+          <a:p>
+            <a:endParaRPr lang="en-US" dirty="0"/>
+          </a:p>
+        </p:txBody>
+      </p:sp>
+      <p:sp>
+        <p:nvSpPr>
+          <p:cNvPr id="4" name="Slide Number Placeholder 3"/>
+          <p:cNvSpPr>
+            <a:spLocks noGrp="1"/>
+          </p:cNvSpPr>
+          <p:nvPr>
+            <p:ph type="sldNum" sz="quarter" idx="10"/>
+          </p:nvPr>
+        </p:nvSpPr>
+        <p:spPr/>
+        <p:txBody>
+          <a:bodyPr/>
+          <a:lstStyle/>
+          <a:p>
+            <a:fld id="{44EB6C7D-DFD8-944D-93E3-D07F7EBDDEA8}" type="slidenum">
+              <a:rPr lang="en-US" smtClean="0"/>
+              <a:t>25</a:t>
+            </a:fld>
+            <a:endParaRPr lang="en-US"/>
+          </a:p>
+        </p:txBody>
+      </p:sp>
+    </p:spTree>
+    <p:extLst>
+      <p:ext uri="{BB962C8B-B14F-4D97-AF65-F5344CB8AC3E}">
+        <p14:creationId xmlns:p14="http://schemas.microsoft.com/office/powerpoint/2010/main" val="2094514162"/>
+      </p:ext>
+    </p:extLst>
+  </p:cSld>
+  <p:clrMapOvr>
+    <a:masterClrMapping/>
+  </p:clrMapOvr>
+</p:notes>
+</file>
+
+<file path=ppt/notesSlides/notesSlide15.xml><?xml version="1.0" encoding="utf-8"?>
+<p:notes xmlns:a="http://schemas.openxmlformats.org/drawingml/2006/main" xmlns:r="http://schemas.openxmlformats.org/officeDocument/2006/relationships" xmlns:p="http://schemas.openxmlformats.org/presentationml/2006/main">
+  <p:cSld>
+    <p:spTree>
+      <p:nvGrpSpPr>
+        <p:cNvPr id="1" name=""/>
+        <p:cNvGrpSpPr/>
+        <p:nvPr/>
+      </p:nvGrpSpPr>
+      <p:grpSpPr>
+        <a:xfrm>
+          <a:off x="0" y="0"/>
+          <a:ext cx="0" cy="0"/>
+          <a:chOff x="0" y="0"/>
+          <a:chExt cx="0" cy="0"/>
+        </a:xfrm>
+      </p:grpSpPr>
+      <p:sp>
+        <p:nvSpPr>
+          <p:cNvPr id="2" name="Slide Image Placeholder 1"/>
+          <p:cNvSpPr>
+            <a:spLocks noGrp="1" noRot="1" noChangeAspect="1"/>
+          </p:cNvSpPr>
+          <p:nvPr>
+            <p:ph type="sldImg"/>
+          </p:nvPr>
+        </p:nvSpPr>
+        <p:spPr/>
+      </p:sp>
+      <p:sp>
+        <p:nvSpPr>
+          <p:cNvPr id="3" name="Notes Placeholder 2"/>
+          <p:cNvSpPr>
+            <a:spLocks noGrp="1"/>
+          </p:cNvSpPr>
+          <p:nvPr>
+            <p:ph type="body" idx="1"/>
+          </p:nvPr>
+        </p:nvSpPr>
+        <p:spPr/>
+        <p:txBody>
+          <a:bodyPr/>
+          <a:lstStyle/>
+          <a:p>
             <a:endParaRPr lang="en-US" dirty="0"/>
           </a:p>
         </p:txBody>
@@ -1141,11 +1287,11 @@
           <a:lstStyle/>
           <a:p>
             <a:r>
-              <a:rPr lang="en-US" dirty="0" smtClean="0"/>
+              <a:rPr lang="en-US" dirty="0"/>
               <a:t>http://</a:t>
             </a:r>
             <a:r>
-              <a:rPr lang="en-US" dirty="0" err="1" smtClean="0"/>
+              <a:rPr lang="en-US" dirty="0" err="1"/>
               <a:t>sqlite.org</a:t>
             </a:r>
             <a:endParaRPr lang="en-US" dirty="0"/>
@@ -1250,40 +1396,8 @@
               <a:defRPr/>
             </a:pPr>
             <a:r>
-              <a:rPr lang="en-US" dirty="0" smtClean="0"/>
-              <a:t>Note that a storage class is slightly more general than a </a:t>
-            </a:r>
-            <a:r>
-              <a:rPr lang="en-US" dirty="0" err="1" smtClean="0"/>
-              <a:t>datatype</a:t>
-            </a:r>
-            <a:r>
-              <a:rPr lang="en-US" dirty="0" smtClean="0"/>
-              <a:t>. The INTEGER storage class, for example, includes 6 different integer </a:t>
-            </a:r>
-            <a:r>
-              <a:rPr lang="en-US" dirty="0" err="1" smtClean="0"/>
-              <a:t>datatypes</a:t>
-            </a:r>
-            <a:r>
-              <a:rPr lang="en-US" dirty="0" smtClean="0"/>
-              <a:t> of different lengths. This makes a difference on disk. But as soon as INTEGER values are read off of disk and into memory for processing, they are converted to the most general </a:t>
-            </a:r>
-            <a:r>
-              <a:rPr lang="en-US" dirty="0" err="1" smtClean="0"/>
-              <a:t>datatype</a:t>
-            </a:r>
-            <a:r>
-              <a:rPr lang="en-US" dirty="0" smtClean="0"/>
-              <a:t> (8-byte signed integer). And so for the most part, "storage class" is indistinguishable from "</a:t>
-            </a:r>
-            <a:r>
-              <a:rPr lang="en-US" dirty="0" err="1" smtClean="0"/>
-              <a:t>datatype</a:t>
-            </a:r>
-            <a:r>
-              <a:rPr lang="en-US" dirty="0" smtClean="0"/>
-              <a:t>" and the two terms can be used interchangeably.</a:t>
+              <a:rPr lang="en-US" dirty="0"/>
+              <a:t>Note that a storage class is slightly more general than Java data types. The INTEGER storage class, for example, includes 6 different integer datatypes of different lengths. This makes a difference on disk. But as soon as INTEGER values are read off of disk and into memory for processing, they are converted to the most general datatype (8-byte signed integer). And so for the most part, "storage class" is indistinguishable from "datatype" and the two terms can be used interchangeably.</a:t>
             </a:r>
           </a:p>
           <a:p>
@@ -1372,33 +1486,33 @@
           <a:lstStyle/>
           <a:p>
             <a:r>
-              <a:rPr lang="en-US" dirty="0" smtClean="0"/>
+              <a:rPr lang="en-US" dirty="0"/>
               <a:t>http://</a:t>
             </a:r>
             <a:r>
-              <a:rPr lang="en-US" dirty="0" err="1" smtClean="0"/>
+              <a:rPr lang="en-US" dirty="0" err="1"/>
               <a:t>sqlite.org</a:t>
             </a:r>
             <a:r>
-              <a:rPr lang="en-US" dirty="0" smtClean="0"/>
+              <a:rPr lang="en-US" dirty="0"/>
               <a:t>/</a:t>
             </a:r>
           </a:p>
           <a:p>
             <a:r>
-              <a:rPr lang="en-US" dirty="0" smtClean="0"/>
+              <a:rPr lang="en-US" dirty="0"/>
               <a:t>Relational</a:t>
             </a:r>
             <a:r>
-              <a:rPr lang="en-US" baseline="0" dirty="0" smtClean="0"/>
+              <a:rPr lang="en-US" baseline="0" dirty="0"/>
               <a:t> database theory: definition of “relation”: https://</a:t>
             </a:r>
             <a:r>
-              <a:rPr lang="en-US" baseline="0" dirty="0" err="1" smtClean="0"/>
+              <a:rPr lang="en-US" baseline="0" dirty="0" err="1"/>
               <a:t>en.wikipedia.org</a:t>
             </a:r>
             <a:r>
-              <a:rPr lang="en-US" baseline="0" smtClean="0"/>
+              <a:rPr lang="en-US" baseline="0"/>
               <a:t>/wiki/Relation_%28database%29</a:t>
             </a:r>
           </a:p>
@@ -1488,22 +1602,22 @@
           <a:lstStyle/>
           <a:p>
             <a:r>
-              <a:rPr lang="en-US" dirty="0" smtClean="0"/>
+              <a:rPr lang="en-US" dirty="0"/>
               <a:t>Entity Relationship</a:t>
             </a:r>
             <a:r>
-              <a:rPr lang="en-US" baseline="0" dirty="0" smtClean="0"/>
+              <a:rPr lang="en-US" baseline="0" dirty="0"/>
               <a:t> Diagram</a:t>
             </a:r>
           </a:p>
           <a:p>
             <a:r>
-              <a:rPr lang="en-US" dirty="0" smtClean="0"/>
+              <a:rPr lang="en-US" dirty="0"/>
               <a:t>The</a:t>
             </a:r>
             <a:r>
-              <a:rPr lang="en-US" baseline="0" dirty="0" smtClean="0"/>
-              <a:t> list has a one-to-many relationship to the tack</a:t>
+              <a:rPr lang="en-US" baseline="0" dirty="0"/>
+              <a:t> list has a one-to-many relationship to the task</a:t>
             </a:r>
             <a:endParaRPr lang="en-US" dirty="0"/>
           </a:p>
@@ -1674,10 +1788,9 @@
           <a:lstStyle/>
           <a:p>
             <a:r>
-              <a:rPr lang="en-US" dirty="0" smtClean="0"/>
+              <a:rPr lang="en-US" dirty="0"/>
               <a:t>We’ll only be using the ones that are highlighted</a:t>
             </a:r>
-            <a:endParaRPr lang="en-US" dirty="0"/>
           </a:p>
         </p:txBody>
       </p:sp>
@@ -1779,13 +1892,13 @@
               <a:defRPr/>
             </a:pPr>
             <a:r>
-              <a:rPr lang="en-US" dirty="0" smtClean="0">
+              <a:rPr lang="en-US" dirty="0">
                 <a:hlinkClick r:id="rId3"/>
               </a:rPr>
               <a:t>https://developer.android.com/reference/android/database/sqlite/SQLiteDatabase.html</a:t>
             </a:r>
             <a:r>
-              <a:rPr lang="en-US" dirty="0" smtClean="0"/>
+              <a:rPr lang="en-US" dirty="0"/>
               <a:t> </a:t>
             </a:r>
           </a:p>
@@ -1909,17 +2022,77 @@
               <a:defRPr/>
             </a:pPr>
             <a:r>
-              <a:rPr lang="en-US" dirty="0" smtClean="0">
+              <a:rPr lang="en-US" dirty="0">
                 <a:hlinkClick r:id="rId3"/>
               </a:rPr>
               <a:t>https://developer.android.com/reference/android/database/sqlite/SQLiteOpenHelper.html</a:t>
             </a:r>
             <a:r>
-              <a:rPr lang="en-US" dirty="0" smtClean="0"/>
+              <a:rPr lang="en-US" dirty="0"/>
               <a:t> </a:t>
             </a:r>
           </a:p>
           <a:p>
+            <a:pPr marL="0" marR="0" indent="0" algn="l" defTabSz="457200" rtl="0" eaLnBrk="1" fontAlgn="auto" latinLnBrk="0" hangingPunct="1">
+              <a:lnSpc>
+                <a:spcPct val="100000"/>
+              </a:lnSpc>
+              <a:spcBef>
+                <a:spcPts val="0"/>
+              </a:spcBef>
+              <a:spcAft>
+                <a:spcPts val="0"/>
+              </a:spcAft>
+              <a:buClrTx/>
+              <a:buSzTx/>
+              <a:buFontTx/>
+              <a:buNone/>
+              <a:tabLst/>
+              <a:defRPr/>
+            </a:pPr>
+            <a:r>
+              <a:rPr lang="en-US" dirty="0"/>
+              <a:t>See an example in: https://</a:t>
+            </a:r>
+            <a:r>
+              <a:rPr lang="en-US" dirty="0" err="1"/>
+              <a:t>github.com</a:t>
+            </a:r>
+            <a:r>
+              <a:rPr lang="en-US" dirty="0"/>
+              <a:t>/UO-CIS/CIS399AndroidDemos/tree/master/</a:t>
+            </a:r>
+            <a:r>
+              <a:rPr lang="en-US" dirty="0" err="1"/>
+              <a:t>WeatherForecast-SAX+SQLite+ListView</a:t>
+            </a:r>
+            <a:r>
+              <a:rPr lang="en-US" dirty="0"/>
+              <a:t>,</a:t>
+            </a:r>
+          </a:p>
+          <a:p>
+            <a:pPr marL="0" marR="0" indent="0" algn="l" defTabSz="457200" rtl="0" eaLnBrk="1" fontAlgn="auto" latinLnBrk="0" hangingPunct="1">
+              <a:lnSpc>
+                <a:spcPct val="100000"/>
+              </a:lnSpc>
+              <a:spcBef>
+                <a:spcPts val="0"/>
+              </a:spcBef>
+              <a:spcAft>
+                <a:spcPts val="0"/>
+              </a:spcAft>
+              <a:buClrTx/>
+              <a:buSzTx/>
+              <a:buFontTx/>
+              <a:buNone/>
+              <a:tabLst/>
+              <a:defRPr/>
+            </a:pPr>
+            <a:r>
+              <a:rPr lang="en-US" dirty="0" err="1"/>
+              <a:t>WeatherSqliteHelper.java</a:t>
+            </a:r>
             <a:endParaRPr lang="en-US" dirty="0"/>
           </a:p>
         </p:txBody>
@@ -1998,10 +2171,9 @@
           <a:lstStyle/>
           <a:p>
             <a:r>
-              <a:rPr lang="en-US" smtClean="0"/>
+              <a:rPr lang="en-US"/>
               <a:t>Click to edit Master title style</a:t>
             </a:r>
-            <a:endParaRPr lang="en-US"/>
           </a:p>
         </p:txBody>
       </p:sp>
@@ -2117,10 +2289,9 @@
           </a:lstStyle>
           <a:p>
             <a:r>
-              <a:rPr lang="en-US" smtClean="0"/>
+              <a:rPr lang="en-US"/>
               <a:t>Click to edit Master subtitle style</a:t>
             </a:r>
-            <a:endParaRPr lang="en-US"/>
           </a:p>
         </p:txBody>
       </p:sp>
@@ -2141,7 +2312,7 @@
           <a:p>
             <a:fld id="{12110144-19AD-4D4E-902D-E18AF93089D3}" type="datetimeFigureOut">
               <a:rPr lang="en-US" smtClean="0"/>
-              <a:t>7/14/17</a:t>
+              <a:t>7/12/18</a:t>
             </a:fld>
             <a:endParaRPr lang="en-US"/>
           </a:p>
@@ -2235,10 +2406,9 @@
           <a:lstStyle/>
           <a:p>
             <a:r>
-              <a:rPr lang="en-US" smtClean="0"/>
+              <a:rPr lang="en-US"/>
               <a:t>Click to edit Master title style</a:t>
             </a:r>
-            <a:endParaRPr lang="en-US"/>
           </a:p>
         </p:txBody>
       </p:sp>
@@ -2259,38 +2429,37 @@
           <a:p>
             <a:pPr lvl="0"/>
             <a:r>
-              <a:rPr lang="en-US" smtClean="0"/>
+              <a:rPr lang="en-US"/>
               <a:t>Click to edit Master text styles</a:t>
             </a:r>
           </a:p>
           <a:p>
             <a:pPr lvl="1"/>
             <a:r>
-              <a:rPr lang="en-US" smtClean="0"/>
+              <a:rPr lang="en-US"/>
               <a:t>Second level</a:t>
             </a:r>
           </a:p>
           <a:p>
             <a:pPr lvl="2"/>
             <a:r>
-              <a:rPr lang="en-US" smtClean="0"/>
+              <a:rPr lang="en-US"/>
               <a:t>Third level</a:t>
             </a:r>
           </a:p>
           <a:p>
             <a:pPr lvl="3"/>
             <a:r>
-              <a:rPr lang="en-US" smtClean="0"/>
+              <a:rPr lang="en-US"/>
               <a:t>Fourth level</a:t>
             </a:r>
           </a:p>
           <a:p>
             <a:pPr lvl="4"/>
             <a:r>
-              <a:rPr lang="en-US" smtClean="0"/>
+              <a:rPr lang="en-US"/>
               <a:t>Fifth level</a:t>
             </a:r>
-            <a:endParaRPr lang="en-US"/>
           </a:p>
         </p:txBody>
       </p:sp>
@@ -2311,7 +2480,7 @@
           <a:p>
             <a:fld id="{12110144-19AD-4D4E-902D-E18AF93089D3}" type="datetimeFigureOut">
               <a:rPr lang="en-US" smtClean="0"/>
-              <a:t>7/14/17</a:t>
+              <a:t>7/12/18</a:t>
             </a:fld>
             <a:endParaRPr lang="en-US"/>
           </a:p>
@@ -2410,10 +2579,9 @@
           <a:lstStyle/>
           <a:p>
             <a:r>
-              <a:rPr lang="en-US" smtClean="0"/>
+              <a:rPr lang="en-US"/>
               <a:t>Click to edit Master title style</a:t>
             </a:r>
-            <a:endParaRPr lang="en-US"/>
           </a:p>
         </p:txBody>
       </p:sp>
@@ -2439,38 +2607,37 @@
           <a:p>
             <a:pPr lvl="0"/>
             <a:r>
-              <a:rPr lang="en-US" smtClean="0"/>
+              <a:rPr lang="en-US"/>
               <a:t>Click to edit Master text styles</a:t>
             </a:r>
           </a:p>
           <a:p>
             <a:pPr lvl="1"/>
             <a:r>
-              <a:rPr lang="en-US" smtClean="0"/>
+              <a:rPr lang="en-US"/>
               <a:t>Second level</a:t>
             </a:r>
           </a:p>
           <a:p>
             <a:pPr lvl="2"/>
             <a:r>
-              <a:rPr lang="en-US" smtClean="0"/>
+              <a:rPr lang="en-US"/>
               <a:t>Third level</a:t>
             </a:r>
           </a:p>
           <a:p>
             <a:pPr lvl="3"/>
             <a:r>
-              <a:rPr lang="en-US" smtClean="0"/>
+              <a:rPr lang="en-US"/>
               <a:t>Fourth level</a:t>
             </a:r>
           </a:p>
           <a:p>
             <a:pPr lvl="4"/>
             <a:r>
-              <a:rPr lang="en-US" smtClean="0"/>
+              <a:rPr lang="en-US"/>
               <a:t>Fifth level</a:t>
             </a:r>
-            <a:endParaRPr lang="en-US"/>
           </a:p>
         </p:txBody>
       </p:sp>
@@ -2491,7 +2658,7 @@
           <a:p>
             <a:fld id="{12110144-19AD-4D4E-902D-E18AF93089D3}" type="datetimeFigureOut">
               <a:rPr lang="en-US" smtClean="0"/>
-              <a:t>7/14/17</a:t>
+              <a:t>7/12/18</a:t>
             </a:fld>
             <a:endParaRPr lang="en-US"/>
           </a:p>
@@ -2585,10 +2752,9 @@
           <a:lstStyle/>
           <a:p>
             <a:r>
-              <a:rPr lang="en-US" smtClean="0"/>
+              <a:rPr lang="en-US"/>
               <a:t>Click to edit Master title style</a:t>
             </a:r>
-            <a:endParaRPr lang="en-US"/>
           </a:p>
         </p:txBody>
       </p:sp>
@@ -2609,38 +2775,37 @@
           <a:p>
             <a:pPr lvl="0"/>
             <a:r>
-              <a:rPr lang="en-US" smtClean="0"/>
+              <a:rPr lang="en-US"/>
               <a:t>Click to edit Master text styles</a:t>
             </a:r>
           </a:p>
           <a:p>
             <a:pPr lvl="1"/>
             <a:r>
-              <a:rPr lang="en-US" smtClean="0"/>
+              <a:rPr lang="en-US"/>
               <a:t>Second level</a:t>
             </a:r>
           </a:p>
           <a:p>
             <a:pPr lvl="2"/>
             <a:r>
-              <a:rPr lang="en-US" smtClean="0"/>
+              <a:rPr lang="en-US"/>
               <a:t>Third level</a:t>
             </a:r>
           </a:p>
           <a:p>
             <a:pPr lvl="3"/>
             <a:r>
-              <a:rPr lang="en-US" smtClean="0"/>
+              <a:rPr lang="en-US"/>
               <a:t>Fourth level</a:t>
             </a:r>
           </a:p>
           <a:p>
             <a:pPr lvl="4"/>
             <a:r>
-              <a:rPr lang="en-US" smtClean="0"/>
+              <a:rPr lang="en-US"/>
               <a:t>Fifth level</a:t>
             </a:r>
-            <a:endParaRPr lang="en-US"/>
           </a:p>
         </p:txBody>
       </p:sp>
@@ -2661,7 +2826,7 @@
           <a:p>
             <a:fld id="{12110144-19AD-4D4E-902D-E18AF93089D3}" type="datetimeFigureOut">
               <a:rPr lang="en-US" smtClean="0"/>
-              <a:t>7/14/17</a:t>
+              <a:t>7/12/18</a:t>
             </a:fld>
             <a:endParaRPr lang="en-US"/>
           </a:p>
@@ -2764,10 +2929,9 @@
           </a:lstStyle>
           <a:p>
             <a:r>
-              <a:rPr lang="en-US" smtClean="0"/>
+              <a:rPr lang="en-US"/>
               <a:t>Click to edit Master title style</a:t>
             </a:r>
-            <a:endParaRPr lang="en-US"/>
           </a:p>
         </p:txBody>
       </p:sp>
@@ -2884,7 +3048,7 @@
           <a:p>
             <a:pPr lvl="0"/>
             <a:r>
-              <a:rPr lang="en-US" smtClean="0"/>
+              <a:rPr lang="en-US"/>
               <a:t>Click to edit Master text styles</a:t>
             </a:r>
           </a:p>
@@ -2907,7 +3071,7 @@
           <a:p>
             <a:fld id="{12110144-19AD-4D4E-902D-E18AF93089D3}" type="datetimeFigureOut">
               <a:rPr lang="en-US" smtClean="0"/>
-              <a:t>7/14/17</a:t>
+              <a:t>7/12/18</a:t>
             </a:fld>
             <a:endParaRPr lang="en-US"/>
           </a:p>
@@ -3001,10 +3165,9 @@
           <a:lstStyle/>
           <a:p>
             <a:r>
-              <a:rPr lang="en-US" smtClean="0"/>
+              <a:rPr lang="en-US"/>
               <a:t>Click to edit Master title style</a:t>
             </a:r>
-            <a:endParaRPr lang="en-US"/>
           </a:p>
         </p:txBody>
       </p:sp>
@@ -3058,38 +3221,37 @@
           <a:p>
             <a:pPr lvl="0"/>
             <a:r>
-              <a:rPr lang="en-US" smtClean="0"/>
+              <a:rPr lang="en-US"/>
               <a:t>Click to edit Master text styles</a:t>
             </a:r>
           </a:p>
           <a:p>
             <a:pPr lvl="1"/>
             <a:r>
-              <a:rPr lang="en-US" smtClean="0"/>
+              <a:rPr lang="en-US"/>
               <a:t>Second level</a:t>
             </a:r>
           </a:p>
           <a:p>
             <a:pPr lvl="2"/>
             <a:r>
-              <a:rPr lang="en-US" smtClean="0"/>
+              <a:rPr lang="en-US"/>
               <a:t>Third level</a:t>
             </a:r>
           </a:p>
           <a:p>
             <a:pPr lvl="3"/>
             <a:r>
-              <a:rPr lang="en-US" smtClean="0"/>
+              <a:rPr lang="en-US"/>
               <a:t>Fourth level</a:t>
             </a:r>
           </a:p>
           <a:p>
             <a:pPr lvl="4"/>
             <a:r>
-              <a:rPr lang="en-US" smtClean="0"/>
+              <a:rPr lang="en-US"/>
               <a:t>Fifth level</a:t>
             </a:r>
-            <a:endParaRPr lang="en-US"/>
           </a:p>
         </p:txBody>
       </p:sp>
@@ -3143,38 +3305,37 @@
           <a:p>
             <a:pPr lvl="0"/>
             <a:r>
-              <a:rPr lang="en-US" smtClean="0"/>
+              <a:rPr lang="en-US"/>
               <a:t>Click to edit Master text styles</a:t>
             </a:r>
           </a:p>
           <a:p>
             <a:pPr lvl="1"/>
             <a:r>
-              <a:rPr lang="en-US" smtClean="0"/>
+              <a:rPr lang="en-US"/>
               <a:t>Second level</a:t>
             </a:r>
           </a:p>
           <a:p>
             <a:pPr lvl="2"/>
             <a:r>
-              <a:rPr lang="en-US" smtClean="0"/>
+              <a:rPr lang="en-US"/>
               <a:t>Third level</a:t>
             </a:r>
           </a:p>
           <a:p>
             <a:pPr lvl="3"/>
             <a:r>
-              <a:rPr lang="en-US" smtClean="0"/>
+              <a:rPr lang="en-US"/>
               <a:t>Fourth level</a:t>
             </a:r>
           </a:p>
           <a:p>
             <a:pPr lvl="4"/>
             <a:r>
-              <a:rPr lang="en-US" smtClean="0"/>
+              <a:rPr lang="en-US"/>
               <a:t>Fifth level</a:t>
             </a:r>
-            <a:endParaRPr lang="en-US"/>
           </a:p>
         </p:txBody>
       </p:sp>
@@ -3195,7 +3356,7 @@
           <a:p>
             <a:fld id="{12110144-19AD-4D4E-902D-E18AF93089D3}" type="datetimeFigureOut">
               <a:rPr lang="en-US" smtClean="0"/>
-              <a:t>7/14/17</a:t>
+              <a:t>7/12/18</a:t>
             </a:fld>
             <a:endParaRPr lang="en-US"/>
           </a:p>
@@ -3293,10 +3454,9 @@
           </a:lstStyle>
           <a:p>
             <a:r>
-              <a:rPr lang="en-US" smtClean="0"/>
+              <a:rPr lang="en-US"/>
               <a:t>Click to edit Master title style</a:t>
             </a:r>
-            <a:endParaRPr lang="en-US"/>
           </a:p>
         </p:txBody>
       </p:sp>
@@ -3359,7 +3519,7 @@
           <a:p>
             <a:pPr lvl="0"/>
             <a:r>
-              <a:rPr lang="en-US" smtClean="0"/>
+              <a:rPr lang="en-US"/>
               <a:t>Click to edit Master text styles</a:t>
             </a:r>
           </a:p>
@@ -3415,38 +3575,37 @@
           <a:p>
             <a:pPr lvl="0"/>
             <a:r>
-              <a:rPr lang="en-US" smtClean="0"/>
+              <a:rPr lang="en-US"/>
               <a:t>Click to edit Master text styles</a:t>
             </a:r>
           </a:p>
           <a:p>
             <a:pPr lvl="1"/>
             <a:r>
-              <a:rPr lang="en-US" smtClean="0"/>
+              <a:rPr lang="en-US"/>
               <a:t>Second level</a:t>
             </a:r>
           </a:p>
           <a:p>
             <a:pPr lvl="2"/>
             <a:r>
-              <a:rPr lang="en-US" smtClean="0"/>
+              <a:rPr lang="en-US"/>
               <a:t>Third level</a:t>
             </a:r>
           </a:p>
           <a:p>
             <a:pPr lvl="3"/>
             <a:r>
-              <a:rPr lang="en-US" smtClean="0"/>
+              <a:rPr lang="en-US"/>
               <a:t>Fourth level</a:t>
             </a:r>
           </a:p>
           <a:p>
             <a:pPr lvl="4"/>
             <a:r>
-              <a:rPr lang="en-US" smtClean="0"/>
+              <a:rPr lang="en-US"/>
               <a:t>Fifth level</a:t>
             </a:r>
-            <a:endParaRPr lang="en-US"/>
           </a:p>
         </p:txBody>
       </p:sp>
@@ -3509,7 +3668,7 @@
           <a:p>
             <a:pPr lvl="0"/>
             <a:r>
-              <a:rPr lang="en-US" smtClean="0"/>
+              <a:rPr lang="en-US"/>
               <a:t>Click to edit Master text styles</a:t>
             </a:r>
           </a:p>
@@ -3565,38 +3724,37 @@
           <a:p>
             <a:pPr lvl="0"/>
             <a:r>
-              <a:rPr lang="en-US" smtClean="0"/>
+              <a:rPr lang="en-US"/>
               <a:t>Click to edit Master text styles</a:t>
             </a:r>
           </a:p>
           <a:p>
             <a:pPr lvl="1"/>
             <a:r>
-              <a:rPr lang="en-US" smtClean="0"/>
+              <a:rPr lang="en-US"/>
               <a:t>Second level</a:t>
             </a:r>
           </a:p>
           <a:p>
             <a:pPr lvl="2"/>
             <a:r>
-              <a:rPr lang="en-US" smtClean="0"/>
+              <a:rPr lang="en-US"/>
               <a:t>Third level</a:t>
             </a:r>
           </a:p>
           <a:p>
             <a:pPr lvl="3"/>
             <a:r>
-              <a:rPr lang="en-US" smtClean="0"/>
+              <a:rPr lang="en-US"/>
               <a:t>Fourth level</a:t>
             </a:r>
           </a:p>
           <a:p>
             <a:pPr lvl="4"/>
             <a:r>
-              <a:rPr lang="en-US" smtClean="0"/>
+              <a:rPr lang="en-US"/>
               <a:t>Fifth level</a:t>
             </a:r>
-            <a:endParaRPr lang="en-US"/>
           </a:p>
         </p:txBody>
       </p:sp>
@@ -3617,7 +3775,7 @@
           <a:p>
             <a:fld id="{12110144-19AD-4D4E-902D-E18AF93089D3}" type="datetimeFigureOut">
               <a:rPr lang="en-US" smtClean="0"/>
-              <a:t>7/14/17</a:t>
+              <a:t>7/12/18</a:t>
             </a:fld>
             <a:endParaRPr lang="en-US"/>
           </a:p>
@@ -3711,10 +3869,9 @@
           <a:lstStyle/>
           <a:p>
             <a:r>
-              <a:rPr lang="en-US" smtClean="0"/>
+              <a:rPr lang="en-US"/>
               <a:t>Click to edit Master title style</a:t>
             </a:r>
-            <a:endParaRPr lang="en-US"/>
           </a:p>
         </p:txBody>
       </p:sp>
@@ -3735,7 +3892,7 @@
           <a:p>
             <a:fld id="{12110144-19AD-4D4E-902D-E18AF93089D3}" type="datetimeFigureOut">
               <a:rPr lang="en-US" smtClean="0"/>
-              <a:t>7/14/17</a:t>
+              <a:t>7/12/18</a:t>
             </a:fld>
             <a:endParaRPr lang="en-US"/>
           </a:p>
@@ -3830,7 +3987,7 @@
           <a:p>
             <a:fld id="{12110144-19AD-4D4E-902D-E18AF93089D3}" type="datetimeFigureOut">
               <a:rPr lang="en-US" smtClean="0"/>
-              <a:t>7/14/17</a:t>
+              <a:t>7/12/18</a:t>
             </a:fld>
             <a:endParaRPr lang="en-US"/>
           </a:p>
@@ -3933,10 +4090,9 @@
           </a:lstStyle>
           <a:p>
             <a:r>
-              <a:rPr lang="en-US" smtClean="0"/>
+              <a:rPr lang="en-US"/>
               <a:t>Click to edit Master title style</a:t>
             </a:r>
-            <a:endParaRPr lang="en-US"/>
           </a:p>
         </p:txBody>
       </p:sp>
@@ -3990,38 +4146,37 @@
           <a:p>
             <a:pPr lvl="0"/>
             <a:r>
-              <a:rPr lang="en-US" smtClean="0"/>
+              <a:rPr lang="en-US"/>
               <a:t>Click to edit Master text styles</a:t>
             </a:r>
           </a:p>
           <a:p>
             <a:pPr lvl="1"/>
             <a:r>
-              <a:rPr lang="en-US" smtClean="0"/>
+              <a:rPr lang="en-US"/>
               <a:t>Second level</a:t>
             </a:r>
           </a:p>
           <a:p>
             <a:pPr lvl="2"/>
             <a:r>
-              <a:rPr lang="en-US" smtClean="0"/>
+              <a:rPr lang="en-US"/>
               <a:t>Third level</a:t>
             </a:r>
           </a:p>
           <a:p>
             <a:pPr lvl="3"/>
             <a:r>
-              <a:rPr lang="en-US" smtClean="0"/>
+              <a:rPr lang="en-US"/>
               <a:t>Fourth level</a:t>
             </a:r>
           </a:p>
           <a:p>
             <a:pPr lvl="4"/>
             <a:r>
-              <a:rPr lang="en-US" smtClean="0"/>
+              <a:rPr lang="en-US"/>
               <a:t>Fifth level</a:t>
             </a:r>
-            <a:endParaRPr lang="en-US"/>
           </a:p>
         </p:txBody>
       </p:sp>
@@ -4084,7 +4239,7 @@
           <a:p>
             <a:pPr lvl="0"/>
             <a:r>
-              <a:rPr lang="en-US" smtClean="0"/>
+              <a:rPr lang="en-US"/>
               <a:t>Click to edit Master text styles</a:t>
             </a:r>
           </a:p>
@@ -4107,7 +4262,7 @@
           <a:p>
             <a:fld id="{12110144-19AD-4D4E-902D-E18AF93089D3}" type="datetimeFigureOut">
               <a:rPr lang="en-US" smtClean="0"/>
-              <a:t>7/14/17</a:t>
+              <a:t>7/12/18</a:t>
             </a:fld>
             <a:endParaRPr lang="en-US"/>
           </a:p>
@@ -4210,10 +4365,9 @@
           </a:lstStyle>
           <a:p>
             <a:r>
-              <a:rPr lang="en-US" smtClean="0"/>
+              <a:rPr lang="en-US"/>
               <a:t>Click to edit Master title style</a:t>
             </a:r>
-            <a:endParaRPr lang="en-US"/>
           </a:p>
         </p:txBody>
       </p:sp>
@@ -4337,7 +4491,7 @@
           <a:p>
             <a:pPr lvl="0"/>
             <a:r>
-              <a:rPr lang="en-US" smtClean="0"/>
+              <a:rPr lang="en-US"/>
               <a:t>Click to edit Master text styles</a:t>
             </a:r>
           </a:p>
@@ -4360,7 +4514,7 @@
           <a:p>
             <a:fld id="{12110144-19AD-4D4E-902D-E18AF93089D3}" type="datetimeFigureOut">
               <a:rPr lang="en-US" smtClean="0"/>
-              <a:t>7/14/17</a:t>
+              <a:t>7/12/18</a:t>
             </a:fld>
             <a:endParaRPr lang="en-US"/>
           </a:p>
@@ -4487,10 +4641,9 @@
           <a:lstStyle/>
           <a:p>
             <a:r>
-              <a:rPr lang="en-US" smtClean="0"/>
+              <a:rPr lang="en-US"/>
               <a:t>Click to edit Master title style</a:t>
             </a:r>
-            <a:endParaRPr lang="en-US"/>
           </a:p>
         </p:txBody>
       </p:sp>
@@ -4521,38 +4674,37 @@
           <a:p>
             <a:pPr lvl="0"/>
             <a:r>
-              <a:rPr lang="en-US" smtClean="0"/>
+              <a:rPr lang="en-US"/>
               <a:t>Click to edit Master text styles</a:t>
             </a:r>
           </a:p>
           <a:p>
             <a:pPr lvl="1"/>
             <a:r>
-              <a:rPr lang="en-US" smtClean="0"/>
+              <a:rPr lang="en-US"/>
               <a:t>Second level</a:t>
             </a:r>
           </a:p>
           <a:p>
             <a:pPr lvl="2"/>
             <a:r>
-              <a:rPr lang="en-US" smtClean="0"/>
+              <a:rPr lang="en-US"/>
               <a:t>Third level</a:t>
             </a:r>
           </a:p>
           <a:p>
             <a:pPr lvl="3"/>
             <a:r>
-              <a:rPr lang="en-US" smtClean="0"/>
+              <a:rPr lang="en-US"/>
               <a:t>Fourth level</a:t>
             </a:r>
           </a:p>
           <a:p>
             <a:pPr lvl="4"/>
             <a:r>
-              <a:rPr lang="en-US" smtClean="0"/>
+              <a:rPr lang="en-US"/>
               <a:t>Fifth level</a:t>
             </a:r>
-            <a:endParaRPr lang="en-US"/>
           </a:p>
         </p:txBody>
       </p:sp>
@@ -4591,7 +4743,7 @@
           <a:p>
             <a:fld id="{12110144-19AD-4D4E-902D-E18AF93089D3}" type="datetimeFigureOut">
               <a:rPr lang="en-US" smtClean="0"/>
-              <a:t>7/14/17</a:t>
+              <a:t>7/12/18</a:t>
             </a:fld>
             <a:endParaRPr lang="en-US"/>
           </a:p>
@@ -5005,20 +5157,12 @@
               </a:spcAft>
             </a:pPr>
             <a:r>
-              <a:rPr lang="en-US" sz="8800" b="1" dirty="0" smtClean="0"/>
+              <a:rPr lang="en-US" sz="8800" b="1" dirty="0"/>
               <a:t>Databases</a:t>
             </a:r>
-            <a:r>
-              <a:rPr lang="en-US" sz="9600" b="1" dirty="0" smtClean="0"/>
-              <a:t/>
-            </a:r>
             <a:br>
-              <a:rPr lang="en-US" sz="9600" b="1" dirty="0" smtClean="0"/>
+              <a:rPr lang="en-US" sz="9600" b="1" dirty="0"/>
             </a:br>
-            <a:r>
-              <a:rPr lang="en-US" sz="9600" b="1" dirty="0"/>
-              <a:t/>
-            </a:r>
             <a:br>
               <a:rPr lang="en-US" sz="9600" b="1" dirty="0"/>
             </a:br>
@@ -5049,18 +5193,13 @@
           <a:lstStyle/>
           <a:p>
             <a:r>
-              <a:rPr lang="en-US" sz="4400" dirty="0" smtClean="0">
+              <a:rPr lang="en-US" sz="4400" dirty="0">
                 <a:solidFill>
                   <a:schemeClr val="tx1"/>
                 </a:solidFill>
               </a:rPr>
               <a:t>CIS 399</a:t>
             </a:r>
-            <a:endParaRPr lang="en-US" sz="4400" dirty="0">
-              <a:solidFill>
-                <a:schemeClr val="tx1"/>
-              </a:solidFill>
-            </a:endParaRPr>
           </a:p>
         </p:txBody>
       </p:sp>
@@ -5074,13 +5213,6 @@
   <p:clrMapOvr>
     <a:masterClrMapping/>
   </p:clrMapOvr>
-  <p:timing>
-    <p:tnLst>
-      <p:par>
-        <p:cTn id="1" dur="indefinite" restart="never" nodeType="tmRoot"/>
-      </p:par>
-    </p:tnLst>
-  </p:timing>
 </p:sld>
 </file>
 
@@ -5126,8 +5258,20 @@
                 <a:tableStyleId>{5C22544A-7EE6-4342-B048-85BDC9FD1C3A}</a:tableStyleId>
               </a:tblPr>
               <a:tblGrid>
-                <a:gridCol w="3048000"/>
-                <a:gridCol w="3502855"/>
+                <a:gridCol w="3048000">
+                  <a:extLst>
+                    <a:ext uri="{9D8B030D-6E8A-4147-A177-3AD203B41FA5}">
+                      <a16:colId xmlns:a16="http://schemas.microsoft.com/office/drawing/2014/main" val="20000"/>
+                    </a:ext>
+                  </a:extLst>
+                </a:gridCol>
+                <a:gridCol w="3502855">
+                  <a:extLst>
+                    <a:ext uri="{9D8B030D-6E8A-4147-A177-3AD203B41FA5}">
+                      <a16:colId xmlns:a16="http://schemas.microsoft.com/office/drawing/2014/main" val="20001"/>
+                    </a:ext>
+                  </a:extLst>
+                </a:gridCol>
               </a:tblGrid>
               <a:tr h="370840">
                 <a:tc>
@@ -5136,18 +5280,13 @@
                     <a:lstStyle/>
                     <a:p>
                       <a:r>
-                        <a:rPr lang="en-US" b="1" dirty="0" smtClean="0">
+                        <a:rPr lang="en-US" b="1" dirty="0">
                           <a:solidFill>
                             <a:schemeClr val="bg1"/>
                           </a:solidFill>
                         </a:rPr>
                         <a:t>_id</a:t>
                       </a:r>
-                      <a:endParaRPr lang="en-US" b="1" dirty="0">
-                        <a:solidFill>
-                          <a:schemeClr val="bg1"/>
-                        </a:solidFill>
-                      </a:endParaRPr>
                     </a:p>
                   </a:txBody>
                   <a:tcPr/>
@@ -5158,14 +5297,18 @@
                     <a:lstStyle/>
                     <a:p>
                       <a:r>
-                        <a:rPr lang="en-US" dirty="0" smtClean="0"/>
+                        <a:rPr lang="en-US" dirty="0"/>
                         <a:t>list _name</a:t>
                       </a:r>
-                      <a:endParaRPr lang="en-US" dirty="0"/>
                     </a:p>
                   </a:txBody>
                   <a:tcPr/>
                 </a:tc>
+                <a:extLst>
+                  <a:ext uri="{0D108BD9-81ED-4DB2-BD59-A6C34878D82A}">
+                    <a16:rowId xmlns:a16="http://schemas.microsoft.com/office/drawing/2014/main" val="10000"/>
+                  </a:ext>
+                </a:extLst>
               </a:tr>
               <a:tr h="370840">
                 <a:tc>
@@ -5188,6 +5331,11 @@
                   </a:txBody>
                   <a:tcPr/>
                 </a:tc>
+                <a:extLst>
+                  <a:ext uri="{0D108BD9-81ED-4DB2-BD59-A6C34878D82A}">
+                    <a16:rowId xmlns:a16="http://schemas.microsoft.com/office/drawing/2014/main" val="10001"/>
+                  </a:ext>
+                </a:extLst>
               </a:tr>
               <a:tr h="370840">
                 <a:tc>
@@ -5210,6 +5358,11 @@
                   </a:txBody>
                   <a:tcPr/>
                 </a:tc>
+                <a:extLst>
+                  <a:ext uri="{0D108BD9-81ED-4DB2-BD59-A6C34878D82A}">
+                    <a16:rowId xmlns:a16="http://schemas.microsoft.com/office/drawing/2014/main" val="10002"/>
+                  </a:ext>
+                </a:extLst>
               </a:tr>
             </a:tbl>
           </a:graphicData>
@@ -5240,12 +5393,48 @@
                 <a:tableStyleId>{5C22544A-7EE6-4342-B048-85BDC9FD1C3A}</a:tableStyleId>
               </a:tblPr>
               <a:tblGrid>
-                <a:gridCol w="580073"/>
-                <a:gridCol w="867727"/>
-                <a:gridCol w="1371600"/>
-                <a:gridCol w="838200"/>
-                <a:gridCol w="1981200"/>
-                <a:gridCol w="990601"/>
+                <a:gridCol w="580073">
+                  <a:extLst>
+                    <a:ext uri="{9D8B030D-6E8A-4147-A177-3AD203B41FA5}">
+                      <a16:colId xmlns:a16="http://schemas.microsoft.com/office/drawing/2014/main" val="20000"/>
+                    </a:ext>
+                  </a:extLst>
+                </a:gridCol>
+                <a:gridCol w="867727">
+                  <a:extLst>
+                    <a:ext uri="{9D8B030D-6E8A-4147-A177-3AD203B41FA5}">
+                      <a16:colId xmlns:a16="http://schemas.microsoft.com/office/drawing/2014/main" val="20001"/>
+                    </a:ext>
+                  </a:extLst>
+                </a:gridCol>
+                <a:gridCol w="1371600">
+                  <a:extLst>
+                    <a:ext uri="{9D8B030D-6E8A-4147-A177-3AD203B41FA5}">
+                      <a16:colId xmlns:a16="http://schemas.microsoft.com/office/drawing/2014/main" val="20002"/>
+                    </a:ext>
+                  </a:extLst>
+                </a:gridCol>
+                <a:gridCol w="838200">
+                  <a:extLst>
+                    <a:ext uri="{9D8B030D-6E8A-4147-A177-3AD203B41FA5}">
+                      <a16:colId xmlns:a16="http://schemas.microsoft.com/office/drawing/2014/main" val="20003"/>
+                    </a:ext>
+                  </a:extLst>
+                </a:gridCol>
+                <a:gridCol w="1981200">
+                  <a:extLst>
+                    <a:ext uri="{9D8B030D-6E8A-4147-A177-3AD203B41FA5}">
+                      <a16:colId xmlns:a16="http://schemas.microsoft.com/office/drawing/2014/main" val="20004"/>
+                    </a:ext>
+                  </a:extLst>
+                </a:gridCol>
+                <a:gridCol w="990601">
+                  <a:extLst>
+                    <a:ext uri="{9D8B030D-6E8A-4147-A177-3AD203B41FA5}">
+                      <a16:colId xmlns:a16="http://schemas.microsoft.com/office/drawing/2014/main" val="20005"/>
+                    </a:ext>
+                  </a:extLst>
+                </a:gridCol>
               </a:tblGrid>
               <a:tr h="370840">
                 <a:tc>
@@ -5254,18 +5443,13 @@
                     <a:lstStyle/>
                     <a:p>
                       <a:r>
-                        <a:rPr lang="en-US" dirty="0" smtClean="0">
+                        <a:rPr lang="en-US" dirty="0">
                           <a:solidFill>
                             <a:schemeClr val="bg1"/>
                           </a:solidFill>
                         </a:rPr>
                         <a:t>_id</a:t>
                       </a:r>
-                      <a:endParaRPr lang="en-US" dirty="0">
-                        <a:solidFill>
-                          <a:schemeClr val="bg1"/>
-                        </a:solidFill>
-                      </a:endParaRPr>
                     </a:p>
                   </a:txBody>
                   <a:tcPr/>
@@ -5276,18 +5460,13 @@
                     <a:lstStyle/>
                     <a:p>
                       <a:r>
-                        <a:rPr lang="en-US" dirty="0" smtClean="0">
+                        <a:rPr lang="en-US" dirty="0">
                           <a:solidFill>
                             <a:srgbClr val="FF0000"/>
                           </a:solidFill>
                         </a:rPr>
                         <a:t>list_id</a:t>
                       </a:r>
-                      <a:endParaRPr lang="en-US" dirty="0">
-                        <a:solidFill>
-                          <a:srgbClr val="FF0000"/>
-                        </a:solidFill>
-                      </a:endParaRPr>
                     </a:p>
                   </a:txBody>
                   <a:tcPr/>
@@ -5298,10 +5477,9 @@
                     <a:lstStyle/>
                     <a:p>
                       <a:r>
-                        <a:rPr lang="en-US" dirty="0" smtClean="0"/>
+                        <a:rPr lang="en-US" dirty="0"/>
                         <a:t>task_name</a:t>
                       </a:r>
-                      <a:endParaRPr lang="en-US" dirty="0"/>
                     </a:p>
                   </a:txBody>
                   <a:tcPr/>
@@ -5312,10 +5490,9 @@
                     <a:lstStyle/>
                     <a:p>
                       <a:r>
-                        <a:rPr lang="en-US" dirty="0" smtClean="0"/>
+                        <a:rPr lang="en-US" dirty="0"/>
                         <a:t>notes</a:t>
                       </a:r>
-                      <a:endParaRPr lang="en-US" dirty="0"/>
                     </a:p>
                   </a:txBody>
                   <a:tcPr/>
@@ -5326,10 +5503,9 @@
                     <a:lstStyle/>
                     <a:p>
                       <a:r>
-                        <a:rPr lang="en-US" dirty="0" smtClean="0"/>
+                        <a:rPr lang="en-US" dirty="0"/>
                         <a:t>date_completed</a:t>
                       </a:r>
-                      <a:endParaRPr lang="en-US" dirty="0"/>
                     </a:p>
                   </a:txBody>
                   <a:tcPr/>
@@ -5340,14 +5516,18 @@
                     <a:lstStyle/>
                     <a:p>
                       <a:r>
-                        <a:rPr lang="en-US" dirty="0" smtClean="0"/>
+                        <a:rPr lang="en-US" dirty="0"/>
                         <a:t>hidden</a:t>
                       </a:r>
-                      <a:endParaRPr lang="en-US" dirty="0"/>
                     </a:p>
                   </a:txBody>
                   <a:tcPr/>
                 </a:tc>
+                <a:extLst>
+                  <a:ext uri="{0D108BD9-81ED-4DB2-BD59-A6C34878D82A}">
+                    <a16:rowId xmlns:a16="http://schemas.microsoft.com/office/drawing/2014/main" val="10000"/>
+                  </a:ext>
+                </a:extLst>
               </a:tr>
               <a:tr h="370840">
                 <a:tc>
@@ -5410,6 +5590,11 @@
                   </a:txBody>
                   <a:tcPr/>
                 </a:tc>
+                <a:extLst>
+                  <a:ext uri="{0D108BD9-81ED-4DB2-BD59-A6C34878D82A}">
+                    <a16:rowId xmlns:a16="http://schemas.microsoft.com/office/drawing/2014/main" val="10001"/>
+                  </a:ext>
+                </a:extLst>
               </a:tr>
               <a:tr h="370840">
                 <a:tc>
@@ -5472,6 +5657,11 @@
                   </a:txBody>
                   <a:tcPr/>
                 </a:tc>
+                <a:extLst>
+                  <a:ext uri="{0D108BD9-81ED-4DB2-BD59-A6C34878D82A}">
+                    <a16:rowId xmlns:a16="http://schemas.microsoft.com/office/drawing/2014/main" val="10002"/>
+                  </a:ext>
+                </a:extLst>
               </a:tr>
               <a:tr h="370840">
                 <a:tc>
@@ -5534,6 +5724,11 @@
                   </a:txBody>
                   <a:tcPr/>
                 </a:tc>
+                <a:extLst>
+                  <a:ext uri="{0D108BD9-81ED-4DB2-BD59-A6C34878D82A}">
+                    <a16:rowId xmlns:a16="http://schemas.microsoft.com/office/drawing/2014/main" val="10003"/>
+                  </a:ext>
+                </a:extLst>
               </a:tr>
               <a:tr h="370840">
                 <a:tc>
@@ -5596,6 +5791,11 @@
                   </a:txBody>
                   <a:tcPr/>
                 </a:tc>
+                <a:extLst>
+                  <a:ext uri="{0D108BD9-81ED-4DB2-BD59-A6C34878D82A}">
+                    <a16:rowId xmlns:a16="http://schemas.microsoft.com/office/drawing/2014/main" val="10004"/>
+                  </a:ext>
+                </a:extLst>
               </a:tr>
               <a:tr h="370840">
                 <a:tc>
@@ -5658,6 +5858,11 @@
                   </a:txBody>
                   <a:tcPr/>
                 </a:tc>
+                <a:extLst>
+                  <a:ext uri="{0D108BD9-81ED-4DB2-BD59-A6C34878D82A}">
+                    <a16:rowId xmlns:a16="http://schemas.microsoft.com/office/drawing/2014/main" val="10005"/>
+                  </a:ext>
+                </a:extLst>
               </a:tr>
             </a:tbl>
           </a:graphicData>
@@ -5686,10 +5891,9 @@
           <a:lstStyle/>
           <a:p>
             <a:r>
-              <a:rPr lang="en-US" dirty="0" smtClean="0"/>
+              <a:rPr lang="en-US" dirty="0"/>
               <a:t>List table</a:t>
             </a:r>
-            <a:endParaRPr lang="en-US" dirty="0"/>
           </a:p>
         </p:txBody>
       </p:sp>
@@ -5716,10 +5920,9 @@
           <a:lstStyle/>
           <a:p>
             <a:r>
-              <a:rPr lang="en-US" dirty="0" smtClean="0"/>
+              <a:rPr lang="en-US" dirty="0"/>
               <a:t>Task table</a:t>
             </a:r>
-            <a:endParaRPr lang="en-US" dirty="0"/>
           </a:p>
         </p:txBody>
       </p:sp>
@@ -5746,7 +5949,7 @@
           <a:lstStyle/>
           <a:p>
             <a:r>
-              <a:rPr lang="en-US" sz="2800" dirty="0" smtClean="0">
+              <a:rPr lang="en-US" sz="2800" dirty="0">
                 <a:solidFill>
                   <a:srgbClr val="0000FF"/>
                 </a:solidFill>
@@ -5756,10 +5959,9 @@
           </a:p>
           <a:p>
             <a:r>
-              <a:rPr lang="en-US" sz="2000" dirty="0" smtClean="0"/>
+              <a:rPr lang="en-US" sz="2000" dirty="0"/>
               <a:t>The task table has a foreign key. This establishes a one-to-many relationship between the list table and the task table.</a:t>
             </a:r>
-            <a:endParaRPr lang="en-US" sz="2000" dirty="0"/>
           </a:p>
         </p:txBody>
       </p:sp>
@@ -5813,7 +6015,7 @@
               <a:buNone/>
               <a:tabLst/>
             </a:pPr>
-            <a:endParaRPr kumimoji="0" lang="en-US" sz="2400" b="0" i="0" u="none" strike="noStrike" cap="none" normalizeH="0" baseline="0" smtClean="0">
+            <a:endParaRPr kumimoji="0" lang="en-US" sz="2400" b="0" i="0" u="none" strike="noStrike" cap="none" normalizeH="0" baseline="0">
               <a:ln>
                 <a:noFill/>
               </a:ln>
@@ -5836,13 +6038,6 @@
   <p:clrMapOvr>
     <a:masterClrMapping/>
   </p:clrMapOvr>
-  <p:timing>
-    <p:tnLst>
-      <p:par>
-        <p:cTn id="1" dur="indefinite" restart="never" nodeType="tmRoot"/>
-      </p:par>
-    </p:tnLst>
-  </p:timing>
 </p:sld>
 </file>
 
@@ -5888,8 +6083,20 @@
                 <a:tableStyleId>{5C22544A-7EE6-4342-B048-85BDC9FD1C3A}</a:tableStyleId>
               </a:tblPr>
               <a:tblGrid>
-                <a:gridCol w="3243000"/>
-                <a:gridCol w="3726955"/>
+                <a:gridCol w="3243000">
+                  <a:extLst>
+                    <a:ext uri="{9D8B030D-6E8A-4147-A177-3AD203B41FA5}">
+                      <a16:colId xmlns:a16="http://schemas.microsoft.com/office/drawing/2014/main" val="20000"/>
+                    </a:ext>
+                  </a:extLst>
+                </a:gridCol>
+                <a:gridCol w="3726955">
+                  <a:extLst>
+                    <a:ext uri="{9D8B030D-6E8A-4147-A177-3AD203B41FA5}">
+                      <a16:colId xmlns:a16="http://schemas.microsoft.com/office/drawing/2014/main" val="20001"/>
+                    </a:ext>
+                  </a:extLst>
+                </a:gridCol>
               </a:tblGrid>
               <a:tr h="370840">
                 <a:tc>
@@ -5898,18 +6105,13 @@
                     <a:lstStyle/>
                     <a:p>
                       <a:r>
-                        <a:rPr lang="en-US" b="1" dirty="0" smtClean="0">
+                        <a:rPr lang="en-US" b="1" dirty="0">
                           <a:solidFill>
                             <a:schemeClr val="bg1"/>
                           </a:solidFill>
                         </a:rPr>
                         <a:t>_id</a:t>
                       </a:r>
-                      <a:endParaRPr lang="en-US" b="1" dirty="0">
-                        <a:solidFill>
-                          <a:schemeClr val="bg1"/>
-                        </a:solidFill>
-                      </a:endParaRPr>
                     </a:p>
                   </a:txBody>
                   <a:tcPr/>
@@ -5920,14 +6122,18 @@
                     <a:lstStyle/>
                     <a:p>
                       <a:r>
-                        <a:rPr lang="en-US" dirty="0" smtClean="0"/>
+                        <a:rPr lang="en-US" dirty="0"/>
                         <a:t>list _name</a:t>
                       </a:r>
-                      <a:endParaRPr lang="en-US" dirty="0"/>
                     </a:p>
                   </a:txBody>
                   <a:tcPr/>
                 </a:tc>
+                <a:extLst>
+                  <a:ext uri="{0D108BD9-81ED-4DB2-BD59-A6C34878D82A}">
+                    <a16:rowId xmlns:a16="http://schemas.microsoft.com/office/drawing/2014/main" val="10000"/>
+                  </a:ext>
+                </a:extLst>
               </a:tr>
               <a:tr h="370840">
                 <a:tc>
@@ -5936,10 +6142,9 @@
                     <a:lstStyle/>
                     <a:p>
                       <a:r>
-                        <a:rPr lang="en-US" dirty="0" smtClean="0"/>
+                        <a:rPr lang="en-US" dirty="0"/>
                         <a:t>1</a:t>
                       </a:r>
-                      <a:endParaRPr lang="en-US" dirty="0"/>
                     </a:p>
                   </a:txBody>
                   <a:tcPr/>
@@ -5950,14 +6155,18 @@
                     <a:lstStyle/>
                     <a:p>
                       <a:r>
-                        <a:rPr lang="en-US" dirty="0" smtClean="0"/>
+                        <a:rPr lang="en-US" dirty="0"/>
                         <a:t>Personal</a:t>
                       </a:r>
-                      <a:endParaRPr lang="en-US" dirty="0"/>
                     </a:p>
                   </a:txBody>
                   <a:tcPr/>
                 </a:tc>
+                <a:extLst>
+                  <a:ext uri="{0D108BD9-81ED-4DB2-BD59-A6C34878D82A}">
+                    <a16:rowId xmlns:a16="http://schemas.microsoft.com/office/drawing/2014/main" val="10001"/>
+                  </a:ext>
+                </a:extLst>
               </a:tr>
               <a:tr h="370840">
                 <a:tc>
@@ -5966,10 +6175,9 @@
                     <a:lstStyle/>
                     <a:p>
                       <a:r>
-                        <a:rPr lang="en-US" dirty="0" smtClean="0"/>
+                        <a:rPr lang="en-US" dirty="0"/>
                         <a:t>2</a:t>
                       </a:r>
-                      <a:endParaRPr lang="en-US" dirty="0"/>
                     </a:p>
                   </a:txBody>
                   <a:tcPr/>
@@ -5980,14 +6188,18 @@
                     <a:lstStyle/>
                     <a:p>
                       <a:r>
-                        <a:rPr lang="en-US" dirty="0" smtClean="0"/>
+                        <a:rPr lang="en-US" dirty="0"/>
                         <a:t>Business</a:t>
                       </a:r>
-                      <a:endParaRPr lang="en-US" dirty="0"/>
                     </a:p>
                   </a:txBody>
                   <a:tcPr/>
                 </a:tc>
+                <a:extLst>
+                  <a:ext uri="{0D108BD9-81ED-4DB2-BD59-A6C34878D82A}">
+                    <a16:rowId xmlns:a16="http://schemas.microsoft.com/office/drawing/2014/main" val="10002"/>
+                  </a:ext>
+                </a:extLst>
               </a:tr>
             </a:tbl>
           </a:graphicData>
@@ -6018,12 +6230,48 @@
                 <a:tableStyleId>{5C22544A-7EE6-4342-B048-85BDC9FD1C3A}</a:tableStyleId>
               </a:tblPr>
               <a:tblGrid>
-                <a:gridCol w="571500"/>
-                <a:gridCol w="914400"/>
-                <a:gridCol w="1447800"/>
-                <a:gridCol w="1143000"/>
-                <a:gridCol w="1981200"/>
-                <a:gridCol w="940468"/>
+                <a:gridCol w="571500">
+                  <a:extLst>
+                    <a:ext uri="{9D8B030D-6E8A-4147-A177-3AD203B41FA5}">
+                      <a16:colId xmlns:a16="http://schemas.microsoft.com/office/drawing/2014/main" val="20000"/>
+                    </a:ext>
+                  </a:extLst>
+                </a:gridCol>
+                <a:gridCol w="914400">
+                  <a:extLst>
+                    <a:ext uri="{9D8B030D-6E8A-4147-A177-3AD203B41FA5}">
+                      <a16:colId xmlns:a16="http://schemas.microsoft.com/office/drawing/2014/main" val="20001"/>
+                    </a:ext>
+                  </a:extLst>
+                </a:gridCol>
+                <a:gridCol w="1447800">
+                  <a:extLst>
+                    <a:ext uri="{9D8B030D-6E8A-4147-A177-3AD203B41FA5}">
+                      <a16:colId xmlns:a16="http://schemas.microsoft.com/office/drawing/2014/main" val="20002"/>
+                    </a:ext>
+                  </a:extLst>
+                </a:gridCol>
+                <a:gridCol w="1143000">
+                  <a:extLst>
+                    <a:ext uri="{9D8B030D-6E8A-4147-A177-3AD203B41FA5}">
+                      <a16:colId xmlns:a16="http://schemas.microsoft.com/office/drawing/2014/main" val="20003"/>
+                    </a:ext>
+                  </a:extLst>
+                </a:gridCol>
+                <a:gridCol w="1981200">
+                  <a:extLst>
+                    <a:ext uri="{9D8B030D-6E8A-4147-A177-3AD203B41FA5}">
+                      <a16:colId xmlns:a16="http://schemas.microsoft.com/office/drawing/2014/main" val="20004"/>
+                    </a:ext>
+                  </a:extLst>
+                </a:gridCol>
+                <a:gridCol w="940468">
+                  <a:extLst>
+                    <a:ext uri="{9D8B030D-6E8A-4147-A177-3AD203B41FA5}">
+                      <a16:colId xmlns:a16="http://schemas.microsoft.com/office/drawing/2014/main" val="20005"/>
+                    </a:ext>
+                  </a:extLst>
+                </a:gridCol>
               </a:tblGrid>
               <a:tr h="370840">
                 <a:tc>
@@ -6032,18 +6280,13 @@
                     <a:lstStyle/>
                     <a:p>
                       <a:r>
-                        <a:rPr lang="en-US" dirty="0" smtClean="0">
+                        <a:rPr lang="en-US" dirty="0">
                           <a:solidFill>
                             <a:schemeClr val="bg1"/>
                           </a:solidFill>
                         </a:rPr>
                         <a:t>_id</a:t>
                       </a:r>
-                      <a:endParaRPr lang="en-US" dirty="0">
-                        <a:solidFill>
-                          <a:schemeClr val="bg1"/>
-                        </a:solidFill>
-                      </a:endParaRPr>
                     </a:p>
                   </a:txBody>
                   <a:tcPr/>
@@ -6054,18 +6297,13 @@
                     <a:lstStyle/>
                     <a:p>
                       <a:r>
-                        <a:rPr lang="en-US" dirty="0" smtClean="0">
+                        <a:rPr lang="en-US" dirty="0">
                           <a:solidFill>
                             <a:schemeClr val="bg1"/>
                           </a:solidFill>
                         </a:rPr>
                         <a:t>list_id</a:t>
                       </a:r>
-                      <a:endParaRPr lang="en-US" dirty="0">
-                        <a:solidFill>
-                          <a:schemeClr val="bg1"/>
-                        </a:solidFill>
-                      </a:endParaRPr>
                     </a:p>
                   </a:txBody>
                   <a:tcPr/>
@@ -6076,10 +6314,9 @@
                     <a:lstStyle/>
                     <a:p>
                       <a:r>
-                        <a:rPr lang="en-US" dirty="0" smtClean="0"/>
+                        <a:rPr lang="en-US" dirty="0"/>
                         <a:t>task_name</a:t>
                       </a:r>
-                      <a:endParaRPr lang="en-US" dirty="0"/>
                     </a:p>
                   </a:txBody>
                   <a:tcPr/>
@@ -6090,10 +6327,9 @@
                     <a:lstStyle/>
                     <a:p>
                       <a:r>
-                        <a:rPr lang="en-US" dirty="0" smtClean="0"/>
+                        <a:rPr lang="en-US" dirty="0"/>
                         <a:t>notes</a:t>
                       </a:r>
-                      <a:endParaRPr lang="en-US" dirty="0"/>
                     </a:p>
                   </a:txBody>
                   <a:tcPr/>
@@ -6104,10 +6340,9 @@
                     <a:lstStyle/>
                     <a:p>
                       <a:r>
-                        <a:rPr lang="en-US" dirty="0" smtClean="0"/>
+                        <a:rPr lang="en-US" dirty="0"/>
                         <a:t>date_completed</a:t>
                       </a:r>
-                      <a:endParaRPr lang="en-US" dirty="0"/>
                     </a:p>
                   </a:txBody>
                   <a:tcPr/>
@@ -6118,14 +6353,18 @@
                     <a:lstStyle/>
                     <a:p>
                       <a:r>
-                        <a:rPr lang="en-US" dirty="0" smtClean="0"/>
+                        <a:rPr lang="en-US" dirty="0"/>
                         <a:t>hidden</a:t>
                       </a:r>
-                      <a:endParaRPr lang="en-US" dirty="0"/>
                     </a:p>
                   </a:txBody>
                   <a:tcPr/>
                 </a:tc>
+                <a:extLst>
+                  <a:ext uri="{0D108BD9-81ED-4DB2-BD59-A6C34878D82A}">
+                    <a16:rowId xmlns:a16="http://schemas.microsoft.com/office/drawing/2014/main" val="10000"/>
+                  </a:ext>
+                </a:extLst>
               </a:tr>
               <a:tr h="370840">
                 <a:tc>
@@ -6134,10 +6373,9 @@
                     <a:lstStyle/>
                     <a:p>
                       <a:r>
-                        <a:rPr lang="en-US" dirty="0" smtClean="0"/>
+                        <a:rPr lang="en-US" dirty="0"/>
                         <a:t>1</a:t>
                       </a:r>
-                      <a:endParaRPr lang="en-US" dirty="0"/>
                     </a:p>
                   </a:txBody>
                   <a:tcPr/>
@@ -6148,10 +6386,9 @@
                     <a:lstStyle/>
                     <a:p>
                       <a:r>
-                        <a:rPr lang="en-US" dirty="0" smtClean="0"/>
+                        <a:rPr lang="en-US" dirty="0"/>
                         <a:t>2</a:t>
                       </a:r>
-                      <a:endParaRPr lang="en-US" dirty="0"/>
                     </a:p>
                   </a:txBody>
                   <a:tcPr/>
@@ -6162,10 +6399,9 @@
                     <a:lstStyle/>
                     <a:p>
                       <a:r>
-                        <a:rPr lang="en-US" dirty="0" smtClean="0"/>
+                        <a:rPr lang="en-US" dirty="0"/>
                         <a:t>Write checks</a:t>
                       </a:r>
-                      <a:endParaRPr lang="en-US" dirty="0"/>
                     </a:p>
                   </a:txBody>
                   <a:tcPr/>
@@ -6176,11 +6412,11 @@
                     <a:lstStyle/>
                     <a:p>
                       <a:r>
-                        <a:rPr lang="en-US" dirty="0" smtClean="0"/>
+                        <a:rPr lang="en-US" dirty="0"/>
                         <a:t>high</a:t>
                       </a:r>
                       <a:r>
-                        <a:rPr lang="en-US" baseline="0" dirty="0" smtClean="0"/>
+                        <a:rPr lang="en-US" baseline="0" dirty="0"/>
                         <a:t> priority</a:t>
                       </a:r>
                       <a:endParaRPr lang="en-US" dirty="0"/>
@@ -6204,14 +6440,18 @@
                     <a:lstStyle/>
                     <a:p>
                       <a:r>
-                        <a:rPr lang="en-US" dirty="0" smtClean="0"/>
+                        <a:rPr lang="en-US" dirty="0"/>
                         <a:t>false</a:t>
                       </a:r>
-                      <a:endParaRPr lang="en-US" dirty="0"/>
                     </a:p>
                   </a:txBody>
                   <a:tcPr/>
                 </a:tc>
+                <a:extLst>
+                  <a:ext uri="{0D108BD9-81ED-4DB2-BD59-A6C34878D82A}">
+                    <a16:rowId xmlns:a16="http://schemas.microsoft.com/office/drawing/2014/main" val="10001"/>
+                  </a:ext>
+                </a:extLst>
               </a:tr>
               <a:tr h="370840">
                 <a:tc>
@@ -6220,10 +6460,9 @@
                     <a:lstStyle/>
                     <a:p>
                       <a:r>
-                        <a:rPr lang="en-US" dirty="0" smtClean="0"/>
+                        <a:rPr lang="en-US" dirty="0"/>
                         <a:t>2</a:t>
                       </a:r>
-                      <a:endParaRPr lang="en-US" dirty="0"/>
                     </a:p>
                   </a:txBody>
                   <a:tcPr/>
@@ -6234,10 +6473,9 @@
                     <a:lstStyle/>
                     <a:p>
                       <a:r>
-                        <a:rPr lang="en-US" dirty="0" smtClean="0"/>
+                        <a:rPr lang="en-US" dirty="0"/>
                         <a:t>1</a:t>
                       </a:r>
-                      <a:endParaRPr lang="en-US" dirty="0"/>
                     </a:p>
                   </a:txBody>
                   <a:tcPr/>
@@ -6248,11 +6486,11 @@
                     <a:lstStyle/>
                     <a:p>
                       <a:r>
-                        <a:rPr lang="en-US" dirty="0" smtClean="0"/>
+                        <a:rPr lang="en-US" dirty="0"/>
                         <a:t>Plan</a:t>
                       </a:r>
                       <a:r>
-                        <a:rPr lang="en-US" baseline="0" dirty="0" smtClean="0"/>
+                        <a:rPr lang="en-US" baseline="0" dirty="0"/>
                         <a:t> party</a:t>
                       </a:r>
                       <a:endParaRPr lang="en-US" dirty="0"/>
@@ -6266,10 +6504,9 @@
                     <a:lstStyle/>
                     <a:p>
                       <a:r>
-                        <a:rPr lang="en-US" dirty="0" smtClean="0"/>
+                        <a:rPr lang="en-US" dirty="0"/>
                         <a:t>surprise</a:t>
                       </a:r>
-                      <a:endParaRPr lang="en-US" dirty="0"/>
                     </a:p>
                   </a:txBody>
                   <a:tcPr/>
@@ -6280,10 +6517,9 @@
                     <a:lstStyle/>
                     <a:p>
                       <a:r>
-                        <a:rPr lang="en-US" dirty="0" smtClean="0"/>
+                        <a:rPr lang="en-US" dirty="0"/>
                         <a:t>7/12/15</a:t>
                       </a:r>
-                      <a:endParaRPr lang="en-US" dirty="0"/>
                     </a:p>
                   </a:txBody>
                   <a:tcPr/>
@@ -6294,14 +6530,18 @@
                     <a:lstStyle/>
                     <a:p>
                       <a:r>
-                        <a:rPr lang="en-US" dirty="0" smtClean="0"/>
+                        <a:rPr lang="en-US" dirty="0"/>
                         <a:t>true</a:t>
                       </a:r>
-                      <a:endParaRPr lang="en-US" dirty="0"/>
                     </a:p>
                   </a:txBody>
                   <a:tcPr/>
                 </a:tc>
+                <a:extLst>
+                  <a:ext uri="{0D108BD9-81ED-4DB2-BD59-A6C34878D82A}">
+                    <a16:rowId xmlns:a16="http://schemas.microsoft.com/office/drawing/2014/main" val="10002"/>
+                  </a:ext>
+                </a:extLst>
               </a:tr>
               <a:tr h="370840">
                 <a:tc>
@@ -6310,10 +6550,9 @@
                     <a:lstStyle/>
                     <a:p>
                       <a:r>
-                        <a:rPr lang="en-US" dirty="0" smtClean="0"/>
+                        <a:rPr lang="en-US" dirty="0"/>
                         <a:t>3</a:t>
                       </a:r>
-                      <a:endParaRPr lang="en-US" dirty="0"/>
                     </a:p>
                   </a:txBody>
                   <a:tcPr/>
@@ -6324,10 +6563,9 @@
                     <a:lstStyle/>
                     <a:p>
                       <a:r>
-                        <a:rPr lang="en-US" dirty="0" smtClean="0"/>
+                        <a:rPr lang="en-US" dirty="0"/>
                         <a:t>1</a:t>
                       </a:r>
-                      <a:endParaRPr lang="en-US" dirty="0"/>
                     </a:p>
                   </a:txBody>
                   <a:tcPr/>
@@ -6338,10 +6576,9 @@
                     <a:lstStyle/>
                     <a:p>
                       <a:r>
-                        <a:rPr lang="en-US" dirty="0" smtClean="0"/>
+                        <a:rPr lang="en-US" dirty="0"/>
                         <a:t>Invite guests</a:t>
                       </a:r>
-                      <a:endParaRPr lang="en-US" dirty="0"/>
                     </a:p>
                   </a:txBody>
                   <a:tcPr/>
@@ -6362,10 +6599,9 @@
                     <a:lstStyle/>
                     <a:p>
                       <a:r>
-                        <a:rPr lang="en-US" dirty="0" smtClean="0"/>
+                        <a:rPr lang="en-US" dirty="0"/>
                         <a:t>7/20/15</a:t>
                       </a:r>
-                      <a:endParaRPr lang="en-US" dirty="0"/>
                     </a:p>
                   </a:txBody>
                   <a:tcPr/>
@@ -6376,14 +6612,18 @@
                     <a:lstStyle/>
                     <a:p>
                       <a:r>
-                        <a:rPr lang="en-US" dirty="0" smtClean="0"/>
+                        <a:rPr lang="en-US" dirty="0"/>
                         <a:t>true</a:t>
                       </a:r>
-                      <a:endParaRPr lang="en-US" dirty="0"/>
                     </a:p>
                   </a:txBody>
                   <a:tcPr/>
                 </a:tc>
+                <a:extLst>
+                  <a:ext uri="{0D108BD9-81ED-4DB2-BD59-A6C34878D82A}">
+                    <a16:rowId xmlns:a16="http://schemas.microsoft.com/office/drawing/2014/main" val="10003"/>
+                  </a:ext>
+                </a:extLst>
               </a:tr>
               <a:tr h="370840">
                 <a:tc>
@@ -6392,10 +6632,9 @@
                     <a:lstStyle/>
                     <a:p>
                       <a:r>
-                        <a:rPr lang="en-US" dirty="0" smtClean="0"/>
+                        <a:rPr lang="en-US" dirty="0"/>
                         <a:t>4</a:t>
                       </a:r>
-                      <a:endParaRPr lang="en-US" dirty="0"/>
                     </a:p>
                   </a:txBody>
                   <a:tcPr/>
@@ -6406,10 +6645,9 @@
                     <a:lstStyle/>
                     <a:p>
                       <a:r>
-                        <a:rPr lang="en-US" dirty="0" smtClean="0"/>
+                        <a:rPr lang="en-US" dirty="0"/>
                         <a:t>2</a:t>
                       </a:r>
-                      <a:endParaRPr lang="en-US" dirty="0"/>
                     </a:p>
                   </a:txBody>
                   <a:tcPr/>
@@ -6420,11 +6658,11 @@
                     <a:lstStyle/>
                     <a:p>
                       <a:r>
-                        <a:rPr lang="en-US" dirty="0" smtClean="0"/>
+                        <a:rPr lang="en-US" dirty="0"/>
                         <a:t>Call</a:t>
                       </a:r>
                       <a:r>
-                        <a:rPr lang="en-US" baseline="0" dirty="0" smtClean="0"/>
+                        <a:rPr lang="en-US" baseline="0" dirty="0"/>
                         <a:t> lawyer</a:t>
                       </a:r>
                       <a:endParaRPr lang="en-US" dirty="0"/>
@@ -6458,14 +6696,18 @@
                     <a:lstStyle/>
                     <a:p>
                       <a:r>
-                        <a:rPr lang="en-US" dirty="0" smtClean="0"/>
+                        <a:rPr lang="en-US" dirty="0"/>
                         <a:t>false</a:t>
                       </a:r>
-                      <a:endParaRPr lang="en-US" dirty="0"/>
                     </a:p>
                   </a:txBody>
                   <a:tcPr/>
                 </a:tc>
+                <a:extLst>
+                  <a:ext uri="{0D108BD9-81ED-4DB2-BD59-A6C34878D82A}">
+                    <a16:rowId xmlns:a16="http://schemas.microsoft.com/office/drawing/2014/main" val="10004"/>
+                  </a:ext>
+                </a:extLst>
               </a:tr>
               <a:tr h="370840">
                 <a:tc>
@@ -6474,10 +6716,9 @@
                     <a:lstStyle/>
                     <a:p>
                       <a:r>
-                        <a:rPr lang="en-US" dirty="0" smtClean="0"/>
+                        <a:rPr lang="en-US" dirty="0"/>
                         <a:t>5</a:t>
                       </a:r>
-                      <a:endParaRPr lang="en-US" dirty="0"/>
                     </a:p>
                   </a:txBody>
                   <a:tcPr/>
@@ -6488,10 +6729,9 @@
                     <a:lstStyle/>
                     <a:p>
                       <a:r>
-                        <a:rPr lang="en-US" dirty="0" smtClean="0"/>
+                        <a:rPr lang="en-US" dirty="0"/>
                         <a:t>1</a:t>
                       </a:r>
-                      <a:endParaRPr lang="en-US" dirty="0"/>
                     </a:p>
                   </a:txBody>
                   <a:tcPr/>
@@ -6502,10 +6742,9 @@
                     <a:lstStyle/>
                     <a:p>
                       <a:r>
-                        <a:rPr lang="en-US" dirty="0" smtClean="0"/>
+                        <a:rPr lang="en-US" dirty="0"/>
                         <a:t>Buy cake</a:t>
                       </a:r>
-                      <a:endParaRPr lang="en-US" dirty="0"/>
                     </a:p>
                   </a:txBody>
                   <a:tcPr/>
@@ -6516,10 +6755,9 @@
                     <a:lstStyle/>
                     <a:p>
                       <a:r>
-                        <a:rPr lang="en-US" dirty="0" smtClean="0"/>
+                        <a:rPr lang="en-US" dirty="0"/>
                         <a:t>carrot</a:t>
                       </a:r>
-                      <a:endParaRPr lang="en-US" dirty="0"/>
                     </a:p>
                   </a:txBody>
                   <a:tcPr/>
@@ -6540,14 +6778,18 @@
                     <a:lstStyle/>
                     <a:p>
                       <a:r>
-                        <a:rPr lang="en-US" dirty="0" smtClean="0"/>
+                        <a:rPr lang="en-US" dirty="0"/>
                         <a:t>false</a:t>
                       </a:r>
-                      <a:endParaRPr lang="en-US" dirty="0"/>
                     </a:p>
                   </a:txBody>
                   <a:tcPr/>
                 </a:tc>
+                <a:extLst>
+                  <a:ext uri="{0D108BD9-81ED-4DB2-BD59-A6C34878D82A}">
+                    <a16:rowId xmlns:a16="http://schemas.microsoft.com/office/drawing/2014/main" val="10005"/>
+                  </a:ext>
+                </a:extLst>
               </a:tr>
             </a:tbl>
           </a:graphicData>
@@ -6576,10 +6818,9 @@
           <a:lstStyle/>
           <a:p>
             <a:r>
-              <a:rPr lang="en-US" dirty="0" smtClean="0"/>
+              <a:rPr lang="en-US" dirty="0"/>
               <a:t>List table</a:t>
             </a:r>
-            <a:endParaRPr lang="en-US" dirty="0"/>
           </a:p>
         </p:txBody>
       </p:sp>
@@ -6606,10 +6847,9 @@
           <a:lstStyle/>
           <a:p>
             <a:r>
-              <a:rPr lang="en-US" dirty="0" smtClean="0"/>
+              <a:rPr lang="en-US" dirty="0"/>
               <a:t>Task table</a:t>
             </a:r>
-            <a:endParaRPr lang="en-US" dirty="0"/>
           </a:p>
         </p:txBody>
       </p:sp>
@@ -6636,7 +6876,7 @@
           <a:lstStyle/>
           <a:p>
             <a:r>
-              <a:rPr lang="en-US" sz="2400" dirty="0" smtClean="0">
+              <a:rPr lang="en-US" sz="2400" dirty="0">
                 <a:solidFill>
                   <a:srgbClr val="0000FF"/>
                 </a:solidFill>
@@ -6646,18 +6886,13 @@
           </a:p>
           <a:p>
             <a:r>
-              <a:rPr lang="en-US" sz="2000" dirty="0" smtClean="0">
+              <a:rPr lang="en-US" sz="2000" dirty="0">
                 <a:solidFill>
                   <a:srgbClr val="000000"/>
                 </a:solidFill>
               </a:rPr>
               <a:t>Rows of data in the Task table are correlated with their list_name by matching PK and FK </a:t>
             </a:r>
-            <a:endParaRPr lang="en-US" sz="2000" dirty="0">
-              <a:solidFill>
-                <a:srgbClr val="000000"/>
-              </a:solidFill>
-            </a:endParaRPr>
           </a:p>
         </p:txBody>
       </p:sp>
@@ -6671,13 +6906,6 @@
   <p:clrMapOvr>
     <a:masterClrMapping/>
   </p:clrMapOvr>
-  <p:timing>
-    <p:tnLst>
-      <p:par>
-        <p:cTn id="1" dur="indefinite" restart="never" nodeType="tmRoot"/>
-      </p:par>
-    </p:tnLst>
-  </p:timing>
 </p:sld>
 </file>
 
@@ -6721,7 +6949,7 @@
           <a:lstStyle/>
           <a:p>
             <a:r>
-              <a:rPr lang="en-US" sz="2800" b="1" dirty="0" smtClean="0">
+              <a:rPr lang="en-US" sz="2800" b="1" dirty="0">
                 <a:solidFill>
                   <a:srgbClr val="0000FF"/>
                 </a:solidFill>
@@ -6731,46 +6959,22 @@
           </a:p>
           <a:p>
             <a:r>
-              <a:rPr lang="en-US" sz="2400" dirty="0" smtClean="0"/>
-              <a:t>SELECT</a:t>
-            </a:r>
-            <a:r>
               <a:rPr lang="en-US" sz="2400" dirty="0"/>
-              <a:t> </a:t>
-            </a:r>
-            <a:r>
-              <a:rPr lang="en-US" sz="2400" dirty="0" smtClean="0"/>
-              <a:t>*</a:t>
-            </a:r>
-            <a:r>
-              <a:rPr lang="en-US" sz="2400" dirty="0"/>
-              <a:t/>
+              <a:t>SELECT *</a:t>
             </a:r>
             <a:br>
               <a:rPr lang="en-US" sz="2400" dirty="0"/>
             </a:br>
             <a:r>
               <a:rPr lang="en-US" sz="2400" dirty="0"/>
-              <a:t>FROM </a:t>
-            </a:r>
-            <a:r>
-              <a:rPr lang="en-US" sz="2400" dirty="0" smtClean="0"/>
-              <a:t>task</a:t>
-            </a:r>
-            <a:r>
-              <a:rPr lang="en-US" sz="2400" dirty="0"/>
-              <a:t/>
+              <a:t>FROM task</a:t>
             </a:r>
             <a:br>
               <a:rPr lang="en-US" sz="2400" dirty="0"/>
             </a:br>
             <a:r>
               <a:rPr lang="en-US" sz="2400" dirty="0"/>
-              <a:t>WHERE </a:t>
-            </a:r>
-            <a:r>
-              <a:rPr lang="en-US" sz="2400" dirty="0" smtClean="0"/>
-              <a:t>list_id = 2 AND hidden != ‘1’;</a:t>
+              <a:t>WHERE list_id = 2 AND hidden != ‘1’;</a:t>
             </a:r>
           </a:p>
         </p:txBody>
@@ -6798,7 +7002,7 @@
           <a:lstStyle/>
           <a:p>
             <a:r>
-              <a:rPr lang="en-US" sz="2800" b="1" dirty="0" smtClean="0">
+              <a:rPr lang="en-US" sz="2800" b="1" dirty="0">
                 <a:solidFill>
                   <a:srgbClr val="0000FF"/>
                 </a:solidFill>
@@ -6809,16 +7013,10 @@
           </a:p>
           <a:p>
             <a:r>
-              <a:rPr lang="en-US" sz="2400" dirty="0" smtClean="0">
-                <a:latin typeface="+mn-lt"/>
-              </a:rPr>
-              <a:t>SELECT</a:t>
-            </a:r>
-            <a:r>
               <a:rPr lang="en-US" sz="2400" dirty="0">
                 <a:latin typeface="+mn-lt"/>
               </a:rPr>
-              <a:t> </a:t>
+              <a:t>SELECT </a:t>
             </a:r>
             <a:r>
               <a:rPr lang="en-US" sz="2400" i="1" dirty="0">
@@ -6837,12 +7035,6 @@
                 <a:latin typeface="+mn-lt"/>
               </a:rPr>
               <a:t>column_name</a:t>
-            </a:r>
-            <a:r>
-              <a:rPr lang="en-US" sz="2400" dirty="0">
-                <a:latin typeface="+mn-lt"/>
-              </a:rPr>
-              <a:t/>
             </a:r>
             <a:br>
               <a:rPr lang="en-US" sz="2400" dirty="0">
@@ -6861,12 +7053,6 @@
               </a:rPr>
               <a:t>table_name</a:t>
             </a:r>
-            <a:r>
-              <a:rPr lang="en-US" sz="2400" dirty="0">
-                <a:latin typeface="+mn-lt"/>
-              </a:rPr>
-              <a:t/>
-            </a:r>
             <a:br>
               <a:rPr lang="en-US" sz="2400" dirty="0">
                 <a:latin typeface="+mn-lt"/>
@@ -6888,7 +7074,6 @@
               <a:rPr lang="en-US" sz="2000" dirty="0"/>
               <a:t>;</a:t>
             </a:r>
-            <a:endParaRPr lang="en-US" sz="2000" dirty="0" smtClean="0"/>
           </a:p>
         </p:txBody>
       </p:sp>
@@ -6915,10 +7100,9 @@
           <a:lstStyle/>
           <a:p>
             <a:r>
-              <a:rPr lang="en-US" sz="2400" dirty="0" smtClean="0"/>
+              <a:rPr lang="en-US" sz="2400" dirty="0"/>
               <a:t>This query selects all the fields in the task table where the list_id is 2 (Business) and the task is not hidden.</a:t>
             </a:r>
-            <a:endParaRPr lang="en-US" sz="2400" dirty="0"/>
           </a:p>
         </p:txBody>
       </p:sp>
@@ -6932,13 +7116,6 @@
   <p:clrMapOvr>
     <a:masterClrMapping/>
   </p:clrMapOvr>
-  <p:timing>
-    <p:tnLst>
-      <p:par>
-        <p:cTn id="1" dur="indefinite" restart="never" nodeType="tmRoot"/>
-      </p:par>
-    </p:tnLst>
-  </p:timing>
 </p:sld>
 </file>
 
@@ -6978,10 +7155,9 @@
               <a:defRPr/>
             </a:pPr>
             <a:r>
-              <a:rPr lang="en-US" smtClean="0"/>
+              <a:rPr lang="en-US"/>
               <a:t>Murach's Android Programming, C13</a:t>
             </a:r>
-            <a:endParaRPr lang="en-US"/>
           </a:p>
         </p:txBody>
       </p:sp>
@@ -7004,10 +7180,9 @@
               <a:defRPr/>
             </a:pPr>
             <a:r>
-              <a:rPr lang="en-US" dirty="0" smtClean="0"/>
+              <a:rPr lang="en-US" dirty="0"/>
               <a:t>© 2015, Mike Murach &amp; Associates, Inc.</a:t>
             </a:r>
-            <a:endParaRPr lang="en-US" dirty="0"/>
           </a:p>
         </p:txBody>
       </p:sp>
@@ -7029,14 +7204,14 @@
             <a:pPr>
               <a:defRPr/>
             </a:pPr>
-            <a:endParaRPr lang="en-US" smtClean="0"/>
+            <a:endParaRPr lang="en-US"/>
           </a:p>
           <a:p>
             <a:pPr algn="r">
               <a:defRPr/>
             </a:pPr>
             <a:r>
-              <a:rPr lang="en-US" sz="900" smtClean="0">
+              <a:rPr lang="en-US" sz="900">
                 <a:latin typeface="Arial Narrow" pitchFamily="34" charset="0"/>
               </a:rPr>
               <a:t>Slide </a:t>
@@ -7078,7 +7253,7 @@
           <a:graphicData uri="http://schemas.openxmlformats.org/presentationml/2006/ole">
             <mc:AlternateContent xmlns:mc="http://schemas.openxmlformats.org/markup-compatibility/2006">
               <mc:Choice xmlns:v="urn:schemas-microsoft-com:vml" Requires="v">
-                <p:oleObj spid="_x0000_s43043" name="Document" r:id="rId3" imgW="6864202" imgH="5102595" progId="Word.Document.12">
+                <p:oleObj spid="_x0000_s43049" name="Document" r:id="rId3" imgW="6864202" imgH="5102595" progId="Word.Document.12">
                   <p:embed/>
                 </p:oleObj>
               </mc:Choice>
@@ -7123,13 +7298,6 @@
   <p:clrMapOvr>
     <a:masterClrMapping/>
   </p:clrMapOvr>
-  <p:timing>
-    <p:tnLst>
-      <p:par>
-        <p:cTn id="1" dur="indefinite" restart="never" nodeType="tmRoot"/>
-      </p:par>
-    </p:tnLst>
-  </p:timing>
 </p:sld>
 </file>
 
@@ -7169,10 +7337,9 @@
               <a:defRPr/>
             </a:pPr>
             <a:r>
-              <a:rPr lang="en-US" smtClean="0"/>
+              <a:rPr lang="en-US"/>
               <a:t>Murach's Android Programming, C13</a:t>
             </a:r>
-            <a:endParaRPr lang="en-US"/>
           </a:p>
         </p:txBody>
       </p:sp>
@@ -7195,10 +7362,9 @@
               <a:defRPr/>
             </a:pPr>
             <a:r>
-              <a:rPr lang="en-US" dirty="0" smtClean="0"/>
+              <a:rPr lang="en-US" dirty="0"/>
               <a:t>© 2015, Mike Murach &amp; Associates, Inc.</a:t>
             </a:r>
-            <a:endParaRPr lang="en-US" dirty="0"/>
           </a:p>
         </p:txBody>
       </p:sp>
@@ -7220,14 +7386,14 @@
             <a:pPr>
               <a:defRPr/>
             </a:pPr>
-            <a:endParaRPr lang="en-US" smtClean="0"/>
+            <a:endParaRPr lang="en-US"/>
           </a:p>
           <a:p>
             <a:pPr algn="r">
               <a:defRPr/>
             </a:pPr>
             <a:r>
-              <a:rPr lang="en-US" sz="900" smtClean="0">
+              <a:rPr lang="en-US" sz="900">
                 <a:latin typeface="Arial Narrow" pitchFamily="34" charset="0"/>
               </a:rPr>
               <a:t>Slide </a:t>
@@ -7269,7 +7435,7 @@
           <a:graphicData uri="http://schemas.openxmlformats.org/presentationml/2006/ole">
             <mc:AlternateContent xmlns:mc="http://schemas.openxmlformats.org/markup-compatibility/2006">
               <mc:Choice xmlns:v="urn:schemas-microsoft-com:vml" Requires="v">
-                <p:oleObj spid="_x0000_s44067" name="Document" r:id="rId3" imgW="6965729" imgH="1603550" progId="Word.Document.12">
+                <p:oleObj spid="_x0000_s44073" name="Document" r:id="rId3" imgW="6965729" imgH="1603550" progId="Word.Document.12">
                   <p:embed/>
                 </p:oleObj>
               </mc:Choice>
@@ -7314,13 +7480,6 @@
   <p:clrMapOvr>
     <a:masterClrMapping/>
   </p:clrMapOvr>
-  <p:timing>
-    <p:tnLst>
-      <p:par>
-        <p:cTn id="1" dur="indefinite" restart="never" nodeType="tmRoot"/>
-      </p:par>
-    </p:tnLst>
-  </p:timing>
 </p:sld>
 </file>
 
@@ -7387,18 +7546,13 @@
           <a:p>
             <a:pPr algn="ctr"/>
             <a:r>
-              <a:rPr lang="en-US" sz="6600" dirty="0" smtClean="0">
+              <a:rPr lang="en-US" sz="6600" dirty="0">
                 <a:solidFill>
                   <a:srgbClr val="2D2DB9"/>
                 </a:solidFill>
               </a:rPr>
               <a:t>Android API for SQLite</a:t>
             </a:r>
-            <a:endParaRPr lang="en-US" sz="6600" dirty="0">
-              <a:solidFill>
-                <a:srgbClr val="2D2DB9"/>
-              </a:solidFill>
-            </a:endParaRPr>
           </a:p>
         </p:txBody>
       </p:sp>
@@ -7436,13 +7590,6 @@
   <p:clrMapOvr>
     <a:masterClrMapping/>
   </p:clrMapOvr>
-  <p:timing>
-    <p:tnLst>
-      <p:par>
-        <p:cTn id="1" dur="indefinite" restart="never" nodeType="tmRoot"/>
-      </p:par>
-    </p:tnLst>
-  </p:timing>
 </p:sld>
 </file>
 
@@ -7486,18 +7633,13 @@
           <a:lstStyle/>
           <a:p>
             <a:r>
-              <a:rPr lang="en-US" b="1" dirty="0" smtClean="0">
+              <a:rPr lang="en-US" b="1" dirty="0">
                 <a:solidFill>
                   <a:srgbClr val="0000FF"/>
                 </a:solidFill>
               </a:rPr>
               <a:t>Android Database API</a:t>
             </a:r>
-            <a:endParaRPr lang="en-US" b="1" dirty="0">
-              <a:solidFill>
-                <a:srgbClr val="0000FF"/>
-              </a:solidFill>
-            </a:endParaRPr>
           </a:p>
         </p:txBody>
       </p:sp>
@@ -7529,61 +7671,37 @@
           <a:lstStyle/>
           <a:p>
             <a:r>
-              <a:rPr lang="en-US" b="1" i="1" dirty="0" err="1" smtClean="0"/>
+              <a:rPr lang="en-US" b="1" i="1" dirty="0" err="1"/>
               <a:t>SQLiteClosable</a:t>
             </a:r>
-            <a:r>
-              <a:rPr lang="en-US" i="1" dirty="0" smtClean="0"/>
-              <a:t/>
-            </a:r>
             <a:br>
-              <a:rPr lang="en-US" i="1" dirty="0" smtClean="0"/>
+              <a:rPr lang="en-US" i="1" dirty="0"/>
             </a:br>
             <a:r>
-              <a:rPr lang="en-US" dirty="0" smtClean="0"/>
-              <a:t>A closable </a:t>
-            </a:r>
-            <a:r>
               <a:rPr lang="en-US" dirty="0"/>
-              <a:t>object created from a </a:t>
-            </a:r>
-            <a:r>
-              <a:rPr lang="en-US" dirty="0" smtClean="0"/>
-              <a:t>SQLiteDatabase</a:t>
-            </a:r>
-          </a:p>
-          <a:p>
-            <a:r>
-              <a:rPr lang="en-US" b="1" i="1" dirty="0" err="1" smtClean="0"/>
+              <a:t>A closable object created from a SQLiteDatabase</a:t>
+            </a:r>
+          </a:p>
+          <a:p>
+            <a:r>
+              <a:rPr lang="en-US" b="1" i="1" dirty="0" err="1"/>
               <a:t>SQLiteCursor</a:t>
             </a:r>
             <a:r>
               <a:rPr lang="en-US" b="1" dirty="0"/>
               <a:t>	</a:t>
             </a:r>
-            <a:r>
-              <a:rPr lang="en-US" dirty="0" smtClean="0"/>
-              <a:t/>
-            </a:r>
             <a:br>
-              <a:rPr lang="en-US" dirty="0" smtClean="0"/>
+              <a:rPr lang="en-US" dirty="0"/>
             </a:br>
             <a:r>
-              <a:rPr lang="en-US" dirty="0" smtClean="0"/>
-              <a:t>A </a:t>
-            </a:r>
-            <a:r>
               <a:rPr lang="en-US" dirty="0"/>
-              <a:t>Cursor implementation </a:t>
-            </a:r>
-            <a:r>
-              <a:rPr lang="en-US" dirty="0" smtClean="0"/>
-              <a:t>containing query results</a:t>
-            </a:r>
-          </a:p>
-          <a:p>
-            <a:r>
-              <a:rPr lang="en-US" b="1" i="1" dirty="0" smtClean="0">
+              <a:t>A Cursor implementation containing query results</a:t>
+            </a:r>
+          </a:p>
+          <a:p>
+            <a:r>
+              <a:rPr lang="en-US" b="1" i="1" dirty="0">
                 <a:effectLst>
                   <a:glow rad="127000">
                     <a:srgbClr val="FFFF00"/>
@@ -7592,26 +7710,13 @@
               </a:rPr>
               <a:t>SQLiteDatabase</a:t>
             </a:r>
-            <a:r>
-              <a:rPr lang="en-US" b="1" i="1" dirty="0" smtClean="0"/>
-              <a:t/>
-            </a:r>
             <a:br>
-              <a:rPr lang="en-US" b="1" i="1" dirty="0" smtClean="0"/>
+              <a:rPr lang="en-US" b="1" i="1" dirty="0"/>
             </a:br>
             <a:r>
-              <a:rPr lang="en-US" dirty="0" smtClean="0"/>
-              <a:t>Exposes </a:t>
-            </a:r>
-            <a:r>
               <a:rPr lang="en-US" dirty="0"/>
-              <a:t>methods to manage a </a:t>
-            </a:r>
-            <a:r>
-              <a:rPr lang="en-US" dirty="0" smtClean="0"/>
-              <a:t>database</a:t>
-            </a:r>
-            <a:endParaRPr lang="en-US" dirty="0"/>
+              <a:t>Exposes methods to manage a database</a:t>
+            </a:r>
           </a:p>
           <a:p>
             <a:r>
@@ -7628,26 +7733,13 @@
               <a:rPr lang="en-US" i="1" dirty="0"/>
               <a:t>	</a:t>
             </a:r>
-            <a:r>
-              <a:rPr lang="en-US" i="1" dirty="0" smtClean="0"/>
-              <a:t/>
-            </a:r>
             <a:br>
-              <a:rPr lang="en-US" i="1" dirty="0" smtClean="0"/>
+              <a:rPr lang="en-US" i="1" dirty="0"/>
             </a:br>
             <a:r>
-              <a:rPr lang="en-US" dirty="0" smtClean="0"/>
-              <a:t>Manages </a:t>
-            </a:r>
-            <a:r>
               <a:rPr lang="en-US" dirty="0"/>
-              <a:t>database creation and version </a:t>
-            </a:r>
-            <a:r>
-              <a:rPr lang="en-US" dirty="0" smtClean="0"/>
-              <a:t>management</a:t>
-            </a:r>
-            <a:endParaRPr lang="en-US" dirty="0"/>
+              <a:t>Manages database creation and version management</a:t>
+            </a:r>
           </a:p>
           <a:p>
             <a:endParaRPr lang="en-US" u="sng" dirty="0"/>
@@ -7680,22 +7772,13 @@
               <a:rPr lang="en-US" b="1" i="1" dirty="0" err="1"/>
               <a:t>SQLiteProgram</a:t>
             </a:r>
-            <a:r>
-              <a:rPr lang="en-US" b="1" i="1" dirty="0"/>
-              <a:t/>
-            </a:r>
             <a:br>
               <a:rPr lang="en-US" b="1" i="1" dirty="0"/>
             </a:br>
             <a:r>
               <a:rPr lang="en-US" dirty="0"/>
-              <a:t>A base class for compiled SQLite </a:t>
-            </a:r>
-            <a:r>
-              <a:rPr lang="en-US" dirty="0" smtClean="0"/>
-              <a:t>programs</a:t>
-            </a:r>
-            <a:endParaRPr lang="en-US" dirty="0"/>
+              <a:t>A base class for compiled SQLite programs</a:t>
+            </a:r>
           </a:p>
           <a:p>
             <a:r>
@@ -7705,89 +7788,40 @@
             <a:r>
               <a:rPr lang="en-US" b="1" dirty="0"/>
               <a:t>	</a:t>
-            </a:r>
-            <a:r>
-              <a:rPr lang="en-US" dirty="0"/>
-              <a:t/>
             </a:r>
             <a:br>
               <a:rPr lang="en-US" dirty="0"/>
             </a:br>
             <a:r>
               <a:rPr lang="en-US" dirty="0"/>
-              <a:t>Represents a query that </a:t>
-            </a:r>
-            <a:r>
-              <a:rPr lang="en-US" dirty="0" smtClean="0"/>
-              <a:t>it’s resulting rows</a:t>
-            </a:r>
-          </a:p>
-          <a:p>
-            <a:r>
-              <a:rPr lang="en-US" b="1" i="1" dirty="0" err="1" smtClean="0"/>
+              <a:t>Represents a query that it’s resulting rows</a:t>
+            </a:r>
+          </a:p>
+          <a:p>
+            <a:r>
+              <a:rPr lang="en-US" b="1" i="1" dirty="0" err="1"/>
               <a:t>SQLiteQueryBuilder</a:t>
-            </a:r>
-            <a:r>
-              <a:rPr lang="en-US" b="1" i="1" dirty="0" smtClean="0"/>
-              <a:t/>
-            </a:r>
-            <a:br>
-              <a:rPr lang="en-US" b="1" i="1" dirty="0" smtClean="0"/>
-            </a:br>
-            <a:r>
-              <a:rPr lang="en-US" dirty="0" smtClean="0"/>
-              <a:t>Helps </a:t>
-            </a:r>
-            <a:r>
-              <a:rPr lang="en-US" dirty="0"/>
-              <a:t>build SQL </a:t>
-            </a:r>
-            <a:r>
-              <a:rPr lang="en-US" dirty="0" smtClean="0"/>
-              <a:t>queries for </a:t>
-            </a:r>
-            <a:r>
-              <a:rPr lang="en-US" dirty="0"/>
-              <a:t>SQLiteDatabase objects. </a:t>
-            </a:r>
-          </a:p>
-          <a:p>
-            <a:r>
-              <a:rPr lang="en-US" b="1" i="1" dirty="0" err="1"/>
-              <a:t>SQLiteStatement</a:t>
-            </a:r>
-            <a:r>
-              <a:rPr lang="en-US" b="1" i="1" dirty="0"/>
-              <a:t/>
             </a:r>
             <a:br>
               <a:rPr lang="en-US" b="1" i="1" dirty="0"/>
             </a:br>
             <a:r>
               <a:rPr lang="en-US" dirty="0"/>
-              <a:t>Represents </a:t>
-            </a:r>
-            <a:r>
-              <a:rPr lang="en-US" dirty="0" smtClean="0"/>
-              <a:t>an executable </a:t>
-            </a:r>
+              <a:t>Helps build SQL queries for SQLiteDatabase objects. </a:t>
+            </a:r>
+          </a:p>
+          <a:p>
+            <a:r>
+              <a:rPr lang="en-US" b="1" i="1" dirty="0" err="1"/>
+              <a:t>SQLiteStatement</a:t>
+            </a:r>
+            <a:br>
+              <a:rPr lang="en-US" b="1" i="1" dirty="0"/>
+            </a:br>
             <a:r>
               <a:rPr lang="en-US" dirty="0"/>
-              <a:t>statement </a:t>
-            </a:r>
-            <a:r>
-              <a:rPr lang="en-US" dirty="0" smtClean="0"/>
-              <a:t>for </a:t>
-            </a:r>
-            <a:r>
-              <a:rPr lang="en-US" dirty="0"/>
-              <a:t>a </a:t>
-            </a:r>
-            <a:r>
-              <a:rPr lang="en-US" dirty="0" smtClean="0"/>
-              <a:t>database</a:t>
-            </a:r>
-            <a:endParaRPr lang="en-US" dirty="0"/>
+              <a:t>Represents an executable statement for a database</a:t>
+            </a:r>
           </a:p>
           <a:p>
             <a:pPr marL="0" indent="0">
@@ -7820,22 +7854,21 @@
           <a:lstStyle/>
           <a:p>
             <a:r>
-              <a:rPr lang="en-US" sz="2800" u="sng" dirty="0" smtClean="0"/>
+              <a:rPr lang="en-US" sz="2800" u="sng" dirty="0"/>
               <a:t>Classes</a:t>
             </a:r>
             <a:r>
-              <a:rPr lang="en-US" sz="2800" dirty="0" smtClean="0"/>
+              <a:rPr lang="en-US" sz="2800" dirty="0"/>
               <a:t> in the </a:t>
             </a:r>
             <a:r>
-              <a:rPr lang="en-US" sz="2800" i="1" dirty="0" err="1" smtClean="0"/>
+              <a:rPr lang="en-US" sz="2800" i="1" dirty="0" err="1"/>
               <a:t>android.database.sqlite</a:t>
             </a:r>
             <a:r>
-              <a:rPr lang="en-US" sz="2800" dirty="0" smtClean="0"/>
+              <a:rPr lang="en-US" sz="2800" dirty="0"/>
               <a:t> package</a:t>
             </a:r>
-            <a:endParaRPr lang="en-US" sz="2800" dirty="0"/>
           </a:p>
         </p:txBody>
       </p:sp>
@@ -7892,18 +7925,13 @@
           <a:lstStyle/>
           <a:p>
             <a:r>
-              <a:rPr lang="en-US" b="1" dirty="0" smtClean="0">
+              <a:rPr lang="en-US" b="1" dirty="0">
                 <a:solidFill>
                   <a:srgbClr val="0000FF"/>
                 </a:solidFill>
               </a:rPr>
               <a:t>Android Database API (continued)</a:t>
             </a:r>
-            <a:endParaRPr lang="en-US" b="1" dirty="0">
-              <a:solidFill>
-                <a:srgbClr val="0000FF"/>
-              </a:solidFill>
-            </a:endParaRPr>
           </a:p>
         </p:txBody>
       </p:sp>
@@ -7930,27 +7958,19 @@
           <a:lstStyle/>
           <a:p>
             <a:r>
-              <a:rPr lang="en-US" b="1" i="1" dirty="0" err="1" smtClean="0"/>
+              <a:rPr lang="en-US" b="1" i="1" dirty="0" err="1"/>
               <a:t>SQLiteCursorDriver</a:t>
             </a:r>
             <a:r>
               <a:rPr lang="en-US" b="1" i="1" dirty="0"/>
               <a:t>	</a:t>
             </a:r>
-            <a:r>
-              <a:rPr lang="en-US" b="1" i="1" dirty="0" smtClean="0"/>
-              <a:t/>
-            </a:r>
             <a:br>
-              <a:rPr lang="en-US" b="1" i="1" dirty="0" smtClean="0"/>
+              <a:rPr lang="en-US" b="1" i="1" dirty="0"/>
             </a:br>
             <a:r>
-              <a:rPr lang="en-US" dirty="0" smtClean="0"/>
-              <a:t>A </a:t>
-            </a:r>
-            <a:r>
               <a:rPr lang="en-US" dirty="0"/>
-              <a:t>driver for </a:t>
+              <a:t>A driver for </a:t>
             </a:r>
             <a:r>
               <a:rPr lang="en-US" dirty="0" err="1"/>
@@ -7958,53 +7978,33 @@
             </a:r>
             <a:r>
               <a:rPr lang="en-US" dirty="0"/>
-              <a:t> that is used to create them and </a:t>
-            </a:r>
-            <a:r>
-              <a:rPr lang="en-US" dirty="0" smtClean="0"/>
-              <a:t>get notifications from them</a:t>
-            </a:r>
-          </a:p>
-          <a:p>
-            <a:r>
-              <a:rPr lang="en-US" b="1" i="1" dirty="0" err="1" smtClean="0"/>
+              <a:t> that is used to create them and get notifications from them</a:t>
+            </a:r>
+          </a:p>
+          <a:p>
+            <a:r>
+              <a:rPr lang="en-US" b="1" i="1" dirty="0" err="1"/>
               <a:t>SQLiteDatabase.CursorFactory</a:t>
             </a:r>
-            <a:r>
-              <a:rPr lang="en-US" b="1" i="1" dirty="0" smtClean="0"/>
-              <a:t/>
-            </a:r>
             <a:br>
-              <a:rPr lang="en-US" b="1" i="1" dirty="0" smtClean="0"/>
+              <a:rPr lang="en-US" b="1" i="1" dirty="0"/>
             </a:br>
             <a:r>
-              <a:rPr lang="en-US" dirty="0" smtClean="0"/>
-              <a:t>Used </a:t>
-            </a:r>
-            <a:r>
               <a:rPr lang="en-US" dirty="0"/>
-              <a:t>to allow returning sub-classes of Cursor when calling query. </a:t>
-            </a:r>
-          </a:p>
-          <a:p>
-            <a:r>
-              <a:rPr lang="en-US" b="1" i="1" dirty="0" err="1" smtClean="0"/>
+              <a:t>Used to allow returning sub-classes of Cursor when calling query. </a:t>
+            </a:r>
+          </a:p>
+          <a:p>
+            <a:r>
+              <a:rPr lang="en-US" b="1" i="1" dirty="0" err="1"/>
               <a:t>SQLiteTransactionListener</a:t>
             </a:r>
-            <a:r>
-              <a:rPr lang="en-US" b="1" i="1" dirty="0" smtClean="0"/>
-              <a:t/>
-            </a:r>
             <a:br>
-              <a:rPr lang="en-US" b="1" i="1" dirty="0" smtClean="0"/>
+              <a:rPr lang="en-US" b="1" i="1" dirty="0"/>
             </a:br>
             <a:r>
-              <a:rPr lang="en-US" dirty="0" smtClean="0"/>
-              <a:t>A </a:t>
-            </a:r>
-            <a:r>
               <a:rPr lang="en-US" dirty="0"/>
-              <a:t>listener for transaction events. </a:t>
+              <a:t>A listener for transaction events. </a:t>
             </a:r>
           </a:p>
         </p:txBody>
@@ -8032,22 +8032,21 @@
           <a:lstStyle/>
           <a:p>
             <a:r>
-              <a:rPr lang="en-US" sz="2800" u="sng" dirty="0" smtClean="0"/>
+              <a:rPr lang="en-US" sz="2800" u="sng" dirty="0"/>
               <a:t>Interfaces</a:t>
             </a:r>
             <a:r>
-              <a:rPr lang="en-US" sz="2800" dirty="0" smtClean="0"/>
+              <a:rPr lang="en-US" sz="2800" dirty="0"/>
               <a:t> in the </a:t>
             </a:r>
             <a:r>
-              <a:rPr lang="en-US" sz="2800" i="1" dirty="0" err="1" smtClean="0"/>
+              <a:rPr lang="en-US" sz="2800" i="1" dirty="0" err="1"/>
               <a:t>android.database.sqlite</a:t>
             </a:r>
             <a:r>
-              <a:rPr lang="en-US" sz="2800" dirty="0" smtClean="0"/>
+              <a:rPr lang="en-US" sz="2800" dirty="0"/>
               <a:t> package</a:t>
             </a:r>
-            <a:endParaRPr lang="en-US" sz="2800" dirty="0"/>
           </a:p>
         </p:txBody>
       </p:sp>
@@ -8104,18 +8103,13 @@
           <a:lstStyle/>
           <a:p>
             <a:r>
-              <a:rPr lang="en-US" dirty="0" smtClean="0">
+              <a:rPr lang="en-US" dirty="0">
                 <a:solidFill>
                   <a:srgbClr val="0000FF"/>
                 </a:solidFill>
               </a:rPr>
               <a:t>SqliteDatabase</a:t>
             </a:r>
-            <a:endParaRPr lang="en-US" dirty="0">
-              <a:solidFill>
-                <a:srgbClr val="0000FF"/>
-              </a:solidFill>
-            </a:endParaRPr>
           </a:p>
         </p:txBody>
       </p:sp>
@@ -8142,26 +8136,22 @@
           <a:lstStyle/>
           <a:p>
             <a:r>
-              <a:rPr lang="en-US" sz="3600" dirty="0" smtClean="0"/>
-              <a:t>Has methods </a:t>
-            </a:r>
-            <a:r>
               <a:rPr lang="en-US" sz="3600" dirty="0"/>
-              <a:t>to </a:t>
-            </a:r>
-            <a:endParaRPr lang="en-US" dirty="0" smtClean="0"/>
+              <a:t>Has methods to </a:t>
+            </a:r>
+            <a:endParaRPr lang="en-US" dirty="0"/>
           </a:p>
           <a:p>
             <a:pPr lvl="1"/>
             <a:r>
-              <a:rPr lang="en-US" dirty="0" smtClean="0"/>
+              <a:rPr lang="en-US" dirty="0"/>
               <a:t>Create rows</a:t>
             </a:r>
           </a:p>
           <a:p>
             <a:pPr lvl="1"/>
             <a:r>
-              <a:rPr lang="en-US" dirty="0" smtClean="0"/>
+              <a:rPr lang="en-US" dirty="0"/>
               <a:t>Delete rows</a:t>
             </a:r>
           </a:p>
@@ -8169,64 +8159,31 @@
             <a:pPr lvl="1"/>
             <a:r>
               <a:rPr lang="en-US" dirty="0"/>
-              <a:t>E</a:t>
-            </a:r>
-            <a:r>
-              <a:rPr lang="en-US" dirty="0" smtClean="0"/>
-              <a:t>xecute </a:t>
-            </a:r>
+              <a:t>Execute SQL commands</a:t>
+            </a:r>
+          </a:p>
+          <a:p>
+            <a:pPr lvl="1"/>
             <a:r>
               <a:rPr lang="en-US" dirty="0"/>
-              <a:t>SQL </a:t>
-            </a:r>
-            <a:r>
-              <a:rPr lang="en-US" dirty="0" smtClean="0"/>
-              <a:t>commands</a:t>
-            </a:r>
-            <a:endParaRPr lang="en-US" dirty="0"/>
-          </a:p>
-          <a:p>
-            <a:pPr lvl="1"/>
-            <a:r>
-              <a:rPr lang="en-US" dirty="0"/>
-              <a:t>P</a:t>
-            </a:r>
-            <a:r>
-              <a:rPr lang="en-US" dirty="0" smtClean="0"/>
-              <a:t>erform </a:t>
-            </a:r>
-            <a:r>
-              <a:rPr lang="en-US" dirty="0"/>
-              <a:t>other common database management </a:t>
-            </a:r>
-            <a:r>
-              <a:rPr lang="en-US" dirty="0" smtClean="0"/>
-              <a:t>tasks.</a:t>
-            </a:r>
-          </a:p>
-          <a:p>
-            <a:r>
-              <a:rPr lang="en-US" sz="3600" dirty="0" smtClean="0"/>
+              <a:t>Perform other common database management tasks.</a:t>
+            </a:r>
+          </a:p>
+          <a:p>
+            <a:r>
+              <a:rPr lang="en-US" sz="3600" dirty="0"/>
               <a:t>SqliteDatabase objects can be created using </a:t>
             </a:r>
             <a:r>
-              <a:rPr lang="en-US" sz="3600" dirty="0" err="1" smtClean="0"/>
+              <a:rPr lang="en-US" sz="3600" dirty="0" err="1"/>
               <a:t>SQLiteOpenHelper</a:t>
             </a:r>
-            <a:endParaRPr lang="en-US" sz="3600" dirty="0" smtClean="0"/>
-          </a:p>
-          <a:p>
-            <a:r>
-              <a:rPr lang="en-US" sz="3600" dirty="0" smtClean="0"/>
-              <a:t>Note: Database </a:t>
-            </a:r>
+            <a:endParaRPr lang="en-US" sz="3600" dirty="0"/>
+          </a:p>
+          <a:p>
             <a:r>
               <a:rPr lang="en-US" sz="3600" dirty="0"/>
-              <a:t>names must be unique within an application, not across all applications</a:t>
-            </a:r>
-            <a:r>
-              <a:rPr lang="en-US" sz="3600" dirty="0" smtClean="0"/>
-              <a:t>.</a:t>
+              <a:t>Note: Database names must be unique within an application, not across all applications.</a:t>
             </a:r>
           </a:p>
         </p:txBody>
@@ -8284,18 +8241,13 @@
           <a:lstStyle/>
           <a:p>
             <a:r>
-              <a:rPr lang="en-US" dirty="0" smtClean="0">
+              <a:rPr lang="en-US" dirty="0">
                 <a:solidFill>
                   <a:srgbClr val="0000FF"/>
                 </a:solidFill>
               </a:rPr>
               <a:t>SqliteOpenHelper</a:t>
             </a:r>
-            <a:endParaRPr lang="en-US" dirty="0">
-              <a:solidFill>
-                <a:srgbClr val="0000FF"/>
-              </a:solidFill>
-            </a:endParaRPr>
           </a:p>
         </p:txBody>
       </p:sp>
@@ -8322,78 +8274,34 @@
           <a:lstStyle/>
           <a:p>
             <a:r>
-              <a:rPr lang="en-US" dirty="0" smtClean="0"/>
-              <a:t>Takes care </a:t>
-            </a:r>
-            <a:r>
               <a:rPr lang="en-US" dirty="0"/>
-              <a:t>of opening the database if it exists, creating it if it does not, and upgrading it as </a:t>
-            </a:r>
-            <a:r>
-              <a:rPr lang="en-US" dirty="0" smtClean="0"/>
-              <a:t>necessary</a:t>
-            </a:r>
-          </a:p>
-          <a:p>
-            <a:r>
-              <a:rPr lang="en-US" dirty="0" smtClean="0"/>
-              <a:t>Transactions </a:t>
-            </a:r>
+              <a:t>Takes care of opening the database if it exists, creating it if it does not, and upgrading it as necessary</a:t>
+            </a:r>
+          </a:p>
+          <a:p>
             <a:r>
               <a:rPr lang="en-US" dirty="0"/>
-              <a:t>are used </a:t>
-            </a:r>
-            <a:r>
-              <a:rPr lang="en-US" dirty="0" smtClean="0"/>
-              <a:t>to keep the database in </a:t>
-            </a:r>
+              <a:t>Transactions are used to keep the database in a sensible state</a:t>
+            </a:r>
+          </a:p>
+          <a:p>
             <a:r>
               <a:rPr lang="en-US" dirty="0"/>
-              <a:t>a sensible </a:t>
-            </a:r>
-            <a:r>
-              <a:rPr lang="en-US" dirty="0" smtClean="0"/>
-              <a:t>state</a:t>
-            </a:r>
-          </a:p>
-          <a:p>
-            <a:r>
-              <a:rPr lang="en-US" dirty="0" smtClean="0"/>
               <a:t>Simplifies </a:t>
             </a:r>
             <a:r>
-              <a:rPr lang="en-US" i="1" dirty="0" smtClean="0"/>
+              <a:rPr lang="en-US" i="1" dirty="0"/>
               <a:t>ContentProvider</a:t>
             </a:r>
             <a:r>
-              <a:rPr lang="en-US" dirty="0" smtClean="0"/>
-              <a:t> </a:t>
-            </a:r>
-            <a:r>
               <a:rPr lang="en-US" dirty="0"/>
-              <a:t>implementations to defer opening and upgrading the database until first use, to avoid blocking application startup with long-running database </a:t>
-            </a:r>
-            <a:r>
-              <a:rPr lang="en-US" dirty="0" smtClean="0"/>
-              <a:t>upgrades</a:t>
+              <a:t> implementations to defer opening and upgrading the database until first use, to avoid blocking application startup with long-running database upgrades</a:t>
             </a:r>
           </a:p>
           <a:p>
             <a:r>
               <a:rPr lang="en-US" dirty="0"/>
-              <a:t>You </a:t>
-            </a:r>
-            <a:r>
-              <a:rPr lang="en-US" dirty="0" smtClean="0"/>
-              <a:t>declare </a:t>
-            </a:r>
-            <a:r>
-              <a:rPr lang="en-US" smtClean="0"/>
-              <a:t>a subclass, </a:t>
-            </a:r>
-            <a:r>
-              <a:rPr lang="en-US" dirty="0"/>
-              <a:t>overriding call-back methods: </a:t>
+              <a:t>You declare a subclass, overriding call-back methods: </a:t>
             </a:r>
           </a:p>
           <a:p>
@@ -8491,18 +8399,13 @@
           <a:lstStyle/>
           <a:p>
             <a:r>
-              <a:rPr lang="en-US" dirty="0" smtClean="0">
+              <a:rPr lang="en-US" dirty="0">
                 <a:solidFill>
                   <a:srgbClr val="2D2DB9"/>
                 </a:solidFill>
               </a:rPr>
               <a:t>Course Overview</a:t>
             </a:r>
-            <a:endParaRPr lang="en-US" dirty="0">
-              <a:solidFill>
-                <a:srgbClr val="2D2DB9"/>
-              </a:solidFill>
-            </a:endParaRPr>
           </a:p>
         </p:txBody>
       </p:sp>
@@ -8532,8 +8435,20 @@
                 <a:tableStyleId>{5C22544A-7EE6-4342-B048-85BDC9FD1C3A}</a:tableStyleId>
               </a:tblPr>
               <a:tblGrid>
-                <a:gridCol w="511701"/>
-                <a:gridCol w="3299499"/>
+                <a:gridCol w="511701">
+                  <a:extLst>
+                    <a:ext uri="{9D8B030D-6E8A-4147-A177-3AD203B41FA5}">
+                      <a16:colId xmlns:a16="http://schemas.microsoft.com/office/drawing/2014/main" val="20000"/>
+                    </a:ext>
+                  </a:extLst>
+                </a:gridCol>
+                <a:gridCol w="3299499">
+                  <a:extLst>
+                    <a:ext uri="{9D8B030D-6E8A-4147-A177-3AD203B41FA5}">
+                      <a16:colId xmlns:a16="http://schemas.microsoft.com/office/drawing/2014/main" val="20001"/>
+                    </a:ext>
+                  </a:extLst>
+                </a:gridCol>
               </a:tblGrid>
               <a:tr h="428284">
                 <a:tc>
@@ -8542,10 +8457,9 @@
                     <a:lstStyle/>
                     <a:p>
                       <a:r>
-                        <a:rPr lang="en-US" dirty="0" smtClean="0"/>
+                        <a:rPr lang="en-US" dirty="0"/>
                         <a:t>Wk</a:t>
                       </a:r>
-                      <a:endParaRPr lang="en-US" dirty="0"/>
                     </a:p>
                   </a:txBody>
                   <a:tcPr/>
@@ -8556,14 +8470,18 @@
                     <a:lstStyle/>
                     <a:p>
                       <a:r>
-                        <a:rPr lang="en-US" dirty="0" smtClean="0"/>
+                        <a:rPr lang="en-US" dirty="0"/>
                         <a:t>Topic</a:t>
                       </a:r>
-                      <a:endParaRPr lang="en-US" dirty="0"/>
                     </a:p>
                   </a:txBody>
                   <a:tcPr/>
                 </a:tc>
+                <a:extLst>
+                  <a:ext uri="{0D108BD9-81ED-4DB2-BD59-A6C34878D82A}">
+                    <a16:rowId xmlns:a16="http://schemas.microsoft.com/office/drawing/2014/main" val="10000"/>
+                  </a:ext>
+                </a:extLst>
               </a:tr>
               <a:tr h="428284">
                 <a:tc>
@@ -8572,10 +8490,9 @@
                     <a:lstStyle/>
                     <a:p>
                       <a:r>
-                        <a:rPr lang="en-US" sz="2800" dirty="0" smtClean="0"/>
+                        <a:rPr lang="en-US" sz="2800" dirty="0"/>
                         <a:t>1</a:t>
                       </a:r>
-                      <a:endParaRPr lang="en-US" sz="2800" dirty="0"/>
                     </a:p>
                   </a:txBody>
                   <a:tcPr>
@@ -8610,22 +8527,22 @@
                         <a:defRPr/>
                       </a:pPr>
                       <a:r>
-                        <a:rPr lang="en-US" sz="2800" dirty="0" smtClean="0"/>
+                        <a:rPr lang="en-US" sz="2800" dirty="0"/>
                         <a:t>Intro</a:t>
                       </a:r>
                       <a:r>
-                        <a:rPr lang="en-US" sz="2800" baseline="0" dirty="0" smtClean="0"/>
+                        <a:rPr lang="en-US" sz="2800" baseline="0" dirty="0"/>
                         <a:t>,</a:t>
                       </a:r>
                       <a:r>
-                        <a:rPr lang="en-US" sz="2800" dirty="0" smtClean="0"/>
+                        <a:rPr lang="en-US" sz="2800" dirty="0"/>
                         <a:t> </a:t>
                       </a:r>
                       <a:br>
-                        <a:rPr lang="en-US" sz="2800" dirty="0" smtClean="0"/>
+                        <a:rPr lang="en-US" sz="2800" dirty="0"/>
                       </a:br>
                       <a:r>
-                        <a:rPr lang="en-US" sz="2800" dirty="0" smtClean="0"/>
+                        <a:rPr lang="en-US" sz="2800" dirty="0"/>
                         <a:t>single-screen apps</a:t>
                       </a:r>
                     </a:p>
@@ -8639,6 +8556,11 @@
                     </a:solidFill>
                   </a:tcPr>
                 </a:tc>
+                <a:extLst>
+                  <a:ext uri="{0D108BD9-81ED-4DB2-BD59-A6C34878D82A}">
+                    <a16:rowId xmlns:a16="http://schemas.microsoft.com/office/drawing/2014/main" val="10001"/>
+                  </a:ext>
+                </a:extLst>
               </a:tr>
               <a:tr h="428284">
                 <a:tc>
@@ -8647,10 +8569,9 @@
                     <a:lstStyle/>
                     <a:p>
                       <a:r>
-                        <a:rPr lang="en-US" sz="2800" dirty="0" smtClean="0"/>
+                        <a:rPr lang="en-US" sz="2800" dirty="0"/>
                         <a:t>1</a:t>
                       </a:r>
-                      <a:endParaRPr lang="en-US" sz="2800" dirty="0"/>
                     </a:p>
                   </a:txBody>
                   <a:tcPr/>
@@ -8678,18 +8599,23 @@
                         <a:defRPr/>
                       </a:pPr>
                       <a:r>
-                        <a:rPr lang="en-US" sz="2800" dirty="0" smtClean="0"/>
+                        <a:rPr lang="en-US" sz="2800" dirty="0"/>
                         <a:t>Activity Lifecycle, saving</a:t>
                       </a:r>
                       <a:r>
-                        <a:rPr lang="en-US" sz="2800" baseline="0" dirty="0" smtClean="0"/>
+                        <a:rPr lang="en-US" sz="2800" baseline="0" dirty="0"/>
                         <a:t> activity state</a:t>
                       </a:r>
-                      <a:endParaRPr lang="en-US" sz="2800" dirty="0" smtClean="0"/>
+                      <a:endParaRPr lang="en-US" sz="2800" dirty="0"/>
                     </a:p>
                   </a:txBody>
                   <a:tcPr/>
                 </a:tc>
+                <a:extLst>
+                  <a:ext uri="{0D108BD9-81ED-4DB2-BD59-A6C34878D82A}">
+                    <a16:rowId xmlns:a16="http://schemas.microsoft.com/office/drawing/2014/main" val="10002"/>
+                  </a:ext>
+                </a:extLst>
               </a:tr>
               <a:tr h="428284">
                 <a:tc>
@@ -8698,10 +8624,9 @@
                     <a:lstStyle/>
                     <a:p>
                       <a:r>
-                        <a:rPr lang="en-US" sz="2800" dirty="0" smtClean="0"/>
+                        <a:rPr lang="en-US" sz="2800" dirty="0"/>
                         <a:t>2</a:t>
                       </a:r>
-                      <a:endParaRPr lang="en-US" sz="2800" dirty="0"/>
                     </a:p>
                   </a:txBody>
                   <a:tcPr/>
@@ -8729,11 +8654,11 @@
                         <a:defRPr/>
                       </a:pPr>
                       <a:r>
-                        <a:rPr lang="en-US" sz="2800" dirty="0" smtClean="0"/>
+                        <a:rPr lang="en-US" sz="2800" dirty="0"/>
                         <a:t>Layouts</a:t>
                       </a:r>
                       <a:r>
-                        <a:rPr lang="en-US" sz="2800" baseline="0" dirty="0" smtClean="0"/>
+                        <a:rPr lang="en-US" sz="2800" baseline="0" dirty="0"/>
                         <a:t> + widgets,</a:t>
                       </a:r>
                     </a:p>
@@ -8756,14 +8681,19 @@
                         <a:defRPr/>
                       </a:pPr>
                       <a:r>
-                        <a:rPr lang="en-US" sz="2800" baseline="0" dirty="0" smtClean="0"/>
+                        <a:rPr lang="en-US" sz="2800" baseline="0" dirty="0"/>
                         <a:t>Event Handlers</a:t>
                       </a:r>
-                      <a:endParaRPr lang="en-US" sz="2800" dirty="0" smtClean="0"/>
+                      <a:endParaRPr lang="en-US" sz="2800" dirty="0"/>
                     </a:p>
                   </a:txBody>
                   <a:tcPr/>
                 </a:tc>
+                <a:extLst>
+                  <a:ext uri="{0D108BD9-81ED-4DB2-BD59-A6C34878D82A}">
+                    <a16:rowId xmlns:a16="http://schemas.microsoft.com/office/drawing/2014/main" val="10003"/>
+                  </a:ext>
+                </a:extLst>
               </a:tr>
               <a:tr h="428284">
                 <a:tc>
@@ -8772,10 +8702,9 @@
                     <a:lstStyle/>
                     <a:p>
                       <a:r>
-                        <a:rPr lang="en-US" sz="2800" dirty="0" smtClean="0"/>
+                        <a:rPr lang="en-US" sz="2800" dirty="0"/>
                         <a:t>2</a:t>
                       </a:r>
-                      <a:endParaRPr lang="en-US" sz="2800" dirty="0"/>
                     </a:p>
                   </a:txBody>
                   <a:tcPr>
@@ -8809,7 +8738,7 @@
                         <a:defRPr/>
                       </a:pPr>
                       <a:r>
-                        <a:rPr lang="en-US" sz="2800" u="none" baseline="0" dirty="0" smtClean="0"/>
+                        <a:rPr lang="en-US" sz="2800" u="none" baseline="0" dirty="0"/>
                         <a:t>Themes + styles,</a:t>
                       </a:r>
                     </a:p>
@@ -8832,10 +8761,10 @@
                         <a:defRPr/>
                       </a:pPr>
                       <a:r>
-                        <a:rPr lang="en-US" sz="2800" u="none" baseline="0" dirty="0" smtClean="0"/>
+                        <a:rPr lang="en-US" sz="2800" u="none" baseline="0" dirty="0"/>
                         <a:t>Menu + settings</a:t>
                       </a:r>
-                      <a:endParaRPr lang="en-US" sz="2800" u="none" dirty="0" smtClean="0"/>
+                      <a:endParaRPr lang="en-US" sz="2800" u="none" dirty="0"/>
                     </a:p>
                   </a:txBody>
                   <a:tcPr>
@@ -8846,6 +8775,11 @@
                     </a:solidFill>
                   </a:tcPr>
                 </a:tc>
+                <a:extLst>
+                  <a:ext uri="{0D108BD9-81ED-4DB2-BD59-A6C34878D82A}">
+                    <a16:rowId xmlns:a16="http://schemas.microsoft.com/office/drawing/2014/main" val="10004"/>
+                  </a:ext>
+                </a:extLst>
               </a:tr>
               <a:tr h="428284">
                 <a:tc>
@@ -8854,10 +8788,9 @@
                     <a:lstStyle/>
                     <a:p>
                       <a:r>
-                        <a:rPr lang="en-US" sz="2800" dirty="0" smtClean="0"/>
+                        <a:rPr lang="en-US" sz="2800" dirty="0"/>
                         <a:t>2</a:t>
                       </a:r>
-                      <a:endParaRPr lang="en-US" sz="2800" dirty="0"/>
                     </a:p>
                   </a:txBody>
                   <a:tcPr>
@@ -8892,22 +8825,22 @@
                         <a:defRPr/>
                       </a:pPr>
                       <a:r>
-                        <a:rPr lang="en-US" sz="2800" dirty="0" smtClean="0"/>
+                        <a:rPr lang="en-US" sz="2800" dirty="0"/>
                         <a:t>Multi-screen</a:t>
                       </a:r>
                       <a:r>
-                        <a:rPr lang="en-US" sz="2800" baseline="0" dirty="0" smtClean="0"/>
+                        <a:rPr lang="en-US" sz="2800" baseline="0" dirty="0"/>
                         <a:t> apps, </a:t>
                       </a:r>
                       <a:r>
-                        <a:rPr lang="en-US" sz="2800" u="none" baseline="0" dirty="0" smtClean="0">
+                        <a:rPr lang="en-US" sz="2800" u="none" baseline="0" dirty="0">
                           <a:solidFill>
                             <a:schemeClr val="tx1"/>
                           </a:solidFill>
                         </a:rPr>
                         <a:t>Fragments</a:t>
                       </a:r>
-                      <a:endParaRPr lang="en-US" sz="2800" u="none" dirty="0" smtClean="0">
+                      <a:endParaRPr lang="en-US" sz="2800" u="none" dirty="0">
                         <a:solidFill>
                           <a:schemeClr val="tx1"/>
                         </a:solidFill>
@@ -8923,6 +8856,11 @@
                     </a:solidFill>
                   </a:tcPr>
                 </a:tc>
+                <a:extLst>
+                  <a:ext uri="{0D108BD9-81ED-4DB2-BD59-A6C34878D82A}">
+                    <a16:rowId xmlns:a16="http://schemas.microsoft.com/office/drawing/2014/main" val="10005"/>
+                  </a:ext>
+                </a:extLst>
               </a:tr>
             </a:tbl>
           </a:graphicData>
@@ -8954,8 +8892,20 @@
                 <a:tableStyleId>{5C22544A-7EE6-4342-B048-85BDC9FD1C3A}</a:tableStyleId>
               </a:tblPr>
               <a:tblGrid>
-                <a:gridCol w="589196"/>
-                <a:gridCol w="3685178"/>
+                <a:gridCol w="589196">
+                  <a:extLst>
+                    <a:ext uri="{9D8B030D-6E8A-4147-A177-3AD203B41FA5}">
+                      <a16:colId xmlns:a16="http://schemas.microsoft.com/office/drawing/2014/main" val="20000"/>
+                    </a:ext>
+                  </a:extLst>
+                </a:gridCol>
+                <a:gridCol w="3685178">
+                  <a:extLst>
+                    <a:ext uri="{9D8B030D-6E8A-4147-A177-3AD203B41FA5}">
+                      <a16:colId xmlns:a16="http://schemas.microsoft.com/office/drawing/2014/main" val="20001"/>
+                    </a:ext>
+                  </a:extLst>
+                </a:gridCol>
               </a:tblGrid>
               <a:tr h="401436">
                 <a:tc>
@@ -8964,10 +8914,9 @@
                     <a:lstStyle/>
                     <a:p>
                       <a:r>
-                        <a:rPr lang="en-US" dirty="0" smtClean="0"/>
+                        <a:rPr lang="en-US" dirty="0"/>
                         <a:t>Wk</a:t>
                       </a:r>
-                      <a:endParaRPr lang="en-US" dirty="0"/>
                     </a:p>
                   </a:txBody>
                   <a:tcPr/>
@@ -8978,14 +8927,18 @@
                     <a:lstStyle/>
                     <a:p>
                       <a:r>
-                        <a:rPr lang="en-US" dirty="0" smtClean="0"/>
+                        <a:rPr lang="en-US" dirty="0"/>
                         <a:t>Topic</a:t>
                       </a:r>
-                      <a:endParaRPr lang="en-US" dirty="0"/>
                     </a:p>
                   </a:txBody>
                   <a:tcPr/>
                 </a:tc>
+                <a:extLst>
+                  <a:ext uri="{0D108BD9-81ED-4DB2-BD59-A6C34878D82A}">
+                    <a16:rowId xmlns:a16="http://schemas.microsoft.com/office/drawing/2014/main" val="10000"/>
+                  </a:ext>
+                </a:extLst>
               </a:tr>
               <a:tr h="723538">
                 <a:tc>
@@ -8994,7 +8947,7 @@
                     <a:lstStyle/>
                     <a:p>
                       <a:r>
-                        <a:rPr lang="en-US" sz="2800" smtClean="0"/>
+                        <a:rPr lang="en-US" sz="2800"/>
                         <a:t>3</a:t>
                       </a:r>
                       <a:endParaRPr lang="en-US" sz="2800" dirty="0"/>
@@ -9032,10 +8985,9 @@
                         <a:defRPr/>
                       </a:pPr>
                       <a:r>
-                        <a:rPr lang="en-US" sz="2800" dirty="0" smtClean="0"/>
+                        <a:rPr lang="en-US" sz="2800" dirty="0"/>
                         <a:t>Fragments</a:t>
                       </a:r>
-                      <a:endParaRPr lang="en-US" sz="2800" dirty="0" smtClean="0"/>
                     </a:p>
                   </a:txBody>
                   <a:tcPr>
@@ -9047,6 +8999,11 @@
                     </a:solidFill>
                   </a:tcPr>
                 </a:tc>
+                <a:extLst>
+                  <a:ext uri="{0D108BD9-81ED-4DB2-BD59-A6C34878D82A}">
+                    <a16:rowId xmlns:a16="http://schemas.microsoft.com/office/drawing/2014/main" val="10001"/>
+                  </a:ext>
+                </a:extLst>
               </a:tr>
               <a:tr h="1022838">
                 <a:tc>
@@ -9055,10 +9012,9 @@
                     <a:lstStyle/>
                     <a:p>
                       <a:r>
-                        <a:rPr lang="en-US" sz="2800" dirty="0" smtClean="0"/>
+                        <a:rPr lang="en-US" sz="2800" dirty="0"/>
                         <a:t>3</a:t>
                       </a:r>
-                      <a:endParaRPr lang="en-US" sz="2800" dirty="0"/>
                     </a:p>
                   </a:txBody>
                   <a:tcPr>
@@ -9093,7 +9049,7 @@
                         <a:defRPr/>
                       </a:pPr>
                       <a:r>
-                        <a:rPr lang="en-US" sz="2800" baseline="0" dirty="0" smtClean="0"/>
+                        <a:rPr lang="en-US" sz="2800" baseline="0" dirty="0"/>
                         <a:t>Reading XML files,</a:t>
                       </a:r>
                     </a:p>
@@ -9116,10 +9072,10 @@
                         <a:defRPr/>
                       </a:pPr>
                       <a:r>
-                        <a:rPr lang="en-US" sz="2800" baseline="0" dirty="0" smtClean="0"/>
+                        <a:rPr lang="en-US" sz="2800" baseline="0" dirty="0"/>
                         <a:t>Asynch Tasks</a:t>
                       </a:r>
-                      <a:endParaRPr lang="en-US" sz="2800" dirty="0" smtClean="0"/>
+                      <a:endParaRPr lang="en-US" sz="2800" dirty="0"/>
                     </a:p>
                   </a:txBody>
                   <a:tcPr>
@@ -9131,6 +9087,11 @@
                     </a:solidFill>
                   </a:tcPr>
                 </a:tc>
+                <a:extLst>
+                  <a:ext uri="{0D108BD9-81ED-4DB2-BD59-A6C34878D82A}">
+                    <a16:rowId xmlns:a16="http://schemas.microsoft.com/office/drawing/2014/main" val="10002"/>
+                  </a:ext>
+                </a:extLst>
               </a:tr>
               <a:tr h="663458">
                 <a:tc>
@@ -9139,10 +9100,9 @@
                     <a:lstStyle/>
                     <a:p>
                       <a:r>
-                        <a:rPr lang="en-US" sz="2800" dirty="0" smtClean="0"/>
+                        <a:rPr lang="en-US" sz="2800" dirty="0"/>
                         <a:t>3</a:t>
                       </a:r>
-                      <a:endParaRPr lang="en-US" sz="2800" dirty="0"/>
                     </a:p>
                   </a:txBody>
                   <a:tcPr>
@@ -9176,7 +9136,7 @@
                         <a:defRPr/>
                       </a:pPr>
                       <a:r>
-                        <a:rPr lang="en-US" sz="2800" dirty="0" smtClean="0"/>
+                        <a:rPr lang="en-US" sz="2800" dirty="0"/>
                         <a:t>List Views</a:t>
                       </a:r>
                     </a:p>
@@ -9189,6 +9149,11 @@
                     </a:solidFill>
                   </a:tcPr>
                 </a:tc>
+                <a:extLst>
+                  <a:ext uri="{0D108BD9-81ED-4DB2-BD59-A6C34878D82A}">
+                    <a16:rowId xmlns:a16="http://schemas.microsoft.com/office/drawing/2014/main" val="10003"/>
+                  </a:ext>
+                </a:extLst>
               </a:tr>
               <a:tr h="688769">
                 <a:tc>
@@ -9197,10 +9162,9 @@
                     <a:lstStyle/>
                     <a:p>
                       <a:r>
-                        <a:rPr lang="en-US" sz="2800" dirty="0" smtClean="0"/>
+                        <a:rPr lang="en-US" sz="2800" dirty="0"/>
                         <a:t>3</a:t>
                       </a:r>
-                      <a:endParaRPr lang="en-US" sz="2800" dirty="0"/>
                     </a:p>
                   </a:txBody>
                   <a:tcPr>
@@ -9232,14 +9196,14 @@
                         <a:defRPr/>
                       </a:pPr>
                       <a:r>
-                        <a:rPr lang="en-US" sz="2800" dirty="0" smtClean="0"/>
+                        <a:rPr lang="en-US" sz="2800" dirty="0"/>
                         <a:t>SQLite</a:t>
                       </a:r>
                       <a:r>
-                        <a:rPr lang="en-US" sz="2800" baseline="0" dirty="0" smtClean="0"/>
+                        <a:rPr lang="en-US" sz="2800" baseline="0" dirty="0"/>
                         <a:t> Databases</a:t>
                       </a:r>
-                      <a:endParaRPr lang="en-US" sz="2800" dirty="0" smtClean="0"/>
+                      <a:endParaRPr lang="en-US" sz="2800" dirty="0"/>
                     </a:p>
                   </a:txBody>
                   <a:tcPr>
@@ -9248,6 +9212,11 @@
                     </a:solidFill>
                   </a:tcPr>
                 </a:tc>
+                <a:extLst>
+                  <a:ext uri="{0D108BD9-81ED-4DB2-BD59-A6C34878D82A}">
+                    <a16:rowId xmlns:a16="http://schemas.microsoft.com/office/drawing/2014/main" val="10004"/>
+                  </a:ext>
+                </a:extLst>
               </a:tr>
               <a:tr h="1022838">
                 <a:tc>
@@ -9256,10 +9225,9 @@
                     <a:lstStyle/>
                     <a:p>
                       <a:r>
-                        <a:rPr lang="en-US" sz="2800" dirty="0" smtClean="0"/>
+                        <a:rPr lang="en-US" sz="2800" dirty="0"/>
                         <a:t>4</a:t>
                       </a:r>
-                      <a:endParaRPr lang="en-US" sz="2800" dirty="0"/>
                     </a:p>
                   </a:txBody>
                   <a:tcPr/>
@@ -9287,13 +9255,18 @@
                         <a:defRPr/>
                       </a:pPr>
                       <a:r>
-                        <a:rPr lang="en-US" sz="2800" dirty="0" smtClean="0"/>
+                        <a:rPr lang="en-US" sz="2800" dirty="0"/>
                         <a:t>Consuming a web service</a:t>
                       </a:r>
                     </a:p>
                   </a:txBody>
                   <a:tcPr/>
                 </a:tc>
+                <a:extLst>
+                  <a:ext uri="{0D108BD9-81ED-4DB2-BD59-A6C34878D82A}">
+                    <a16:rowId xmlns:a16="http://schemas.microsoft.com/office/drawing/2014/main" val="10005"/>
+                  </a:ext>
+                </a:extLst>
               </a:tr>
               <a:tr h="651583">
                 <a:tc>
@@ -9302,10 +9275,9 @@
                     <a:lstStyle/>
                     <a:p>
                       <a:r>
-                        <a:rPr lang="en-US" sz="2800" dirty="0" smtClean="0"/>
+                        <a:rPr lang="en-US" sz="2800" dirty="0"/>
                         <a:t>4</a:t>
                       </a:r>
-                      <a:endParaRPr lang="en-US" sz="2800" dirty="0"/>
                     </a:p>
                   </a:txBody>
                   <a:tcPr/>
@@ -9333,13 +9305,18 @@
                         <a:defRPr/>
                       </a:pPr>
                       <a:r>
-                        <a:rPr lang="en-US" sz="2800" dirty="0" smtClean="0"/>
+                        <a:rPr lang="en-US" sz="2800" dirty="0"/>
                         <a:t>Geolocation</a:t>
                       </a:r>
                     </a:p>
                   </a:txBody>
                   <a:tcPr/>
                 </a:tc>
+                <a:extLst>
+                  <a:ext uri="{0D108BD9-81ED-4DB2-BD59-A6C34878D82A}">
+                    <a16:rowId xmlns:a16="http://schemas.microsoft.com/office/drawing/2014/main" val="10006"/>
+                  </a:ext>
+                </a:extLst>
               </a:tr>
             </a:tbl>
           </a:graphicData>
@@ -9355,18 +9332,11 @@
   <p:clrMapOvr>
     <a:masterClrMapping/>
   </p:clrMapOvr>
-  <p:timing>
-    <p:tnLst>
-      <p:par>
-        <p:cTn id="1" dur="indefinite" restart="never" nodeType="tmRoot"/>
-      </p:par>
-    </p:tnLst>
-  </p:timing>
 </p:sld>
 </file>
 
 <file path=ppt/slides/slide20.xml><?xml version="1.0" encoding="utf-8"?>
-<p:sld xmlns:a="http://schemas.openxmlformats.org/drawingml/2006/main" xmlns:r="http://schemas.openxmlformats.org/officeDocument/2006/relationships" xmlns:p="http://schemas.openxmlformats.org/presentationml/2006/main">
+<p:sld xmlns:a="http://schemas.openxmlformats.org/drawingml/2006/main" xmlns:r="http://schemas.openxmlformats.org/officeDocument/2006/relationships" xmlns:p="http://schemas.openxmlformats.org/presentationml/2006/main" show="0">
   <p:cSld>
     <p:spTree>
       <p:nvGrpSpPr>
@@ -9406,7 +9376,7 @@
           <a:p>
             <a:pPr algn="ctr"/>
             <a:r>
-              <a:rPr lang="en-US" sz="3600" dirty="0" smtClean="0">
+              <a:rPr lang="en-US" sz="3600" dirty="0">
                 <a:solidFill>
                   <a:srgbClr val="0000FF"/>
                 </a:solidFill>
@@ -9415,7 +9385,7 @@
               <a:t>Static Inner Class </a:t>
             </a:r>
             <a:r>
-              <a:rPr lang="en-US" sz="3600" dirty="0" err="1" smtClean="0">
+              <a:rPr lang="en-US" sz="3600" dirty="0" err="1">
                 <a:solidFill>
                   <a:srgbClr val="0000FF"/>
                 </a:solidFill>
@@ -9459,28 +9429,22 @@
               <a:buChar char="•"/>
             </a:pPr>
             <a:r>
-              <a:rPr lang="en-US" sz="2400" dirty="0" smtClean="0">
+              <a:rPr lang="en-US" sz="2400" dirty="0">
                 <a:latin typeface="+mn-lt"/>
               </a:rPr>
               <a:t>Extends </a:t>
             </a:r>
             <a:r>
-              <a:rPr lang="en-US" sz="2400" dirty="0" err="1" smtClean="0">
+              <a:rPr lang="en-US" sz="2400" dirty="0" err="1">
                 <a:latin typeface="+mn-lt"/>
               </a:rPr>
               <a:t>SQLiteOpenHelper</a:t>
             </a:r>
             <a:r>
-              <a:rPr lang="en-US" sz="2400" dirty="0" smtClean="0">
+              <a:rPr lang="en-US" sz="2400" dirty="0">
                 <a:latin typeface="+mn-lt"/>
               </a:rPr>
               <a:t> class</a:t>
-            </a:r>
-            <a:r>
-              <a:rPr lang="en-US" sz="2400" dirty="0">
-                <a:latin typeface="+mn-lt"/>
-              </a:rPr>
-              <a:t/>
             </a:r>
             <a:br>
               <a:rPr lang="en-US" sz="2400" dirty="0">
@@ -9488,13 +9452,13 @@
               </a:rPr>
             </a:br>
             <a:r>
-              <a:rPr lang="en-US" dirty="0" smtClean="0">
+              <a:rPr lang="en-US" dirty="0">
                 <a:latin typeface="+mn-lt"/>
                 <a:hlinkClick r:id="rId2"/>
               </a:rPr>
               <a:t>developer.android.com/reference/android/database/sqlite/SQLiteOpenHelper.html</a:t>
             </a:r>
-            <a:endParaRPr lang="en-US" dirty="0" smtClean="0">
+            <a:endParaRPr lang="en-US" dirty="0">
               <a:latin typeface="+mn-lt"/>
             </a:endParaRPr>
           </a:p>
@@ -9504,13 +9468,13 @@
               <a:buChar char="•"/>
             </a:pPr>
             <a:r>
-              <a:rPr lang="en-US" sz="2400" dirty="0" err="1" smtClean="0">
+              <a:rPr lang="en-US" sz="2400" dirty="0" err="1">
                 <a:latin typeface="+mn-lt"/>
               </a:rPr>
               <a:t>SQLiteOpenHelper</a:t>
             </a:r>
             <a:r>
-              <a:rPr lang="en-US" sz="2400" dirty="0" smtClean="0">
+              <a:rPr lang="en-US" sz="2400" dirty="0">
                 <a:latin typeface="+mn-lt"/>
               </a:rPr>
               <a:t> callback methods:</a:t>
@@ -9522,7 +9486,7 @@
               <a:buChar char="•"/>
             </a:pPr>
             <a:r>
-              <a:rPr lang="en-US" sz="2400" dirty="0" err="1" smtClean="0">
+              <a:rPr lang="en-US" sz="2400" dirty="0" err="1">
                 <a:latin typeface="+mn-lt"/>
               </a:rPr>
               <a:t>onCreate</a:t>
@@ -9531,13 +9495,17 @@
               <a:rPr lang="en-US" sz="2400" dirty="0">
                 <a:latin typeface="+mn-lt"/>
               </a:rPr>
-              <a:t> </a:t>
-            </a:r>
-            <a:r>
-              <a:rPr lang="en-US" sz="2400" dirty="0" smtClean="0">
+              <a:t> is called after the database </a:t>
+            </a:r>
+            <a:r>
+              <a:rPr lang="en-US" sz="2400" dirty="0"/>
+              <a:t>is created (</a:t>
+            </a:r>
+            <a:r>
+              <a:rPr lang="en-US" sz="2400" dirty="0">
                 <a:latin typeface="+mn-lt"/>
               </a:rPr>
-              <a:t>is called after the database (not the tables) is created. The database will automatically be created if it isn’t found on the device.</a:t>
+              <a:t>not the tables). The database will automatically be created if it isn’t found on the device.</a:t>
             </a:r>
           </a:p>
           <a:p>
@@ -9546,14 +9514,11 @@
               <a:buChar char="•"/>
             </a:pPr>
             <a:r>
-              <a:rPr lang="en-US" sz="2400" dirty="0" smtClean="0">
+              <a:rPr lang="en-US" sz="2400" dirty="0">
                 <a:latin typeface="+mn-lt"/>
               </a:rPr>
               <a:t>onUpgrade is called if the existing database version number is lower than the one specified in the version number passed to the constructor.</a:t>
             </a:r>
-            <a:endParaRPr lang="en-US" sz="2400" dirty="0">
-              <a:latin typeface="+mn-lt"/>
-            </a:endParaRPr>
           </a:p>
         </p:txBody>
       </p:sp>
@@ -9567,13 +9532,6 @@
   <p:clrMapOvr>
     <a:masterClrMapping/>
   </p:clrMapOvr>
-  <p:timing>
-    <p:tnLst>
-      <p:par>
-        <p:cTn id="1" dur="indefinite" restart="never" nodeType="tmRoot"/>
-      </p:par>
-    </p:tnLst>
-  </p:timing>
 </p:sld>
 </file>
 
@@ -9602,8 +9560,8 @@
         </p:nvSpPr>
         <p:spPr>
           <a:xfrm>
-            <a:off x="762000" y="685800"/>
-            <a:ext cx="7696200" cy="1200329"/>
+            <a:off x="509666" y="303074"/>
+            <a:ext cx="8124668" cy="1508105"/>
           </a:xfrm>
           <a:prstGeom prst="rect">
             <a:avLst/>
@@ -9618,16 +9576,28 @@
           <a:p>
             <a:pPr algn="ctr"/>
             <a:r>
-              <a:rPr lang="en-US" sz="3600" dirty="0" smtClean="0">
+              <a:rPr lang="en-US" sz="3600" dirty="0">
                 <a:solidFill>
                   <a:srgbClr val="0000FF"/>
                 </a:solidFill>
                 <a:latin typeface="+mj-lt"/>
               </a:rPr>
-              <a:t>Private Instance Object: </a:t>
-            </a:r>
-            <a:r>
-              <a:rPr lang="en-US" sz="3600" dirty="0" err="1" smtClean="0">
+              <a:t>Weather App Example:</a:t>
+            </a:r>
+          </a:p>
+          <a:p>
+            <a:pPr algn="ctr"/>
+            <a:r>
+              <a:rPr lang="en-US" sz="2800" dirty="0">
+                <a:solidFill>
+                  <a:srgbClr val="0000FF"/>
+                </a:solidFill>
+                <a:latin typeface="+mj-lt"/>
+              </a:rPr>
+              <a:t>Private Instance Object, </a:t>
+            </a:r>
+            <a:r>
+              <a:rPr lang="en-US" sz="2800" dirty="0" err="1">
                 <a:solidFill>
                   <a:srgbClr val="0000FF"/>
                 </a:solidFill>
@@ -9635,7 +9605,7 @@
               </a:rPr>
               <a:t>db</a:t>
             </a:r>
-            <a:endParaRPr lang="en-US" sz="3600" dirty="0" smtClean="0">
+            <a:endParaRPr lang="en-US" sz="2800" dirty="0">
               <a:solidFill>
                 <a:srgbClr val="0000FF"/>
               </a:solidFill>
@@ -9645,7 +9615,7 @@
           <a:p>
             <a:pPr algn="ctr"/>
             <a:r>
-              <a:rPr lang="en-US" sz="3600" dirty="0" smtClean="0">
+              <a:rPr lang="en-US" sz="2800" dirty="0">
                 <a:solidFill>
                   <a:srgbClr val="0000FF"/>
                 </a:solidFill>
@@ -9653,12 +9623,6 @@
               </a:rPr>
               <a:t>Instance of SQLiteDatabase</a:t>
             </a:r>
-            <a:endParaRPr lang="en-US" sz="3600" dirty="0">
-              <a:solidFill>
-                <a:srgbClr val="0000FF"/>
-              </a:solidFill>
-              <a:latin typeface="+mj-lt"/>
-            </a:endParaRPr>
           </a:p>
         </p:txBody>
       </p:sp>
@@ -9689,16 +9653,10 @@
               <a:buChar char="•"/>
             </a:pPr>
             <a:r>
-              <a:rPr lang="en-US" sz="2400" dirty="0" smtClean="0">
+              <a:rPr lang="en-US" sz="2400" dirty="0">
                 <a:latin typeface="+mn-lt"/>
               </a:rPr>
               <a:t>SQLiteDatabase class:</a:t>
-            </a:r>
-            <a:r>
-              <a:rPr lang="en-US" sz="2400" dirty="0">
-                <a:latin typeface="+mn-lt"/>
-              </a:rPr>
-              <a:t/>
             </a:r>
             <a:br>
               <a:rPr lang="en-US" sz="2400" dirty="0">
@@ -9706,13 +9664,13 @@
               </a:rPr>
             </a:br>
             <a:r>
-              <a:rPr lang="en-US" sz="2400" dirty="0" smtClean="0">
+              <a:rPr lang="en-US" sz="2400" dirty="0">
                 <a:latin typeface="+mn-lt"/>
-                <a:hlinkClick r:id="rId2"/>
+                <a:hlinkClick r:id="rId3"/>
               </a:rPr>
               <a:t>developer.android.com/reference/android/database/sqlite/SQLiteDatabase.html</a:t>
             </a:r>
-            <a:endParaRPr lang="en-US" sz="2400" dirty="0" smtClean="0">
+            <a:endParaRPr lang="en-US" sz="2400" dirty="0">
               <a:latin typeface="+mn-lt"/>
             </a:endParaRPr>
           </a:p>
@@ -9722,31 +9680,31 @@
               <a:buChar char="•"/>
             </a:pPr>
             <a:r>
-              <a:rPr lang="en-US" sz="2400" dirty="0" smtClean="0">
+              <a:rPr lang="en-US" sz="2400" dirty="0">
                 <a:latin typeface="+mn-lt"/>
               </a:rPr>
               <a:t>The </a:t>
             </a:r>
             <a:r>
-              <a:rPr lang="en-US" sz="2400" dirty="0" err="1" smtClean="0">
+              <a:rPr lang="en-US" sz="2400" dirty="0" err="1">
                 <a:latin typeface="+mn-lt"/>
               </a:rPr>
               <a:t>db</a:t>
             </a:r>
             <a:r>
-              <a:rPr lang="en-US" sz="2400" dirty="0" smtClean="0">
+              <a:rPr lang="en-US" sz="2400" dirty="0">
                 <a:latin typeface="+mn-lt"/>
               </a:rPr>
               <a:t> object is created by opening a connection to the database using methods of </a:t>
             </a:r>
             <a:r>
-              <a:rPr lang="en-US" sz="2400" dirty="0" err="1" smtClean="0">
+              <a:rPr lang="en-US" sz="2400" dirty="0" err="1">
                 <a:latin typeface="+mn-lt"/>
               </a:rPr>
               <a:t>SQLiteOpenHelper</a:t>
             </a:r>
             <a:r>
-              <a:rPr lang="en-US" sz="2400" dirty="0" smtClean="0">
+              <a:rPr lang="en-US" sz="2400" dirty="0">
                 <a:latin typeface="+mn-lt"/>
               </a:rPr>
               <a:t>:</a:t>
@@ -9758,12 +9716,12 @@
               <a:buChar char="•"/>
             </a:pPr>
             <a:r>
-              <a:rPr lang="en-US" sz="2400" dirty="0" err="1" smtClean="0">
+              <a:rPr lang="en-US" sz="2400" dirty="0" err="1">
                 <a:latin typeface="+mn-lt"/>
               </a:rPr>
               <a:t>getReadableDatabase</a:t>
             </a:r>
-            <a:endParaRPr lang="en-US" sz="2400" dirty="0" smtClean="0">
+            <a:endParaRPr lang="en-US" sz="2400" dirty="0">
               <a:latin typeface="+mn-lt"/>
             </a:endParaRPr>
           </a:p>
@@ -9773,12 +9731,12 @@
               <a:buChar char="•"/>
             </a:pPr>
             <a:r>
-              <a:rPr lang="en-US" sz="2400" dirty="0" err="1" smtClean="0">
+              <a:rPr lang="en-US" sz="2400" dirty="0" err="1">
                 <a:latin typeface="+mn-lt"/>
               </a:rPr>
               <a:t>getWritableDatabase</a:t>
             </a:r>
-            <a:endParaRPr lang="en-US" sz="2400" dirty="0" smtClean="0">
+            <a:endParaRPr lang="en-US" sz="2400" dirty="0">
               <a:latin typeface="+mn-lt"/>
             </a:endParaRPr>
           </a:p>
@@ -9788,19 +9746,19 @@
               <a:buChar char="•"/>
             </a:pPr>
             <a:r>
-              <a:rPr lang="en-US" sz="2400" dirty="0" smtClean="0">
+              <a:rPr lang="en-US" sz="2400" dirty="0">
                 <a:latin typeface="+mn-lt"/>
               </a:rPr>
               <a:t>The </a:t>
             </a:r>
             <a:r>
-              <a:rPr lang="en-US" sz="2400" dirty="0" err="1" smtClean="0">
+              <a:rPr lang="en-US" sz="2400" dirty="0" err="1">
                 <a:latin typeface="+mn-lt"/>
               </a:rPr>
               <a:t>exeSQL</a:t>
             </a:r>
             <a:r>
-              <a:rPr lang="en-US" sz="2400" dirty="0" smtClean="0">
+              <a:rPr lang="en-US" sz="2400" dirty="0">
                 <a:latin typeface="+mn-lt"/>
               </a:rPr>
               <a:t> method is used to execute SQL statements on tables of the database.</a:t>
@@ -9812,7 +9770,7 @@
               <a:buChar char="•"/>
             </a:pPr>
             <a:r>
-              <a:rPr lang="en-US" sz="2400" dirty="0" smtClean="0">
+              <a:rPr lang="en-US" sz="2400" dirty="0">
                 <a:latin typeface="+mn-lt"/>
               </a:rPr>
               <a:t>The close method is used to close the connection to the database.</a:t>
@@ -9830,13 +9788,6 @@
   <p:clrMapOvr>
     <a:masterClrMapping/>
   </p:clrMapOvr>
-  <p:timing>
-    <p:tnLst>
-      <p:par>
-        <p:cTn id="1" dur="indefinite" restart="never" nodeType="tmRoot"/>
-      </p:par>
-    </p:tnLst>
-  </p:timing>
 </p:sld>
 </file>
 
@@ -9904,18 +9855,13 @@
           <a:p>
             <a:pPr algn="l"/>
             <a:r>
-              <a:rPr lang="en-US" b="1" dirty="0" smtClean="0">
+              <a:rPr lang="en-US" b="1" dirty="0">
                 <a:solidFill>
                   <a:srgbClr val="0000FF"/>
                 </a:solidFill>
               </a:rPr>
               <a:t>Task List App</a:t>
             </a:r>
-            <a:endParaRPr lang="en-US" b="1" dirty="0">
-              <a:solidFill>
-                <a:srgbClr val="0000FF"/>
-              </a:solidFill>
-            </a:endParaRPr>
           </a:p>
         </p:txBody>
       </p:sp>
@@ -9944,62 +9890,46 @@
             </a:pPr>
             <a:r>
               <a:rPr lang="en-US" dirty="0"/>
-              <a:t>Does this app have a “three-tier” architecture</a:t>
-            </a:r>
-            <a:r>
-              <a:rPr lang="en-US" dirty="0" smtClean="0"/>
-              <a:t>?</a:t>
+              <a:t>Does this app have a “three-tier” architecture?</a:t>
             </a:r>
           </a:p>
           <a:p>
             <a:pPr marL="0" indent="0">
               <a:buNone/>
             </a:pPr>
-            <a:endParaRPr lang="en-US" sz="2800" dirty="0" smtClean="0"/>
+            <a:endParaRPr lang="en-US" sz="2800" dirty="0"/>
           </a:p>
           <a:p>
             <a:pPr marL="0" indent="0">
               <a:buNone/>
             </a:pPr>
             <a:r>
-              <a:rPr lang="en-US" sz="2800" dirty="0" smtClean="0"/>
-              <a:t>See the </a:t>
-            </a:r>
-            <a:r>
               <a:rPr lang="en-US" sz="2800" dirty="0"/>
-              <a:t>next slide, </a:t>
-            </a:r>
-            <a:endParaRPr lang="en-US" sz="2800" dirty="0" smtClean="0"/>
+              <a:t>See the next slide, </a:t>
+            </a:r>
           </a:p>
           <a:p>
             <a:pPr marL="0" indent="0">
               <a:buNone/>
             </a:pPr>
             <a:r>
-              <a:rPr lang="en-US" sz="2800" dirty="0" smtClean="0"/>
+              <a:rPr lang="en-US" sz="2800" dirty="0"/>
               <a:t>or</a:t>
             </a:r>
             <a:r>
-              <a:rPr lang="en-US" dirty="0" smtClean="0"/>
+              <a:rPr lang="en-US" dirty="0"/>
               <a:t> </a:t>
             </a:r>
             <a:r>
               <a:rPr lang="en-US" sz="2800" dirty="0">
                 <a:hlinkClick r:id="rId3"/>
               </a:rPr>
-              <a:t>https://en.wikipedia.org/wiki/</a:t>
-            </a:r>
-            <a:r>
-              <a:rPr lang="en-US" sz="2800" dirty="0" smtClean="0">
-                <a:hlinkClick r:id="rId3"/>
-              </a:rPr>
-              <a:t>Multitier_architecture</a:t>
-            </a:r>
-            <a:r>
-              <a:rPr lang="en-US" sz="2800" dirty="0" smtClean="0"/>
+              <a:t>https://en.wikipedia.org/wiki/Multitier_architecture</a:t>
+            </a:r>
+            <a:r>
+              <a:rPr lang="en-US" sz="2800" dirty="0"/>
               <a:t> </a:t>
             </a:r>
-            <a:endParaRPr lang="en-US" sz="2800" dirty="0"/>
           </a:p>
           <a:p>
             <a:pPr marL="0" indent="0">
@@ -10019,13 +9949,6 @@
   <p:clrMapOvr>
     <a:masterClrMapping/>
   </p:clrMapOvr>
-  <p:timing>
-    <p:tnLst>
-      <p:par>
-        <p:cTn id="1" dur="indefinite" restart="never" nodeType="tmRoot"/>
-      </p:par>
-    </p:tnLst>
-  </p:timing>
 </p:sld>
 </file>
 
@@ -10109,13 +10032,6 @@
   <p:clrMapOvr>
     <a:masterClrMapping/>
   </p:clrMapOvr>
-  <p:timing>
-    <p:tnLst>
-      <p:par>
-        <p:cTn id="1" dur="indefinite" restart="never" nodeType="tmRoot"/>
-      </p:par>
-    </p:tnLst>
-  </p:timing>
 </p:sld>
 </file>
 
@@ -10176,18 +10092,13 @@
           <a:p>
             <a:pPr algn="l"/>
             <a:r>
-              <a:rPr lang="en-US" dirty="0" smtClean="0">
+              <a:rPr lang="en-US" dirty="0">
                 <a:solidFill>
                   <a:srgbClr val="0000FF"/>
                 </a:solidFill>
               </a:rPr>
               <a:t>Code Tour of the Task List App</a:t>
             </a:r>
-            <a:endParaRPr lang="en-US" dirty="0">
-              <a:solidFill>
-                <a:srgbClr val="0000FF"/>
-              </a:solidFill>
-            </a:endParaRPr>
           </a:p>
         </p:txBody>
       </p:sp>
@@ -10207,40 +10118,40 @@
           <a:lstStyle/>
           <a:p>
             <a:r>
-              <a:rPr lang="en-US" dirty="0" smtClean="0"/>
+              <a:rPr lang="en-US" dirty="0"/>
               <a:t>Identify three categories of code:</a:t>
             </a:r>
           </a:p>
           <a:p>
             <a:pPr lvl="1"/>
             <a:r>
-              <a:rPr lang="en-US" dirty="0" smtClean="0"/>
+              <a:rPr lang="en-US" dirty="0"/>
               <a:t>Presentation</a:t>
             </a:r>
           </a:p>
           <a:p>
             <a:pPr lvl="1"/>
             <a:r>
-              <a:rPr lang="en-US" dirty="0" smtClean="0"/>
+              <a:rPr lang="en-US" dirty="0"/>
               <a:t>Business logic</a:t>
             </a:r>
           </a:p>
           <a:p>
             <a:pPr lvl="1"/>
             <a:r>
-              <a:rPr lang="en-US" dirty="0" smtClean="0"/>
+              <a:rPr lang="en-US" dirty="0"/>
               <a:t>Data</a:t>
             </a:r>
           </a:p>
           <a:p>
             <a:r>
-              <a:rPr lang="en-US" dirty="0" smtClean="0"/>
+              <a:rPr lang="en-US" dirty="0"/>
               <a:t>Which classes are in each category?</a:t>
             </a:r>
           </a:p>
           <a:p>
             <a:r>
-              <a:rPr lang="en-US" dirty="0" smtClean="0"/>
+              <a:rPr lang="en-US" dirty="0"/>
               <a:t>Do the “business objects” (domain models) contain business logic?</a:t>
             </a:r>
           </a:p>
@@ -10256,13 +10167,6 @@
   <p:clrMapOvr>
     <a:masterClrMapping/>
   </p:clrMapOvr>
-  <p:timing>
-    <p:tnLst>
-      <p:par>
-        <p:cTn id="1" dur="indefinite" restart="never" nodeType="tmRoot"/>
-      </p:par>
-    </p:tnLst>
-  </p:timing>
 </p:sld>
 </file>
 
@@ -10324,20 +10228,12 @@
           <a:lstStyle/>
           <a:p>
             <a:r>
-              <a:rPr lang="en-US" dirty="0" smtClean="0">
+              <a:rPr lang="en-US" dirty="0">
                 <a:solidFill>
                   <a:srgbClr val="0000FF"/>
                 </a:solidFill>
               </a:rPr>
               <a:t>Code Tour of the Task List App</a:t>
-            </a:r>
-            <a:r>
-              <a:rPr lang="en-US" dirty="0">
-                <a:solidFill>
-                  <a:srgbClr val="0000FF"/>
-                </a:solidFill>
-              </a:rPr>
-              <a:t/>
             </a:r>
             <a:br>
               <a:rPr lang="en-US" dirty="0">
@@ -10347,18 +10243,13 @@
               </a:rPr>
             </a:br>
             <a:r>
-              <a:rPr lang="en-US" dirty="0" smtClean="0">
+              <a:rPr lang="en-US" dirty="0">
                 <a:solidFill>
                   <a:srgbClr val="0000FF"/>
                 </a:solidFill>
               </a:rPr>
               <a:t>(continued)</a:t>
             </a:r>
-            <a:endParaRPr lang="en-US" dirty="0">
-              <a:solidFill>
-                <a:srgbClr val="0000FF"/>
-              </a:solidFill>
-            </a:endParaRPr>
           </a:p>
         </p:txBody>
       </p:sp>
@@ -10381,25 +10272,25 @@
               <a:buNone/>
             </a:pPr>
             <a:r>
-              <a:rPr lang="en-US" dirty="0" smtClean="0"/>
+              <a:rPr lang="en-US" dirty="0"/>
               <a:t>Look for:</a:t>
             </a:r>
           </a:p>
           <a:p>
             <a:r>
-              <a:rPr lang="en-US" dirty="0" smtClean="0"/>
+              <a:rPr lang="en-US" dirty="0"/>
               <a:t>Code that opens a database</a:t>
             </a:r>
           </a:p>
           <a:p>
             <a:r>
-              <a:rPr lang="en-US" dirty="0" smtClean="0"/>
+              <a:rPr lang="en-US" dirty="0"/>
               <a:t>Scope of the Android SQLiteDatabase object</a:t>
             </a:r>
           </a:p>
           <a:p>
             <a:r>
-              <a:rPr lang="en-US" dirty="0" smtClean="0"/>
+              <a:rPr lang="en-US" dirty="0"/>
               <a:t>Code that queries the database</a:t>
             </a:r>
           </a:p>
@@ -10407,7 +10298,7 @@
             <a:pPr marL="0" indent="0">
               <a:buNone/>
             </a:pPr>
-            <a:endParaRPr lang="en-US" dirty="0" smtClean="0"/>
+            <a:endParaRPr lang="en-US" dirty="0"/>
           </a:p>
         </p:txBody>
       </p:sp>
@@ -10421,13 +10312,6 @@
   <p:clrMapOvr>
     <a:masterClrMapping/>
   </p:clrMapOvr>
-  <p:timing>
-    <p:tnLst>
-      <p:par>
-        <p:cTn id="1" dur="indefinite" restart="never" nodeType="tmRoot"/>
-      </p:par>
-    </p:tnLst>
-  </p:timing>
 </p:sld>
 </file>
 
@@ -10489,10 +10373,9 @@
               <a:defRPr/>
             </a:pPr>
             <a:r>
-              <a:rPr lang="en-US" smtClean="0"/>
+              <a:rPr lang="en-US"/>
               <a:t>Murach's Android Programming, C13</a:t>
             </a:r>
-            <a:endParaRPr lang="en-US"/>
           </a:p>
         </p:txBody>
       </p:sp>
@@ -10515,10 +10398,9 @@
               <a:defRPr/>
             </a:pPr>
             <a:r>
-              <a:rPr lang="en-US" dirty="0" smtClean="0"/>
+              <a:rPr lang="en-US" dirty="0"/>
               <a:t>© 2015, Mike Murach &amp; Associates, Inc.</a:t>
             </a:r>
-            <a:endParaRPr lang="en-US" dirty="0"/>
           </a:p>
         </p:txBody>
       </p:sp>
@@ -10540,14 +10422,14 @@
             <a:pPr>
               <a:defRPr/>
             </a:pPr>
-            <a:endParaRPr lang="en-US" smtClean="0"/>
+            <a:endParaRPr lang="en-US"/>
           </a:p>
           <a:p>
             <a:pPr algn="r">
               <a:defRPr/>
             </a:pPr>
             <a:r>
-              <a:rPr lang="en-US" sz="900" smtClean="0">
+              <a:rPr lang="en-US" sz="900">
                 <a:latin typeface="Arial Narrow" pitchFamily="34" charset="0"/>
               </a:rPr>
               <a:t>Slide </a:t>
@@ -10589,7 +10471,7 @@
           <a:graphicData uri="http://schemas.openxmlformats.org/presentationml/2006/ole">
             <mc:AlternateContent xmlns:mc="http://schemas.openxmlformats.org/markup-compatibility/2006">
               <mc:Choice xmlns:v="urn:schemas-microsoft-com:vml" Requires="v">
-                <p:oleObj spid="_x0000_s45091" name="Document" r:id="rId3" imgW="6864119" imgH="4072548" progId="Word.Document.12">
+                <p:oleObj spid="_x0000_s45097" name="Document" r:id="rId3" imgW="6864119" imgH="4072548" progId="Word.Document.12">
                   <p:embed/>
                 </p:oleObj>
               </mc:Choice>
@@ -10634,13 +10516,6 @@
   <p:clrMapOvr>
     <a:masterClrMapping/>
   </p:clrMapOvr>
-  <p:timing>
-    <p:tnLst>
-      <p:par>
-        <p:cTn id="1" dur="indefinite" restart="never" nodeType="tmRoot"/>
-      </p:par>
-    </p:tnLst>
-  </p:timing>
 </p:sld>
 </file>
 
@@ -10702,10 +10577,9 @@
               <a:defRPr/>
             </a:pPr>
             <a:r>
-              <a:rPr lang="en-US" smtClean="0"/>
+              <a:rPr lang="en-US"/>
               <a:t>Murach's Android Programming, C13</a:t>
             </a:r>
-            <a:endParaRPr lang="en-US"/>
           </a:p>
         </p:txBody>
       </p:sp>
@@ -10728,10 +10602,9 @@
               <a:defRPr/>
             </a:pPr>
             <a:r>
-              <a:rPr lang="en-US" dirty="0" smtClean="0"/>
+              <a:rPr lang="en-US" dirty="0"/>
               <a:t>© 2015, Mike Murach &amp; Associates, Inc.</a:t>
             </a:r>
-            <a:endParaRPr lang="en-US" dirty="0"/>
           </a:p>
         </p:txBody>
       </p:sp>
@@ -10753,14 +10626,14 @@
             <a:pPr>
               <a:defRPr/>
             </a:pPr>
-            <a:endParaRPr lang="en-US" smtClean="0"/>
+            <a:endParaRPr lang="en-US"/>
           </a:p>
           <a:p>
             <a:pPr algn="r">
               <a:defRPr/>
             </a:pPr>
             <a:r>
-              <a:rPr lang="en-US" sz="900" smtClean="0">
+              <a:rPr lang="en-US" sz="900">
                 <a:latin typeface="Arial Narrow" pitchFamily="34" charset="0"/>
               </a:rPr>
               <a:t>Slide </a:t>
@@ -10802,7 +10675,7 @@
           <a:graphicData uri="http://schemas.openxmlformats.org/presentationml/2006/ole">
             <mc:AlternateContent xmlns:mc="http://schemas.openxmlformats.org/markup-compatibility/2006">
               <mc:Choice xmlns:v="urn:schemas-microsoft-com:vml" Requires="v">
-                <p:oleObj spid="_x0000_s46115" name="Document" r:id="rId3" imgW="6864119" imgH="4678614" progId="Word.Document.12">
+                <p:oleObj spid="_x0000_s46121" name="Document" r:id="rId3" imgW="6864119" imgH="4678614" progId="Word.Document.12">
                   <p:embed/>
                 </p:oleObj>
               </mc:Choice>
@@ -10847,13 +10720,6 @@
   <p:clrMapOvr>
     <a:masterClrMapping/>
   </p:clrMapOvr>
-  <p:timing>
-    <p:tnLst>
-      <p:par>
-        <p:cTn id="1" dur="indefinite" restart="never" nodeType="tmRoot"/>
-      </p:par>
-    </p:tnLst>
-  </p:timing>
 </p:sld>
 </file>
 
@@ -10915,10 +10781,9 @@
               <a:defRPr/>
             </a:pPr>
             <a:r>
-              <a:rPr lang="en-US" smtClean="0"/>
+              <a:rPr lang="en-US"/>
               <a:t>Murach's Android Programming, C13</a:t>
             </a:r>
-            <a:endParaRPr lang="en-US"/>
           </a:p>
         </p:txBody>
       </p:sp>
@@ -10941,10 +10806,9 @@
               <a:defRPr/>
             </a:pPr>
             <a:r>
-              <a:rPr lang="en-US" dirty="0" smtClean="0"/>
+              <a:rPr lang="en-US" dirty="0"/>
               <a:t>© 2015, Mike Murach &amp; Associates, Inc.</a:t>
             </a:r>
-            <a:endParaRPr lang="en-US" dirty="0"/>
           </a:p>
         </p:txBody>
       </p:sp>
@@ -10966,14 +10830,14 @@
             <a:pPr>
               <a:defRPr/>
             </a:pPr>
-            <a:endParaRPr lang="en-US" smtClean="0"/>
+            <a:endParaRPr lang="en-US"/>
           </a:p>
           <a:p>
             <a:pPr algn="r">
               <a:defRPr/>
             </a:pPr>
             <a:r>
-              <a:rPr lang="en-US" sz="900" smtClean="0">
+              <a:rPr lang="en-US" sz="900">
                 <a:latin typeface="Arial Narrow" pitchFamily="34" charset="0"/>
               </a:rPr>
               <a:t>Slide </a:t>
@@ -11015,7 +10879,7 @@
           <a:graphicData uri="http://schemas.openxmlformats.org/presentationml/2006/ole">
             <mc:AlternateContent xmlns:mc="http://schemas.openxmlformats.org/markup-compatibility/2006">
               <mc:Choice xmlns:v="urn:schemas-microsoft-com:vml" Requires="v">
-                <p:oleObj spid="_x0000_s47139" name="Document" r:id="rId3" imgW="6864202" imgH="4689864" progId="Word.Document.12">
+                <p:oleObj spid="_x0000_s47145" name="Document" r:id="rId3" imgW="6864202" imgH="4689864" progId="Word.Document.12">
                   <p:embed/>
                 </p:oleObj>
               </mc:Choice>
@@ -11060,13 +10924,6 @@
   <p:clrMapOvr>
     <a:masterClrMapping/>
   </p:clrMapOvr>
-  <p:timing>
-    <p:tnLst>
-      <p:par>
-        <p:cTn id="1" dur="indefinite" restart="never" nodeType="tmRoot"/>
-      </p:par>
-    </p:tnLst>
-  </p:timing>
 </p:sld>
 </file>
 
@@ -11128,10 +10985,9 @@
               <a:defRPr/>
             </a:pPr>
             <a:r>
-              <a:rPr lang="en-US" smtClean="0"/>
+              <a:rPr lang="en-US"/>
               <a:t>Murach's Android Programming, C13</a:t>
             </a:r>
-            <a:endParaRPr lang="en-US"/>
           </a:p>
         </p:txBody>
       </p:sp>
@@ -11154,10 +11010,9 @@
               <a:defRPr/>
             </a:pPr>
             <a:r>
-              <a:rPr lang="en-US" dirty="0" smtClean="0"/>
+              <a:rPr lang="en-US" dirty="0"/>
               <a:t>© 2015, Mike Murach &amp; Associates, Inc.</a:t>
             </a:r>
-            <a:endParaRPr lang="en-US" dirty="0"/>
           </a:p>
         </p:txBody>
       </p:sp>
@@ -11179,14 +11034,14 @@
             <a:pPr>
               <a:defRPr/>
             </a:pPr>
-            <a:endParaRPr lang="en-US" smtClean="0"/>
+            <a:endParaRPr lang="en-US"/>
           </a:p>
           <a:p>
             <a:pPr algn="r">
               <a:defRPr/>
             </a:pPr>
             <a:r>
-              <a:rPr lang="en-US" sz="900" smtClean="0">
+              <a:rPr lang="en-US" sz="900">
                 <a:latin typeface="Arial Narrow" pitchFamily="34" charset="0"/>
               </a:rPr>
               <a:t>Slide </a:t>
@@ -11228,7 +11083,7 @@
           <a:graphicData uri="http://schemas.openxmlformats.org/presentationml/2006/ole">
             <mc:AlternateContent xmlns:mc="http://schemas.openxmlformats.org/markup-compatibility/2006">
               <mc:Choice xmlns:v="urn:schemas-microsoft-com:vml" Requires="v">
-                <p:oleObj spid="_x0000_s48163" name="Document" r:id="rId3" imgW="7169398" imgH="4553367" progId="Word.Document.12">
+                <p:oleObj spid="_x0000_s48169" name="Document" r:id="rId3" imgW="7169398" imgH="4553367" progId="Word.Document.12">
                   <p:embed/>
                 </p:oleObj>
               </mc:Choice>
@@ -11273,13 +11128,6 @@
   <p:clrMapOvr>
     <a:masterClrMapping/>
   </p:clrMapOvr>
-  <p:timing>
-    <p:tnLst>
-      <p:par>
-        <p:cTn id="1" dur="indefinite" restart="never" nodeType="tmRoot"/>
-      </p:par>
-    </p:tnLst>
-  </p:timing>
 </p:sld>
 </file>
 
@@ -11346,18 +11194,13 @@
           <a:p>
             <a:pPr algn="ctr"/>
             <a:r>
-              <a:rPr lang="en-US" sz="6600" dirty="0" smtClean="0">
+              <a:rPr lang="en-US" sz="6600" dirty="0">
                 <a:solidFill>
                   <a:srgbClr val="2D2DB9"/>
                 </a:solidFill>
               </a:rPr>
               <a:t>SQLite</a:t>
             </a:r>
-            <a:endParaRPr lang="en-US" sz="6600" dirty="0">
-              <a:solidFill>
-                <a:srgbClr val="2D2DB9"/>
-              </a:solidFill>
-            </a:endParaRPr>
           </a:p>
         </p:txBody>
       </p:sp>
@@ -11395,13 +11238,6 @@
   <p:clrMapOvr>
     <a:masterClrMapping/>
   </p:clrMapOvr>
-  <p:timing>
-    <p:tnLst>
-      <p:par>
-        <p:cTn id="1" dur="indefinite" restart="never" nodeType="tmRoot"/>
-      </p:par>
-    </p:tnLst>
-  </p:timing>
 </p:sld>
 </file>
 
@@ -11463,10 +11299,9 @@
               <a:defRPr/>
             </a:pPr>
             <a:r>
-              <a:rPr lang="en-US" smtClean="0"/>
+              <a:rPr lang="en-US"/>
               <a:t>Murach's Android Programming, C13</a:t>
             </a:r>
-            <a:endParaRPr lang="en-US"/>
           </a:p>
         </p:txBody>
       </p:sp>
@@ -11489,10 +11324,9 @@
               <a:defRPr/>
             </a:pPr>
             <a:r>
-              <a:rPr lang="en-US" dirty="0" smtClean="0"/>
+              <a:rPr lang="en-US" dirty="0"/>
               <a:t>© 2015, Mike Murach &amp; Associates, Inc.</a:t>
             </a:r>
-            <a:endParaRPr lang="en-US" dirty="0"/>
           </a:p>
         </p:txBody>
       </p:sp>
@@ -11514,14 +11348,14 @@
             <a:pPr>
               <a:defRPr/>
             </a:pPr>
-            <a:endParaRPr lang="en-US" smtClean="0"/>
+            <a:endParaRPr lang="en-US"/>
           </a:p>
           <a:p>
             <a:pPr algn="r">
               <a:defRPr/>
             </a:pPr>
             <a:r>
-              <a:rPr lang="en-US" sz="900" smtClean="0">
+              <a:rPr lang="en-US" sz="900">
                 <a:latin typeface="Arial Narrow" pitchFamily="34" charset="0"/>
               </a:rPr>
               <a:t>Slide </a:t>
@@ -11563,7 +11397,7 @@
           <a:graphicData uri="http://schemas.openxmlformats.org/presentationml/2006/ole">
             <mc:AlternateContent xmlns:mc="http://schemas.openxmlformats.org/markup-compatibility/2006">
               <mc:Choice xmlns:v="urn:schemas-microsoft-com:vml" Requires="v">
-                <p:oleObj spid="_x0000_s49187" name="Document" r:id="rId3" imgW="6864202" imgH="3470038" progId="Word.Document.12">
+                <p:oleObj spid="_x0000_s49193" name="Document" r:id="rId3" imgW="6864202" imgH="3470038" progId="Word.Document.12">
                   <p:embed/>
                 </p:oleObj>
               </mc:Choice>
@@ -11608,13 +11442,6 @@
   <p:clrMapOvr>
     <a:masterClrMapping/>
   </p:clrMapOvr>
-  <p:timing>
-    <p:tnLst>
-      <p:par>
-        <p:cTn id="1" dur="indefinite" restart="never" nodeType="tmRoot"/>
-      </p:par>
-    </p:tnLst>
-  </p:timing>
 </p:sld>
 </file>
 
@@ -11676,10 +11503,9 @@
               <a:defRPr/>
             </a:pPr>
             <a:r>
-              <a:rPr lang="en-US" smtClean="0"/>
+              <a:rPr lang="en-US"/>
               <a:t>Murach's Android Programming, C13</a:t>
             </a:r>
-            <a:endParaRPr lang="en-US"/>
           </a:p>
         </p:txBody>
       </p:sp>
@@ -11702,10 +11528,9 @@
               <a:defRPr/>
             </a:pPr>
             <a:r>
-              <a:rPr lang="en-US" dirty="0" smtClean="0"/>
+              <a:rPr lang="en-US" dirty="0"/>
               <a:t>© 2015, Mike Murach &amp; Associates, Inc.</a:t>
             </a:r>
-            <a:endParaRPr lang="en-US" dirty="0"/>
           </a:p>
         </p:txBody>
       </p:sp>
@@ -11727,14 +11552,14 @@
             <a:pPr>
               <a:defRPr/>
             </a:pPr>
-            <a:endParaRPr lang="en-US" smtClean="0"/>
+            <a:endParaRPr lang="en-US"/>
           </a:p>
           <a:p>
             <a:pPr algn="r">
               <a:defRPr/>
             </a:pPr>
             <a:r>
-              <a:rPr lang="en-US" sz="900" smtClean="0">
+              <a:rPr lang="en-US" sz="900">
                 <a:latin typeface="Arial Narrow" pitchFamily="34" charset="0"/>
               </a:rPr>
               <a:t>Slide </a:t>
@@ -11776,7 +11601,7 @@
           <a:graphicData uri="http://schemas.openxmlformats.org/presentationml/2006/ole">
             <mc:AlternateContent xmlns:mc="http://schemas.openxmlformats.org/markup-compatibility/2006">
               <mc:Choice xmlns:v="urn:schemas-microsoft-com:vml" Requires="v">
-                <p:oleObj spid="_x0000_s50211" name="Document" r:id="rId3" imgW="6864202" imgH="5290232" progId="Word.Document.12">
+                <p:oleObj spid="_x0000_s50217" name="Document" r:id="rId3" imgW="6864202" imgH="5290232" progId="Word.Document.12">
                   <p:embed/>
                 </p:oleObj>
               </mc:Choice>
@@ -11821,13 +11646,6 @@
   <p:clrMapOvr>
     <a:masterClrMapping/>
   </p:clrMapOvr>
-  <p:timing>
-    <p:tnLst>
-      <p:par>
-        <p:cTn id="1" dur="indefinite" restart="never" nodeType="tmRoot"/>
-      </p:par>
-    </p:tnLst>
-  </p:timing>
 </p:sld>
 </file>
 
@@ -11889,10 +11707,9 @@
               <a:defRPr/>
             </a:pPr>
             <a:r>
-              <a:rPr lang="en-US" smtClean="0"/>
+              <a:rPr lang="en-US"/>
               <a:t>Murach's Android Programming, C13</a:t>
             </a:r>
-            <a:endParaRPr lang="en-US"/>
           </a:p>
         </p:txBody>
       </p:sp>
@@ -11915,10 +11732,9 @@
               <a:defRPr/>
             </a:pPr>
             <a:r>
-              <a:rPr lang="en-US" dirty="0" smtClean="0"/>
+              <a:rPr lang="en-US" dirty="0"/>
               <a:t>© 2015, Mike Murach &amp; Associates, Inc.</a:t>
             </a:r>
-            <a:endParaRPr lang="en-US" dirty="0"/>
           </a:p>
         </p:txBody>
       </p:sp>
@@ -11940,14 +11756,14 @@
             <a:pPr>
               <a:defRPr/>
             </a:pPr>
-            <a:endParaRPr lang="en-US" smtClean="0"/>
+            <a:endParaRPr lang="en-US"/>
           </a:p>
           <a:p>
             <a:pPr algn="r">
               <a:defRPr/>
             </a:pPr>
             <a:r>
-              <a:rPr lang="en-US" sz="900" smtClean="0">
+              <a:rPr lang="en-US" sz="900">
                 <a:latin typeface="Arial Narrow" pitchFamily="34" charset="0"/>
               </a:rPr>
               <a:t>Slide </a:t>
@@ -11989,7 +11805,7 @@
           <a:graphicData uri="http://schemas.openxmlformats.org/presentationml/2006/ole">
             <mc:AlternateContent xmlns:mc="http://schemas.openxmlformats.org/markup-compatibility/2006">
               <mc:Choice xmlns:v="urn:schemas-microsoft-com:vml" Requires="v">
-                <p:oleObj spid="_x0000_s51235" name="Document" r:id="rId3" imgW="6864202" imgH="3670281" progId="Word.Document.12">
+                <p:oleObj spid="_x0000_s51241" name="Document" r:id="rId3" imgW="6864202" imgH="3670281" progId="Word.Document.12">
                   <p:embed/>
                 </p:oleObj>
               </mc:Choice>
@@ -12034,13 +11850,6 @@
   <p:clrMapOvr>
     <a:masterClrMapping/>
   </p:clrMapOvr>
-  <p:timing>
-    <p:tnLst>
-      <p:par>
-        <p:cTn id="1" dur="indefinite" restart="never" nodeType="tmRoot"/>
-      </p:par>
-    </p:tnLst>
-  </p:timing>
 </p:sld>
 </file>
 
@@ -12102,10 +11911,9 @@
               <a:defRPr/>
             </a:pPr>
             <a:r>
-              <a:rPr lang="en-US" smtClean="0"/>
+              <a:rPr lang="en-US"/>
               <a:t>Murach's Android Programming, C13</a:t>
             </a:r>
-            <a:endParaRPr lang="en-US"/>
           </a:p>
         </p:txBody>
       </p:sp>
@@ -12128,10 +11936,9 @@
               <a:defRPr/>
             </a:pPr>
             <a:r>
-              <a:rPr lang="en-US" dirty="0" smtClean="0"/>
+              <a:rPr lang="en-US" dirty="0"/>
               <a:t>© 2015, Mike Murach &amp; Associates, Inc.</a:t>
             </a:r>
-            <a:endParaRPr lang="en-US" dirty="0"/>
           </a:p>
         </p:txBody>
       </p:sp>
@@ -12153,14 +11960,14 @@
             <a:pPr>
               <a:defRPr/>
             </a:pPr>
-            <a:endParaRPr lang="en-US" smtClean="0"/>
+            <a:endParaRPr lang="en-US"/>
           </a:p>
           <a:p>
             <a:pPr algn="r">
               <a:defRPr/>
             </a:pPr>
             <a:r>
-              <a:rPr lang="en-US" sz="900" smtClean="0">
+              <a:rPr lang="en-US" sz="900">
                 <a:latin typeface="Arial Narrow" pitchFamily="34" charset="0"/>
               </a:rPr>
               <a:t>Slide </a:t>
@@ -12202,7 +12009,7 @@
           <a:graphicData uri="http://schemas.openxmlformats.org/presentationml/2006/ole">
             <mc:AlternateContent xmlns:mc="http://schemas.openxmlformats.org/markup-compatibility/2006">
               <mc:Choice xmlns:v="urn:schemas-microsoft-com:vml" Requires="v">
-                <p:oleObj spid="_x0000_s52259" name="Document" r:id="rId3" imgW="6864202" imgH="4081571" progId="Word.Document.12">
+                <p:oleObj spid="_x0000_s52265" name="Document" r:id="rId3" imgW="6864202" imgH="4081571" progId="Word.Document.12">
                   <p:embed/>
                 </p:oleObj>
               </mc:Choice>
@@ -12247,13 +12054,6 @@
   <p:clrMapOvr>
     <a:masterClrMapping/>
   </p:clrMapOvr>
-  <p:timing>
-    <p:tnLst>
-      <p:par>
-        <p:cTn id="1" dur="indefinite" restart="never" nodeType="tmRoot"/>
-      </p:par>
-    </p:tnLst>
-  </p:timing>
 </p:sld>
 </file>
 
@@ -12315,10 +12115,9 @@
               <a:defRPr/>
             </a:pPr>
             <a:r>
-              <a:rPr lang="en-US" smtClean="0"/>
+              <a:rPr lang="en-US"/>
               <a:t>Murach's Android Programming, C13</a:t>
             </a:r>
-            <a:endParaRPr lang="en-US"/>
           </a:p>
         </p:txBody>
       </p:sp>
@@ -12341,10 +12140,9 @@
               <a:defRPr/>
             </a:pPr>
             <a:r>
-              <a:rPr lang="en-US" dirty="0" smtClean="0"/>
+              <a:rPr lang="en-US" dirty="0"/>
               <a:t>© 2015, Mike Murach &amp; Associates, Inc.</a:t>
             </a:r>
-            <a:endParaRPr lang="en-US" dirty="0"/>
           </a:p>
         </p:txBody>
       </p:sp>
@@ -12366,14 +12164,14 @@
             <a:pPr>
               <a:defRPr/>
             </a:pPr>
-            <a:endParaRPr lang="en-US" smtClean="0"/>
+            <a:endParaRPr lang="en-US"/>
           </a:p>
           <a:p>
             <a:pPr algn="r">
               <a:defRPr/>
             </a:pPr>
             <a:r>
-              <a:rPr lang="en-US" sz="900" smtClean="0">
+              <a:rPr lang="en-US" sz="900">
                 <a:latin typeface="Arial Narrow" pitchFamily="34" charset="0"/>
               </a:rPr>
               <a:t>Slide </a:t>
@@ -12415,7 +12213,7 @@
           <a:graphicData uri="http://schemas.openxmlformats.org/presentationml/2006/ole">
             <mc:AlternateContent xmlns:mc="http://schemas.openxmlformats.org/markup-compatibility/2006">
               <mc:Choice xmlns:v="urn:schemas-microsoft-com:vml" Requires="v">
-                <p:oleObj spid="_x0000_s53283" name="Document" r:id="rId3" imgW="6864202" imgH="5267903" progId="Word.Document.12">
+                <p:oleObj spid="_x0000_s53289" name="Document" r:id="rId3" imgW="6864202" imgH="5267903" progId="Word.Document.12">
                   <p:embed/>
                 </p:oleObj>
               </mc:Choice>
@@ -12460,13 +12258,6 @@
   <p:clrMapOvr>
     <a:masterClrMapping/>
   </p:clrMapOvr>
-  <p:timing>
-    <p:tnLst>
-      <p:par>
-        <p:cTn id="1" dur="indefinite" restart="never" nodeType="tmRoot"/>
-      </p:par>
-    </p:tnLst>
-  </p:timing>
 </p:sld>
 </file>
 
@@ -12528,10 +12319,9 @@
               <a:defRPr/>
             </a:pPr>
             <a:r>
-              <a:rPr lang="en-US" smtClean="0"/>
+              <a:rPr lang="en-US"/>
               <a:t>Murach's Android Programming, C13</a:t>
             </a:r>
-            <a:endParaRPr lang="en-US"/>
           </a:p>
         </p:txBody>
       </p:sp>
@@ -12554,10 +12344,9 @@
               <a:defRPr/>
             </a:pPr>
             <a:r>
-              <a:rPr lang="en-US" dirty="0" smtClean="0"/>
+              <a:rPr lang="en-US" dirty="0"/>
               <a:t>© 2015, Mike Murach &amp; Associates, Inc.</a:t>
             </a:r>
-            <a:endParaRPr lang="en-US" dirty="0"/>
           </a:p>
         </p:txBody>
       </p:sp>
@@ -12579,14 +12368,14 @@
             <a:pPr>
               <a:defRPr/>
             </a:pPr>
-            <a:endParaRPr lang="en-US" smtClean="0"/>
+            <a:endParaRPr lang="en-US"/>
           </a:p>
           <a:p>
             <a:pPr algn="r">
               <a:defRPr/>
             </a:pPr>
             <a:r>
-              <a:rPr lang="en-US" sz="900" smtClean="0">
+              <a:rPr lang="en-US" sz="900">
                 <a:latin typeface="Arial Narrow" pitchFamily="34" charset="0"/>
               </a:rPr>
               <a:t>Slide </a:t>
@@ -12628,7 +12417,7 @@
           <a:graphicData uri="http://schemas.openxmlformats.org/presentationml/2006/ole">
             <mc:AlternateContent xmlns:mc="http://schemas.openxmlformats.org/markup-compatibility/2006">
               <mc:Choice xmlns:v="urn:schemas-microsoft-com:vml" Requires="v">
-                <p:oleObj spid="_x0000_s54307" name="Document" r:id="rId3" imgW="7283621" imgH="4756491" progId="Word.Document.12">
+                <p:oleObj spid="_x0000_s54313" name="Document" r:id="rId3" imgW="7283621" imgH="4756491" progId="Word.Document.12">
                   <p:embed/>
                 </p:oleObj>
               </mc:Choice>
@@ -12673,13 +12462,6 @@
   <p:clrMapOvr>
     <a:masterClrMapping/>
   </p:clrMapOvr>
-  <p:timing>
-    <p:tnLst>
-      <p:par>
-        <p:cTn id="1" dur="indefinite" restart="never" nodeType="tmRoot"/>
-      </p:par>
-    </p:tnLst>
-  </p:timing>
 </p:sld>
 </file>
 
@@ -12741,10 +12523,9 @@
               <a:defRPr/>
             </a:pPr>
             <a:r>
-              <a:rPr lang="en-US" smtClean="0"/>
+              <a:rPr lang="en-US"/>
               <a:t>Murach's Android Programming, C13</a:t>
             </a:r>
-            <a:endParaRPr lang="en-US"/>
           </a:p>
         </p:txBody>
       </p:sp>
@@ -12767,10 +12548,9 @@
               <a:defRPr/>
             </a:pPr>
             <a:r>
-              <a:rPr lang="en-US" dirty="0" smtClean="0"/>
+              <a:rPr lang="en-US" dirty="0"/>
               <a:t>© 2015, Mike Murach &amp; Associates, Inc.</a:t>
             </a:r>
-            <a:endParaRPr lang="en-US" dirty="0"/>
           </a:p>
         </p:txBody>
       </p:sp>
@@ -12792,14 +12572,14 @@
             <a:pPr>
               <a:defRPr/>
             </a:pPr>
-            <a:endParaRPr lang="en-US" smtClean="0"/>
+            <a:endParaRPr lang="en-US"/>
           </a:p>
           <a:p>
             <a:pPr algn="r">
               <a:defRPr/>
             </a:pPr>
             <a:r>
-              <a:rPr lang="en-US" sz="900" smtClean="0">
+              <a:rPr lang="en-US" sz="900">
                 <a:latin typeface="Arial Narrow" pitchFamily="34" charset="0"/>
               </a:rPr>
               <a:t>Slide </a:t>
@@ -12841,7 +12621,7 @@
           <a:graphicData uri="http://schemas.openxmlformats.org/presentationml/2006/ole">
             <mc:AlternateContent xmlns:mc="http://schemas.openxmlformats.org/markup-compatibility/2006">
               <mc:Choice xmlns:v="urn:schemas-microsoft-com:vml" Requires="v">
-                <p:oleObj spid="_x0000_s55331" name="Document" r:id="rId3" imgW="7913470" imgH="4750009" progId="Word.Document.12">
+                <p:oleObj spid="_x0000_s55337" name="Document" r:id="rId3" imgW="7913470" imgH="4750009" progId="Word.Document.12">
                   <p:embed/>
                 </p:oleObj>
               </mc:Choice>
@@ -12886,13 +12666,6 @@
   <p:clrMapOvr>
     <a:masterClrMapping/>
   </p:clrMapOvr>
-  <p:timing>
-    <p:tnLst>
-      <p:par>
-        <p:cTn id="1" dur="indefinite" restart="never" nodeType="tmRoot"/>
-      </p:par>
-    </p:tnLst>
-  </p:timing>
 </p:sld>
 </file>
 
@@ -12936,7 +12709,7 @@
           <a:lstStyle/>
           <a:p>
             <a:r>
-              <a:rPr lang="en-US" sz="3600" dirty="0" smtClean="0">
+              <a:rPr lang="en-US" sz="3600" dirty="0">
                 <a:solidFill>
                   <a:srgbClr val="0000FF"/>
                 </a:solidFill>
@@ -12945,7 +12718,7 @@
               <a:t>Static Inner Class </a:t>
             </a:r>
             <a:r>
-              <a:rPr lang="en-US" sz="3600" dirty="0" err="1" smtClean="0">
+              <a:rPr lang="en-US" sz="3600" dirty="0" err="1">
                 <a:solidFill>
                   <a:srgbClr val="0000FF"/>
                 </a:solidFill>
@@ -12989,28 +12762,22 @@
               <a:buChar char="•"/>
             </a:pPr>
             <a:r>
-              <a:rPr lang="en-US" sz="2400" dirty="0" smtClean="0">
+              <a:rPr lang="en-US" sz="2400" dirty="0">
                 <a:latin typeface="+mn-lt"/>
               </a:rPr>
               <a:t>Extends </a:t>
             </a:r>
             <a:r>
-              <a:rPr lang="en-US" sz="2400" dirty="0" err="1" smtClean="0">
+              <a:rPr lang="en-US" sz="2400" dirty="0" err="1">
                 <a:latin typeface="+mn-lt"/>
               </a:rPr>
               <a:t>SQLiteOpenHelper</a:t>
             </a:r>
             <a:r>
-              <a:rPr lang="en-US" sz="2400" dirty="0" smtClean="0">
+              <a:rPr lang="en-US" sz="2400" dirty="0">
                 <a:latin typeface="+mn-lt"/>
               </a:rPr>
               <a:t> class</a:t>
-            </a:r>
-            <a:r>
-              <a:rPr lang="en-US" sz="2400" dirty="0">
-                <a:latin typeface="+mn-lt"/>
-              </a:rPr>
-              <a:t/>
             </a:r>
             <a:br>
               <a:rPr lang="en-US" sz="2400" dirty="0">
@@ -13018,13 +12785,13 @@
               </a:rPr>
             </a:br>
             <a:r>
-              <a:rPr lang="en-US" dirty="0" smtClean="0">
+              <a:rPr lang="en-US" dirty="0">
                 <a:latin typeface="+mn-lt"/>
                 <a:hlinkClick r:id="rId2"/>
               </a:rPr>
               <a:t>developer.android.com/reference/android/database/sqlite/SQLiteOpenHelper.html</a:t>
             </a:r>
-            <a:endParaRPr lang="en-US" dirty="0" smtClean="0">
+            <a:endParaRPr lang="en-US" dirty="0">
               <a:latin typeface="+mn-lt"/>
             </a:endParaRPr>
           </a:p>
@@ -13034,13 +12801,13 @@
               <a:buChar char="•"/>
             </a:pPr>
             <a:r>
-              <a:rPr lang="en-US" sz="2400" dirty="0" err="1" smtClean="0">
+              <a:rPr lang="en-US" sz="2400" dirty="0" err="1">
                 <a:latin typeface="+mn-lt"/>
               </a:rPr>
               <a:t>SQLiteOpenHelper</a:t>
             </a:r>
             <a:r>
-              <a:rPr lang="en-US" sz="2400" dirty="0" smtClean="0">
+              <a:rPr lang="en-US" sz="2400" dirty="0">
                 <a:latin typeface="+mn-lt"/>
               </a:rPr>
               <a:t> callback methods:</a:t>
@@ -13052,7 +12819,7 @@
               <a:buChar char="•"/>
             </a:pPr>
             <a:r>
-              <a:rPr lang="en-US" sz="2400" dirty="0" err="1" smtClean="0">
+              <a:rPr lang="en-US" sz="2400" dirty="0" err="1">
                 <a:latin typeface="+mn-lt"/>
               </a:rPr>
               <a:t>onCreate</a:t>
@@ -13061,13 +12828,7 @@
               <a:rPr lang="en-US" sz="2400" dirty="0">
                 <a:latin typeface="+mn-lt"/>
               </a:rPr>
-              <a:t> </a:t>
-            </a:r>
-            <a:r>
-              <a:rPr lang="en-US" sz="2400" dirty="0" smtClean="0">
-                <a:latin typeface="+mn-lt"/>
-              </a:rPr>
-              <a:t>is called after the database (not the tables) is created. The database will automatically be created if it isn’t found on the device.</a:t>
+              <a:t> is called after the database (not the tables) is created. The database will automatically be created if it isn’t found on the device.</a:t>
             </a:r>
           </a:p>
           <a:p>
@@ -13076,14 +12837,11 @@
               <a:buChar char="•"/>
             </a:pPr>
             <a:r>
-              <a:rPr lang="en-US" sz="2400" dirty="0" smtClean="0">
+              <a:rPr lang="en-US" sz="2400" dirty="0">
                 <a:latin typeface="+mn-lt"/>
               </a:rPr>
               <a:t>onUpgrade is called if the existing database version number is lower than the one specified in the version number passed to the constructor.</a:t>
             </a:r>
-            <a:endParaRPr lang="en-US" sz="2400" dirty="0">
-              <a:latin typeface="+mn-lt"/>
-            </a:endParaRPr>
           </a:p>
         </p:txBody>
       </p:sp>
@@ -13097,13 +12855,6 @@
   <p:clrMapOvr>
     <a:masterClrMapping/>
   </p:clrMapOvr>
-  <p:timing>
-    <p:tnLst>
-      <p:par>
-        <p:cTn id="1" dur="indefinite" restart="never" nodeType="tmRoot"/>
-      </p:par>
-    </p:tnLst>
-  </p:timing>
 </p:sld>
 </file>
 
@@ -13165,10 +12916,9 @@
               <a:defRPr/>
             </a:pPr>
             <a:r>
-              <a:rPr lang="en-US" smtClean="0"/>
+              <a:rPr lang="en-US"/>
               <a:t>Murach's Android Programming, C13</a:t>
             </a:r>
-            <a:endParaRPr lang="en-US"/>
           </a:p>
         </p:txBody>
       </p:sp>
@@ -13191,10 +12941,9 @@
               <a:defRPr/>
             </a:pPr>
             <a:r>
-              <a:rPr lang="en-US" dirty="0" smtClean="0"/>
+              <a:rPr lang="en-US" dirty="0"/>
               <a:t>© 2015, Mike Murach &amp; Associates, Inc.</a:t>
             </a:r>
-            <a:endParaRPr lang="en-US" dirty="0"/>
           </a:p>
         </p:txBody>
       </p:sp>
@@ -13216,14 +12965,14 @@
             <a:pPr>
               <a:defRPr/>
             </a:pPr>
-            <a:endParaRPr lang="en-US" smtClean="0"/>
+            <a:endParaRPr lang="en-US"/>
           </a:p>
           <a:p>
             <a:pPr algn="r">
               <a:defRPr/>
             </a:pPr>
             <a:r>
-              <a:rPr lang="en-US" sz="900" smtClean="0">
+              <a:rPr lang="en-US" sz="900">
                 <a:latin typeface="Arial Narrow" pitchFamily="34" charset="0"/>
               </a:rPr>
               <a:t>Slide </a:t>
@@ -13265,7 +13014,7 @@
           <a:graphicData uri="http://schemas.openxmlformats.org/presentationml/2006/ole">
             <mc:AlternateContent xmlns:mc="http://schemas.openxmlformats.org/markup-compatibility/2006">
               <mc:Choice xmlns:v="urn:schemas-microsoft-com:vml" Requires="v">
-                <p:oleObj spid="_x0000_s56355" name="Document" r:id="rId3" imgW="7737992" imgH="5271144" progId="Word.Document.12">
+                <p:oleObj spid="_x0000_s56361" name="Document" r:id="rId3" imgW="7737992" imgH="5271144" progId="Word.Document.12">
                   <p:embed/>
                 </p:oleObj>
               </mc:Choice>
@@ -13310,13 +13059,6 @@
   <p:clrMapOvr>
     <a:masterClrMapping/>
   </p:clrMapOvr>
-  <p:timing>
-    <p:tnLst>
-      <p:par>
-        <p:cTn id="1" dur="indefinite" restart="never" nodeType="tmRoot"/>
-      </p:par>
-    </p:tnLst>
-  </p:timing>
 </p:sld>
 </file>
 
@@ -13378,10 +13120,9 @@
               <a:defRPr/>
             </a:pPr>
             <a:r>
-              <a:rPr lang="en-US" smtClean="0"/>
+              <a:rPr lang="en-US"/>
               <a:t>Murach's Android Programming, C13</a:t>
             </a:r>
-            <a:endParaRPr lang="en-US"/>
           </a:p>
         </p:txBody>
       </p:sp>
@@ -13404,10 +13145,9 @@
               <a:defRPr/>
             </a:pPr>
             <a:r>
-              <a:rPr lang="en-US" dirty="0" smtClean="0"/>
+              <a:rPr lang="en-US" dirty="0"/>
               <a:t>© 2015, Mike Murach &amp; Associates, Inc.</a:t>
             </a:r>
-            <a:endParaRPr lang="en-US" dirty="0"/>
           </a:p>
         </p:txBody>
       </p:sp>
@@ -13429,14 +13169,14 @@
             <a:pPr>
               <a:defRPr/>
             </a:pPr>
-            <a:endParaRPr lang="en-US" smtClean="0"/>
+            <a:endParaRPr lang="en-US"/>
           </a:p>
           <a:p>
             <a:pPr algn="r">
               <a:defRPr/>
             </a:pPr>
             <a:r>
-              <a:rPr lang="en-US" sz="900" smtClean="0">
+              <a:rPr lang="en-US" sz="900">
                 <a:latin typeface="Arial Narrow" pitchFamily="34" charset="0"/>
               </a:rPr>
               <a:t>Slide </a:t>
@@ -13478,7 +13218,7 @@
           <a:graphicData uri="http://schemas.openxmlformats.org/presentationml/2006/ole">
             <mc:AlternateContent xmlns:mc="http://schemas.openxmlformats.org/markup-compatibility/2006">
               <mc:Choice xmlns:v="urn:schemas-microsoft-com:vml" Requires="v">
-                <p:oleObj spid="_x0000_s57379" name="Document" r:id="rId3" imgW="6965814" imgH="3806778" progId="Word.Document.12">
+                <p:oleObj spid="_x0000_s57385" name="Document" r:id="rId3" imgW="6965814" imgH="3806778" progId="Word.Document.12">
                   <p:embed/>
                 </p:oleObj>
               </mc:Choice>
@@ -13523,13 +13263,6 @@
   <p:clrMapOvr>
     <a:masterClrMapping/>
   </p:clrMapOvr>
-  <p:timing>
-    <p:tnLst>
-      <p:par>
-        <p:cTn id="1" dur="indefinite" restart="never" nodeType="tmRoot"/>
-      </p:par>
-    </p:tnLst>
-  </p:timing>
 </p:sld>
 </file>
 
@@ -13569,10 +13302,9 @@
               <a:defRPr/>
             </a:pPr>
             <a:r>
-              <a:rPr lang="en-US" smtClean="0"/>
+              <a:rPr lang="en-US"/>
               <a:t>Murach's Android Programming, C13</a:t>
             </a:r>
-            <a:endParaRPr lang="en-US"/>
           </a:p>
         </p:txBody>
       </p:sp>
@@ -13595,10 +13327,9 @@
               <a:defRPr/>
             </a:pPr>
             <a:r>
-              <a:rPr lang="en-US" dirty="0" smtClean="0"/>
+              <a:rPr lang="en-US" dirty="0"/>
               <a:t>© 2015, Mike Murach &amp; Associates, Inc.</a:t>
             </a:r>
-            <a:endParaRPr lang="en-US" dirty="0"/>
           </a:p>
         </p:txBody>
       </p:sp>
@@ -13620,14 +13351,14 @@
             <a:pPr>
               <a:defRPr/>
             </a:pPr>
-            <a:endParaRPr lang="en-US" smtClean="0"/>
+            <a:endParaRPr lang="en-US"/>
           </a:p>
           <a:p>
             <a:pPr algn="r">
               <a:defRPr/>
             </a:pPr>
             <a:r>
-              <a:rPr lang="en-US" sz="900" smtClean="0">
+              <a:rPr lang="en-US" sz="900">
                 <a:latin typeface="Arial Narrow" pitchFamily="34" charset="0"/>
               </a:rPr>
               <a:t>Slide </a:t>
@@ -13669,7 +13400,7 @@
           <a:graphicData uri="http://schemas.openxmlformats.org/presentationml/2006/ole">
             <mc:AlternateContent xmlns:mc="http://schemas.openxmlformats.org/markup-compatibility/2006">
               <mc:Choice xmlns:v="urn:schemas-microsoft-com:vml" Requires="v">
-                <p:oleObj spid="_x0000_s39971" name="Document" r:id="rId3" imgW="6959600" imgH="3517900" progId="Word.Document.12">
+                <p:oleObj spid="_x0000_s39977" name="Document" r:id="rId3" imgW="6959600" imgH="3517900" progId="Word.Document.12">
                   <p:embed/>
                 </p:oleObj>
               </mc:Choice>
@@ -13714,13 +13445,6 @@
   <p:clrMapOvr>
     <a:masterClrMapping/>
   </p:clrMapOvr>
-  <p:timing>
-    <p:tnLst>
-      <p:par>
-        <p:cTn id="1" dur="indefinite" restart="never" nodeType="tmRoot"/>
-      </p:par>
-    </p:tnLst>
-  </p:timing>
 </p:sld>
 </file>
 
@@ -13764,7 +13488,7 @@
           <a:lstStyle/>
           <a:p>
             <a:r>
-              <a:rPr lang="en-US" sz="3600" dirty="0" smtClean="0">
+              <a:rPr lang="en-US" sz="3600" dirty="0">
                 <a:solidFill>
                   <a:srgbClr val="0000FF"/>
                 </a:solidFill>
@@ -13773,7 +13497,7 @@
               <a:t>Private Instance Object: </a:t>
             </a:r>
             <a:r>
-              <a:rPr lang="en-US" sz="3600" dirty="0" err="1" smtClean="0">
+              <a:rPr lang="en-US" sz="3600" dirty="0" err="1">
                 <a:solidFill>
                   <a:srgbClr val="0000FF"/>
                 </a:solidFill>
@@ -13781,7 +13505,7 @@
               </a:rPr>
               <a:t>db</a:t>
             </a:r>
-            <a:endParaRPr lang="en-US" sz="3600" dirty="0" smtClean="0">
+            <a:endParaRPr lang="en-US" sz="3600" dirty="0">
               <a:solidFill>
                 <a:srgbClr val="0000FF"/>
               </a:solidFill>
@@ -13790,7 +13514,7 @@
           </a:p>
           <a:p>
             <a:r>
-              <a:rPr lang="en-US" sz="3600" dirty="0" smtClean="0">
+              <a:rPr lang="en-US" sz="3600" dirty="0">
                 <a:solidFill>
                   <a:srgbClr val="0000FF"/>
                 </a:solidFill>
@@ -13798,12 +13522,6 @@
               </a:rPr>
               <a:t>Instance of SQLiteDatabase</a:t>
             </a:r>
-            <a:endParaRPr lang="en-US" sz="3600" dirty="0">
-              <a:solidFill>
-                <a:srgbClr val="0000FF"/>
-              </a:solidFill>
-              <a:latin typeface="+mj-lt"/>
-            </a:endParaRPr>
           </a:p>
         </p:txBody>
       </p:sp>
@@ -13834,16 +13552,10 @@
               <a:buChar char="•"/>
             </a:pPr>
             <a:r>
-              <a:rPr lang="en-US" sz="2400" dirty="0" smtClean="0">
+              <a:rPr lang="en-US" sz="2400" dirty="0">
                 <a:latin typeface="+mn-lt"/>
               </a:rPr>
               <a:t>SQLiteDatabase class:</a:t>
-            </a:r>
-            <a:r>
-              <a:rPr lang="en-US" sz="2400" dirty="0">
-                <a:latin typeface="+mn-lt"/>
-              </a:rPr>
-              <a:t/>
             </a:r>
             <a:br>
               <a:rPr lang="en-US" sz="2400" dirty="0">
@@ -13851,13 +13563,13 @@
               </a:rPr>
             </a:br>
             <a:r>
-              <a:rPr lang="en-US" sz="2400" dirty="0" smtClean="0">
+              <a:rPr lang="en-US" sz="2400" dirty="0">
                 <a:latin typeface="+mn-lt"/>
                 <a:hlinkClick r:id="rId2"/>
               </a:rPr>
               <a:t>developer.android.com/reference/android/database/sqlite/SQLiteDatabase.html</a:t>
             </a:r>
-            <a:endParaRPr lang="en-US" sz="2400" dirty="0" smtClean="0">
+            <a:endParaRPr lang="en-US" sz="2400" dirty="0">
               <a:latin typeface="+mn-lt"/>
             </a:endParaRPr>
           </a:p>
@@ -13867,31 +13579,31 @@
               <a:buChar char="•"/>
             </a:pPr>
             <a:r>
-              <a:rPr lang="en-US" sz="2400" dirty="0" smtClean="0">
+              <a:rPr lang="en-US" sz="2400" dirty="0">
                 <a:latin typeface="+mn-lt"/>
               </a:rPr>
               <a:t>The </a:t>
             </a:r>
             <a:r>
-              <a:rPr lang="en-US" sz="2400" dirty="0" err="1" smtClean="0">
+              <a:rPr lang="en-US" sz="2400" dirty="0" err="1">
                 <a:latin typeface="+mn-lt"/>
               </a:rPr>
               <a:t>db</a:t>
             </a:r>
             <a:r>
-              <a:rPr lang="en-US" sz="2400" dirty="0" smtClean="0">
+              <a:rPr lang="en-US" sz="2400" dirty="0">
                 <a:latin typeface="+mn-lt"/>
               </a:rPr>
               <a:t> object is created by opening a connection to the database using methods of </a:t>
             </a:r>
             <a:r>
-              <a:rPr lang="en-US" sz="2400" dirty="0" err="1" smtClean="0">
+              <a:rPr lang="en-US" sz="2400" dirty="0" err="1">
                 <a:latin typeface="+mn-lt"/>
               </a:rPr>
               <a:t>SQLiteOpenHelper</a:t>
             </a:r>
             <a:r>
-              <a:rPr lang="en-US" sz="2400" dirty="0" smtClean="0">
+              <a:rPr lang="en-US" sz="2400" dirty="0">
                 <a:latin typeface="+mn-lt"/>
               </a:rPr>
               <a:t>:</a:t>
@@ -13903,12 +13615,12 @@
               <a:buChar char="•"/>
             </a:pPr>
             <a:r>
-              <a:rPr lang="en-US" sz="2400" dirty="0" err="1" smtClean="0">
+              <a:rPr lang="en-US" sz="2400" dirty="0" err="1">
                 <a:latin typeface="+mn-lt"/>
               </a:rPr>
               <a:t>getReadableDatabase</a:t>
             </a:r>
-            <a:endParaRPr lang="en-US" sz="2400" dirty="0" smtClean="0">
+            <a:endParaRPr lang="en-US" sz="2400" dirty="0">
               <a:latin typeface="+mn-lt"/>
             </a:endParaRPr>
           </a:p>
@@ -13918,12 +13630,12 @@
               <a:buChar char="•"/>
             </a:pPr>
             <a:r>
-              <a:rPr lang="en-US" sz="2400" dirty="0" err="1" smtClean="0">
+              <a:rPr lang="en-US" sz="2400" dirty="0" err="1">
                 <a:latin typeface="+mn-lt"/>
               </a:rPr>
               <a:t>getWritableDatabase</a:t>
             </a:r>
-            <a:endParaRPr lang="en-US" sz="2400" dirty="0" smtClean="0">
+            <a:endParaRPr lang="en-US" sz="2400" dirty="0">
               <a:latin typeface="+mn-lt"/>
             </a:endParaRPr>
           </a:p>
@@ -13933,19 +13645,19 @@
               <a:buChar char="•"/>
             </a:pPr>
             <a:r>
-              <a:rPr lang="en-US" sz="2400" dirty="0" smtClean="0">
+              <a:rPr lang="en-US" sz="2400" dirty="0">
                 <a:latin typeface="+mn-lt"/>
               </a:rPr>
               <a:t>The </a:t>
             </a:r>
             <a:r>
-              <a:rPr lang="en-US" sz="2400" dirty="0" err="1" smtClean="0">
+              <a:rPr lang="en-US" sz="2400" dirty="0" err="1">
                 <a:latin typeface="+mn-lt"/>
               </a:rPr>
               <a:t>exeSQL</a:t>
             </a:r>
             <a:r>
-              <a:rPr lang="en-US" sz="2400" dirty="0" smtClean="0">
+              <a:rPr lang="en-US" sz="2400" dirty="0">
                 <a:latin typeface="+mn-lt"/>
               </a:rPr>
               <a:t> method is used to execute SQL statements on tables of the database.</a:t>
@@ -13957,7 +13669,7 @@
               <a:buChar char="•"/>
             </a:pPr>
             <a:r>
-              <a:rPr lang="en-US" sz="2400" dirty="0" smtClean="0">
+              <a:rPr lang="en-US" sz="2400" dirty="0">
                 <a:latin typeface="+mn-lt"/>
               </a:rPr>
               <a:t>The close method is used to close the connection to the database.</a:t>
@@ -13975,13 +13687,6 @@
   <p:clrMapOvr>
     <a:masterClrMapping/>
   </p:clrMapOvr>
-  <p:timing>
-    <p:tnLst>
-      <p:par>
-        <p:cTn id="1" dur="indefinite" restart="never" nodeType="tmRoot"/>
-      </p:par>
-    </p:tnLst>
-  </p:timing>
 </p:sld>
 </file>
 
@@ -14043,10 +13748,9 @@
               <a:defRPr/>
             </a:pPr>
             <a:r>
-              <a:rPr lang="en-US" smtClean="0"/>
+              <a:rPr lang="en-US"/>
               <a:t>Murach's Android Programming, C13</a:t>
             </a:r>
-            <a:endParaRPr lang="en-US"/>
           </a:p>
         </p:txBody>
       </p:sp>
@@ -14069,10 +13773,9 @@
               <a:defRPr/>
             </a:pPr>
             <a:r>
-              <a:rPr lang="en-US" dirty="0" smtClean="0"/>
+              <a:rPr lang="en-US" dirty="0"/>
               <a:t>© 2015, Mike Murach &amp; Associates, Inc.</a:t>
             </a:r>
-            <a:endParaRPr lang="en-US" dirty="0"/>
           </a:p>
         </p:txBody>
       </p:sp>
@@ -14094,14 +13797,14 @@
             <a:pPr>
               <a:defRPr/>
             </a:pPr>
-            <a:endParaRPr lang="en-US" smtClean="0"/>
+            <a:endParaRPr lang="en-US"/>
           </a:p>
           <a:p>
             <a:pPr algn="r">
               <a:defRPr/>
             </a:pPr>
             <a:r>
-              <a:rPr lang="en-US" sz="900" smtClean="0">
+              <a:rPr lang="en-US" sz="900">
                 <a:latin typeface="Arial Narrow" pitchFamily="34" charset="0"/>
               </a:rPr>
               <a:t>Slide </a:t>
@@ -14143,7 +13846,7 @@
           <a:graphicData uri="http://schemas.openxmlformats.org/presentationml/2006/ole">
             <mc:AlternateContent xmlns:mc="http://schemas.openxmlformats.org/markup-compatibility/2006">
               <mc:Choice xmlns:v="urn:schemas-microsoft-com:vml" Requires="v">
-                <p:oleObj spid="_x0000_s1059" name="Document" r:id="rId3" imgW="7646469" imgH="5650742" progId="Word.Document.12">
+                <p:oleObj spid="_x0000_s1065" name="Document" r:id="rId3" imgW="7646469" imgH="5650742" progId="Word.Document.12">
                   <p:embed/>
                 </p:oleObj>
               </mc:Choice>
@@ -14188,13 +13891,6 @@
   <p:clrMapOvr>
     <a:masterClrMapping/>
   </p:clrMapOvr>
-  <p:timing>
-    <p:tnLst>
-      <p:par>
-        <p:cTn id="1" dur="indefinite" restart="never" nodeType="tmRoot"/>
-      </p:par>
-    </p:tnLst>
-  </p:timing>
 </p:sld>
 </file>
 
@@ -14256,10 +13952,9 @@
               <a:defRPr/>
             </a:pPr>
             <a:r>
-              <a:rPr lang="en-US" smtClean="0"/>
+              <a:rPr lang="en-US"/>
               <a:t>Murach's Android Programming, C13</a:t>
             </a:r>
-            <a:endParaRPr lang="en-US"/>
           </a:p>
         </p:txBody>
       </p:sp>
@@ -14282,10 +13977,9 @@
               <a:defRPr/>
             </a:pPr>
             <a:r>
-              <a:rPr lang="en-US" dirty="0" smtClean="0"/>
+              <a:rPr lang="en-US" dirty="0"/>
               <a:t>© 2015, Mike Murach &amp; Associates, Inc.</a:t>
             </a:r>
-            <a:endParaRPr lang="en-US" dirty="0"/>
           </a:p>
         </p:txBody>
       </p:sp>
@@ -14307,14 +14001,14 @@
             <a:pPr>
               <a:defRPr/>
             </a:pPr>
-            <a:endParaRPr lang="en-US" smtClean="0"/>
+            <a:endParaRPr lang="en-US"/>
           </a:p>
           <a:p>
             <a:pPr algn="r">
               <a:defRPr/>
             </a:pPr>
             <a:r>
-              <a:rPr lang="en-US" sz="900" smtClean="0">
+              <a:rPr lang="en-US" sz="900">
                 <a:latin typeface="Arial Narrow" pitchFamily="34" charset="0"/>
               </a:rPr>
               <a:t>Slide </a:t>
@@ -14356,7 +14050,7 @@
           <a:graphicData uri="http://schemas.openxmlformats.org/presentationml/2006/ole">
             <mc:AlternateContent xmlns:mc="http://schemas.openxmlformats.org/markup-compatibility/2006">
               <mc:Choice xmlns:v="urn:schemas-microsoft-com:vml" Requires="v">
-                <p:oleObj spid="_x0000_s58403" name="Document" r:id="rId3" imgW="6965814" imgH="3427180" progId="Word.Document.12">
+                <p:oleObj spid="_x0000_s58409" name="Document" r:id="rId3" imgW="6965814" imgH="3427180" progId="Word.Document.12">
                   <p:embed/>
                 </p:oleObj>
               </mc:Choice>
@@ -14401,13 +14095,6 @@
   <p:clrMapOvr>
     <a:masterClrMapping/>
   </p:clrMapOvr>
-  <p:timing>
-    <p:tnLst>
-      <p:par>
-        <p:cTn id="1" dur="indefinite" restart="never" nodeType="tmRoot"/>
-      </p:par>
-    </p:tnLst>
-  </p:timing>
 </p:sld>
 </file>
 
@@ -14451,7 +14138,7 @@
           <a:lstStyle/>
           <a:p>
             <a:r>
-              <a:rPr lang="en-US" sz="2800" b="1" dirty="0" smtClean="0">
+              <a:rPr lang="en-US" sz="2800" b="1" dirty="0">
                 <a:solidFill>
                   <a:srgbClr val="0000FF"/>
                 </a:solidFill>
@@ -14461,46 +14148,22 @@
           </a:p>
           <a:p>
             <a:r>
-              <a:rPr lang="en-US" sz="2400" dirty="0" smtClean="0"/>
-              <a:t>SELECT</a:t>
-            </a:r>
-            <a:r>
               <a:rPr lang="en-US" sz="2400" dirty="0"/>
-              <a:t> </a:t>
-            </a:r>
-            <a:r>
-              <a:rPr lang="en-US" sz="2400" dirty="0" smtClean="0"/>
-              <a:t>*</a:t>
-            </a:r>
-            <a:r>
-              <a:rPr lang="en-US" sz="2400" dirty="0"/>
-              <a:t/>
+              <a:t>SELECT *</a:t>
             </a:r>
             <a:br>
               <a:rPr lang="en-US" sz="2400" dirty="0"/>
             </a:br>
             <a:r>
               <a:rPr lang="en-US" sz="2400" dirty="0"/>
-              <a:t>FROM </a:t>
-            </a:r>
-            <a:r>
-              <a:rPr lang="en-US" sz="2400" dirty="0" smtClean="0"/>
-              <a:t>task</a:t>
-            </a:r>
-            <a:r>
-              <a:rPr lang="en-US" sz="2400" dirty="0"/>
-              <a:t/>
+              <a:t>FROM task</a:t>
             </a:r>
             <a:br>
               <a:rPr lang="en-US" sz="2400" dirty="0"/>
             </a:br>
             <a:r>
               <a:rPr lang="en-US" sz="2400" dirty="0"/>
-              <a:t>WHERE </a:t>
-            </a:r>
-            <a:r>
-              <a:rPr lang="en-US" sz="2400" dirty="0" smtClean="0"/>
-              <a:t>list_id = 2 AND hidden != ‘1’;</a:t>
+              <a:t>WHERE list_id = 2 AND hidden != ‘1’;</a:t>
             </a:r>
           </a:p>
         </p:txBody>
@@ -14528,7 +14191,7 @@
           <a:lstStyle/>
           <a:p>
             <a:r>
-              <a:rPr lang="en-US" sz="2800" b="1" dirty="0" smtClean="0">
+              <a:rPr lang="en-US" sz="2800" b="1" dirty="0">
                 <a:solidFill>
                   <a:srgbClr val="0000FF"/>
                 </a:solidFill>
@@ -14539,16 +14202,10 @@
           </a:p>
           <a:p>
             <a:r>
-              <a:rPr lang="en-US" sz="2400" dirty="0" smtClean="0">
-                <a:latin typeface="+mn-lt"/>
-              </a:rPr>
-              <a:t>SELECT</a:t>
-            </a:r>
-            <a:r>
               <a:rPr lang="en-US" sz="2400" dirty="0">
                 <a:latin typeface="+mn-lt"/>
               </a:rPr>
-              <a:t> </a:t>
+              <a:t>SELECT </a:t>
             </a:r>
             <a:r>
               <a:rPr lang="en-US" sz="2400" i="1" dirty="0">
@@ -14567,12 +14224,6 @@
                 <a:latin typeface="+mn-lt"/>
               </a:rPr>
               <a:t>column_name</a:t>
-            </a:r>
-            <a:r>
-              <a:rPr lang="en-US" sz="2400" dirty="0">
-                <a:latin typeface="+mn-lt"/>
-              </a:rPr>
-              <a:t/>
             </a:r>
             <a:br>
               <a:rPr lang="en-US" sz="2400" dirty="0">
@@ -14591,12 +14242,6 @@
               </a:rPr>
               <a:t>table_name</a:t>
             </a:r>
-            <a:r>
-              <a:rPr lang="en-US" sz="2400" dirty="0">
-                <a:latin typeface="+mn-lt"/>
-              </a:rPr>
-              <a:t/>
-            </a:r>
             <a:br>
               <a:rPr lang="en-US" sz="2400" dirty="0">
                 <a:latin typeface="+mn-lt"/>
@@ -14618,7 +14263,6 @@
               <a:rPr lang="en-US" sz="2000" dirty="0"/>
               <a:t>;</a:t>
             </a:r>
-            <a:endParaRPr lang="en-US" sz="2000" dirty="0" smtClean="0"/>
           </a:p>
         </p:txBody>
       </p:sp>
@@ -14645,10 +14289,9 @@
           <a:lstStyle/>
           <a:p>
             <a:r>
-              <a:rPr lang="en-US" sz="2400" dirty="0" smtClean="0"/>
+              <a:rPr lang="en-US" sz="2400" dirty="0"/>
               <a:t>This query selects all the fields in the task table where the list_id is 2 (Business) and the task is not hidden.</a:t>
             </a:r>
-            <a:endParaRPr lang="en-US" sz="2400" dirty="0"/>
           </a:p>
         </p:txBody>
       </p:sp>
@@ -14662,13 +14305,6 @@
   <p:clrMapOvr>
     <a:masterClrMapping/>
   </p:clrMapOvr>
-  <p:timing>
-    <p:tnLst>
-      <p:par>
-        <p:cTn id="1" dur="indefinite" restart="never" nodeType="tmRoot"/>
-      </p:par>
-    </p:tnLst>
-  </p:timing>
 </p:sld>
 </file>
 
@@ -14730,10 +14366,9 @@
               <a:defRPr/>
             </a:pPr>
             <a:r>
-              <a:rPr lang="en-US" smtClean="0"/>
+              <a:rPr lang="en-US"/>
               <a:t>Murach's Android Programming, C13</a:t>
             </a:r>
-            <a:endParaRPr lang="en-US"/>
           </a:p>
         </p:txBody>
       </p:sp>
@@ -14756,10 +14391,9 @@
               <a:defRPr/>
             </a:pPr>
             <a:r>
-              <a:rPr lang="en-US" dirty="0" smtClean="0"/>
+              <a:rPr lang="en-US" dirty="0"/>
               <a:t>© 2015, Mike Murach &amp; Associates, Inc.</a:t>
             </a:r>
-            <a:endParaRPr lang="en-US" dirty="0"/>
           </a:p>
         </p:txBody>
       </p:sp>
@@ -14781,14 +14415,14 @@
             <a:pPr>
               <a:defRPr/>
             </a:pPr>
-            <a:endParaRPr lang="en-US" smtClean="0"/>
+            <a:endParaRPr lang="en-US"/>
           </a:p>
           <a:p>
             <a:pPr algn="r">
               <a:defRPr/>
             </a:pPr>
             <a:r>
-              <a:rPr lang="en-US" sz="900" smtClean="0">
+              <a:rPr lang="en-US" sz="900">
                 <a:latin typeface="Arial Narrow" pitchFamily="34" charset="0"/>
               </a:rPr>
               <a:t>Slide </a:t>
@@ -14830,7 +14464,7 @@
           <a:graphicData uri="http://schemas.openxmlformats.org/presentationml/2006/ole">
             <mc:AlternateContent xmlns:mc="http://schemas.openxmlformats.org/markup-compatibility/2006">
               <mc:Choice xmlns:v="urn:schemas-microsoft-com:vml" Requires="v">
-                <p:oleObj spid="_x0000_s59427" name="Document" r:id="rId3" imgW="7476756" imgH="5399718" progId="Word.Document.12">
+                <p:oleObj spid="_x0000_s59433" name="Document" r:id="rId3" imgW="7476756" imgH="5399718" progId="Word.Document.12">
                   <p:embed/>
                 </p:oleObj>
               </mc:Choice>
@@ -14875,13 +14509,6 @@
   <p:clrMapOvr>
     <a:masterClrMapping/>
   </p:clrMapOvr>
-  <p:timing>
-    <p:tnLst>
-      <p:par>
-        <p:cTn id="1" dur="indefinite" restart="never" nodeType="tmRoot"/>
-      </p:par>
-    </p:tnLst>
-  </p:timing>
 </p:sld>
 </file>
 
@@ -14943,10 +14570,9 @@
               <a:defRPr/>
             </a:pPr>
             <a:r>
-              <a:rPr lang="en-US" smtClean="0"/>
+              <a:rPr lang="en-US"/>
               <a:t>Murach's Android Programming, C13</a:t>
             </a:r>
-            <a:endParaRPr lang="en-US"/>
           </a:p>
         </p:txBody>
       </p:sp>
@@ -14969,10 +14595,9 @@
               <a:defRPr/>
             </a:pPr>
             <a:r>
-              <a:rPr lang="en-US" dirty="0" smtClean="0"/>
+              <a:rPr lang="en-US" dirty="0"/>
               <a:t>© 2015, Mike Murach &amp; Associates, Inc.</a:t>
             </a:r>
-            <a:endParaRPr lang="en-US" dirty="0"/>
           </a:p>
         </p:txBody>
       </p:sp>
@@ -14994,14 +14619,14 @@
             <a:pPr>
               <a:defRPr/>
             </a:pPr>
-            <a:endParaRPr lang="en-US" smtClean="0"/>
+            <a:endParaRPr lang="en-US"/>
           </a:p>
           <a:p>
             <a:pPr algn="r">
               <a:defRPr/>
             </a:pPr>
             <a:r>
-              <a:rPr lang="en-US" sz="900" smtClean="0">
+              <a:rPr lang="en-US" sz="900">
                 <a:latin typeface="Arial Narrow" pitchFamily="34" charset="0"/>
               </a:rPr>
               <a:t>Slide </a:t>
@@ -15043,7 +14668,7 @@
           <a:graphicData uri="http://schemas.openxmlformats.org/presentationml/2006/ole">
             <mc:AlternateContent xmlns:mc="http://schemas.openxmlformats.org/markup-compatibility/2006">
               <mc:Choice xmlns:v="urn:schemas-microsoft-com:vml" Requires="v">
-                <p:oleObj spid="_x0000_s60451" name="Document" r:id="rId3" imgW="6965729" imgH="2939421" progId="Word.Document.12">
+                <p:oleObj spid="_x0000_s60457" name="Document" r:id="rId3" imgW="6965729" imgH="2939421" progId="Word.Document.12">
                   <p:embed/>
                 </p:oleObj>
               </mc:Choice>
@@ -15088,13 +14713,6 @@
   <p:clrMapOvr>
     <a:masterClrMapping/>
   </p:clrMapOvr>
-  <p:timing>
-    <p:tnLst>
-      <p:par>
-        <p:cTn id="1" dur="indefinite" restart="never" nodeType="tmRoot"/>
-      </p:par>
-    </p:tnLst>
-  </p:timing>
 </p:sld>
 </file>
 
@@ -15156,10 +14774,9 @@
               <a:defRPr/>
             </a:pPr>
             <a:r>
-              <a:rPr lang="en-US" smtClean="0"/>
+              <a:rPr lang="en-US"/>
               <a:t>Murach's Android Programming, C13</a:t>
             </a:r>
-            <a:endParaRPr lang="en-US"/>
           </a:p>
         </p:txBody>
       </p:sp>
@@ -15182,10 +14799,9 @@
               <a:defRPr/>
             </a:pPr>
             <a:r>
-              <a:rPr lang="en-US" dirty="0" smtClean="0"/>
+              <a:rPr lang="en-US" dirty="0"/>
               <a:t>© 2015, Mike Murach &amp; Associates, Inc.</a:t>
             </a:r>
-            <a:endParaRPr lang="en-US" dirty="0"/>
           </a:p>
         </p:txBody>
       </p:sp>
@@ -15207,14 +14823,14 @@
             <a:pPr>
               <a:defRPr/>
             </a:pPr>
-            <a:endParaRPr lang="en-US" smtClean="0"/>
+            <a:endParaRPr lang="en-US"/>
           </a:p>
           <a:p>
             <a:pPr algn="r">
               <a:defRPr/>
             </a:pPr>
             <a:r>
-              <a:rPr lang="en-US" sz="900" smtClean="0">
+              <a:rPr lang="en-US" sz="900">
                 <a:latin typeface="Arial Narrow" pitchFamily="34" charset="0"/>
               </a:rPr>
               <a:t>Slide </a:t>
@@ -15256,7 +14872,7 @@
           <a:graphicData uri="http://schemas.openxmlformats.org/presentationml/2006/ole">
             <mc:AlternateContent xmlns:mc="http://schemas.openxmlformats.org/markup-compatibility/2006">
               <mc:Choice xmlns:v="urn:schemas-microsoft-com:vml" Requires="v">
-                <p:oleObj spid="_x0000_s61475" name="Document" r:id="rId3" imgW="6965729" imgH="4428611" progId="Word.Document.12">
+                <p:oleObj spid="_x0000_s61481" name="Document" r:id="rId3" imgW="6965729" imgH="4428611" progId="Word.Document.12">
                   <p:embed/>
                 </p:oleObj>
               </mc:Choice>
@@ -15301,13 +14917,6 @@
   <p:clrMapOvr>
     <a:masterClrMapping/>
   </p:clrMapOvr>
-  <p:timing>
-    <p:tnLst>
-      <p:par>
-        <p:cTn id="1" dur="indefinite" restart="never" nodeType="tmRoot"/>
-      </p:par>
-    </p:tnLst>
-  </p:timing>
 </p:sld>
 </file>
 
@@ -15369,10 +14978,9 @@
               <a:defRPr/>
             </a:pPr>
             <a:r>
-              <a:rPr lang="en-US" smtClean="0"/>
+              <a:rPr lang="en-US"/>
               <a:t>Murach's Android Programming, C13</a:t>
             </a:r>
-            <a:endParaRPr lang="en-US"/>
           </a:p>
         </p:txBody>
       </p:sp>
@@ -15395,10 +15003,9 @@
               <a:defRPr/>
             </a:pPr>
             <a:r>
-              <a:rPr lang="en-US" dirty="0" smtClean="0"/>
+              <a:rPr lang="en-US" dirty="0"/>
               <a:t>© 2015, Mike Murach &amp; Associates, Inc.</a:t>
             </a:r>
-            <a:endParaRPr lang="en-US" dirty="0"/>
           </a:p>
         </p:txBody>
       </p:sp>
@@ -15420,14 +15027,14 @@
             <a:pPr>
               <a:defRPr/>
             </a:pPr>
-            <a:endParaRPr lang="en-US" smtClean="0"/>
+            <a:endParaRPr lang="en-US"/>
           </a:p>
           <a:p>
             <a:pPr algn="r">
               <a:defRPr/>
             </a:pPr>
             <a:r>
-              <a:rPr lang="en-US" sz="900" smtClean="0">
+              <a:rPr lang="en-US" sz="900">
                 <a:latin typeface="Arial Narrow" pitchFamily="34" charset="0"/>
               </a:rPr>
               <a:t>Slide </a:t>
@@ -15469,7 +15076,7 @@
           <a:graphicData uri="http://schemas.openxmlformats.org/presentationml/2006/ole">
             <mc:AlternateContent xmlns:mc="http://schemas.openxmlformats.org/markup-compatibility/2006">
               <mc:Choice xmlns:v="urn:schemas-microsoft-com:vml" Requires="v">
-                <p:oleObj spid="_x0000_s62499" name="Document" r:id="rId3" imgW="6965814" imgH="5355419" progId="Word.Document.12">
+                <p:oleObj spid="_x0000_s62505" name="Document" r:id="rId3" imgW="6965814" imgH="5355419" progId="Word.Document.12">
                   <p:embed/>
                 </p:oleObj>
               </mc:Choice>
@@ -15514,13 +15121,6 @@
   <p:clrMapOvr>
     <a:masterClrMapping/>
   </p:clrMapOvr>
-  <p:timing>
-    <p:tnLst>
-      <p:par>
-        <p:cTn id="1" dur="indefinite" restart="never" nodeType="tmRoot"/>
-      </p:par>
-    </p:tnLst>
-  </p:timing>
 </p:sld>
 </file>
 
@@ -15582,10 +15182,9 @@
               <a:defRPr/>
             </a:pPr>
             <a:r>
-              <a:rPr lang="en-US" smtClean="0"/>
+              <a:rPr lang="en-US"/>
               <a:t>Murach's Android Programming, C13</a:t>
             </a:r>
-            <a:endParaRPr lang="en-US"/>
           </a:p>
         </p:txBody>
       </p:sp>
@@ -15608,10 +15207,9 @@
               <a:defRPr/>
             </a:pPr>
             <a:r>
-              <a:rPr lang="en-US" dirty="0" smtClean="0"/>
+              <a:rPr lang="en-US" dirty="0"/>
               <a:t>© 2015, Mike Murach &amp; Associates, Inc.</a:t>
             </a:r>
-            <a:endParaRPr lang="en-US" dirty="0"/>
           </a:p>
         </p:txBody>
       </p:sp>
@@ -15633,14 +15231,14 @@
             <a:pPr>
               <a:defRPr/>
             </a:pPr>
-            <a:endParaRPr lang="en-US" smtClean="0"/>
+            <a:endParaRPr lang="en-US"/>
           </a:p>
           <a:p>
             <a:pPr algn="r">
               <a:defRPr/>
             </a:pPr>
             <a:r>
-              <a:rPr lang="en-US" sz="900" smtClean="0">
+              <a:rPr lang="en-US" sz="900">
                 <a:latin typeface="Arial Narrow" pitchFamily="34" charset="0"/>
               </a:rPr>
               <a:t>Slide </a:t>
@@ -15682,7 +15280,7 @@
           <a:graphicData uri="http://schemas.openxmlformats.org/presentationml/2006/ole">
             <mc:AlternateContent xmlns:mc="http://schemas.openxmlformats.org/markup-compatibility/2006">
               <mc:Choice xmlns:v="urn:schemas-microsoft-com:vml" Requires="v">
-                <p:oleObj spid="_x0000_s63523" name="Document" r:id="rId3" imgW="6965814" imgH="5399718" progId="Word.Document.12">
+                <p:oleObj spid="_x0000_s63529" name="Document" r:id="rId3" imgW="6965814" imgH="5399718" progId="Word.Document.12">
                   <p:embed/>
                 </p:oleObj>
               </mc:Choice>
@@ -15727,13 +15325,6 @@
   <p:clrMapOvr>
     <a:masterClrMapping/>
   </p:clrMapOvr>
-  <p:timing>
-    <p:tnLst>
-      <p:par>
-        <p:cTn id="1" dur="indefinite" restart="never" nodeType="tmRoot"/>
-      </p:par>
-    </p:tnLst>
-  </p:timing>
 </p:sld>
 </file>
 
@@ -15795,10 +15386,9 @@
               <a:defRPr/>
             </a:pPr>
             <a:r>
-              <a:rPr lang="en-US" smtClean="0"/>
+              <a:rPr lang="en-US"/>
               <a:t>Murach's Android Programming, C13</a:t>
             </a:r>
-            <a:endParaRPr lang="en-US"/>
           </a:p>
         </p:txBody>
       </p:sp>
@@ -15821,10 +15411,9 @@
               <a:defRPr/>
             </a:pPr>
             <a:r>
-              <a:rPr lang="en-US" dirty="0" smtClean="0"/>
+              <a:rPr lang="en-US" dirty="0"/>
               <a:t>© 2015, Mike Murach &amp; Associates, Inc.</a:t>
             </a:r>
-            <a:endParaRPr lang="en-US" dirty="0"/>
           </a:p>
         </p:txBody>
       </p:sp>
@@ -15846,14 +15435,14 @@
             <a:pPr>
               <a:defRPr/>
             </a:pPr>
-            <a:endParaRPr lang="en-US" smtClean="0"/>
+            <a:endParaRPr lang="en-US"/>
           </a:p>
           <a:p>
             <a:pPr algn="r">
               <a:defRPr/>
             </a:pPr>
             <a:r>
-              <a:rPr lang="en-US" sz="900" smtClean="0">
+              <a:rPr lang="en-US" sz="900">
                 <a:latin typeface="Arial Narrow" pitchFamily="34" charset="0"/>
               </a:rPr>
               <a:t>Slide </a:t>
@@ -15895,7 +15484,7 @@
           <a:graphicData uri="http://schemas.openxmlformats.org/presentationml/2006/ole">
             <mc:AlternateContent xmlns:mc="http://schemas.openxmlformats.org/markup-compatibility/2006">
               <mc:Choice xmlns:v="urn:schemas-microsoft-com:vml" Requires="v">
-                <p:oleObj spid="_x0000_s64547" name="Document" r:id="rId3" imgW="7296233" imgH="4949171" progId="Word.Document.12">
+                <p:oleObj spid="_x0000_s64553" name="Document" r:id="rId3" imgW="7296233" imgH="4949171" progId="Word.Document.12">
                   <p:embed/>
                 </p:oleObj>
               </mc:Choice>
@@ -15940,13 +15529,6 @@
   <p:clrMapOvr>
     <a:masterClrMapping/>
   </p:clrMapOvr>
-  <p:timing>
-    <p:tnLst>
-      <p:par>
-        <p:cTn id="1" dur="indefinite" restart="never" nodeType="tmRoot"/>
-      </p:par>
-    </p:tnLst>
-  </p:timing>
 </p:sld>
 </file>
 
@@ -15984,22 +15566,34 @@
           </a:xfrm>
         </p:spPr>
         <p:txBody>
-          <a:bodyPr/>
-          <a:lstStyle/>
-          <a:p>
-            <a:r>
-              <a:rPr lang="en-US" dirty="0" smtClean="0">
+          <a:bodyPr>
+            <a:normAutofit fontScale="90000"/>
+          </a:bodyPr>
+          <a:lstStyle/>
+          <a:p>
+            <a:r>
+              <a:rPr lang="en-US" dirty="0">
                 <a:solidFill>
                   <a:srgbClr val="0000FF"/>
                 </a:solidFill>
               </a:rPr>
               <a:t>Storage Classes</a:t>
             </a:r>
-            <a:endParaRPr lang="en-US" dirty="0">
-              <a:solidFill>
-                <a:srgbClr val="0000FF"/>
-              </a:solidFill>
-            </a:endParaRPr>
+            <a:br>
+              <a:rPr lang="en-US" dirty="0">
+                <a:solidFill>
+                  <a:srgbClr val="0000FF"/>
+                </a:solidFill>
+              </a:rPr>
+            </a:br>
+            <a:r>
+              <a:rPr lang="en-US" dirty="0">
+                <a:solidFill>
+                  <a:srgbClr val="0000FF"/>
+                </a:solidFill>
+              </a:rPr>
+              <a:t>(aka Data Types)</a:t>
+            </a:r>
           </a:p>
         </p:txBody>
       </p:sp>
@@ -16015,7 +15609,7 @@
         </p:nvSpPr>
         <p:spPr>
           <a:xfrm>
-            <a:off x="457200" y="1350146"/>
+            <a:off x="457200" y="1644697"/>
             <a:ext cx="8229600" cy="4776017"/>
           </a:xfrm>
         </p:spPr>
@@ -16026,123 +15620,75 @@
           <a:lstStyle/>
           <a:p>
             <a:r>
-              <a:rPr lang="en-US" i="1" dirty="0" smtClean="0"/>
+              <a:rPr lang="en-US" i="1" dirty="0"/>
               <a:t>NULL</a:t>
-            </a:r>
-            <a:r>
-              <a:rPr lang="en-US" dirty="0"/>
-              <a:t/>
             </a:r>
             <a:br>
               <a:rPr lang="en-US" dirty="0"/>
             </a:br>
             <a:r>
-              <a:rPr lang="en-US" dirty="0" smtClean="0"/>
-              <a:t>The </a:t>
-            </a:r>
-            <a:r>
               <a:rPr lang="en-US" dirty="0"/>
-              <a:t>value is a </a:t>
-            </a:r>
-            <a:r>
-              <a:rPr lang="en-US" dirty="0" smtClean="0"/>
-              <a:t>null value.</a:t>
-            </a:r>
-          </a:p>
-          <a:p>
-            <a:r>
-              <a:rPr lang="en-US" i="1" dirty="0" smtClean="0"/>
+              <a:t>The value is a null value.</a:t>
+            </a:r>
+          </a:p>
+          <a:p>
+            <a:r>
+              <a:rPr lang="en-US" i="1" dirty="0"/>
               <a:t>INTEGER</a:t>
             </a:r>
             <a:r>
-              <a:rPr lang="en-US" dirty="0" smtClean="0"/>
+              <a:rPr lang="en-US" dirty="0"/>
               <a:t> </a:t>
-            </a:r>
-            <a:br>
-              <a:rPr lang="en-US" dirty="0" smtClean="0"/>
-            </a:br>
-            <a:r>
-              <a:rPr lang="en-US" dirty="0" smtClean="0"/>
-              <a:t>The </a:t>
-            </a:r>
-            <a:r>
-              <a:rPr lang="en-US" dirty="0"/>
-              <a:t>value is a signed integer, stored in 1, 2, 3, 4, 6, or 8 bytes depending on the magnitude of the </a:t>
-            </a:r>
-            <a:r>
-              <a:rPr lang="en-US" dirty="0" smtClean="0"/>
-              <a:t>value.</a:t>
-            </a:r>
-          </a:p>
-          <a:p>
-            <a:r>
-              <a:rPr lang="en-US" i="1" dirty="0" smtClean="0"/>
-              <a:t>REAL</a:t>
-            </a:r>
-            <a:r>
-              <a:rPr lang="en-US" dirty="0" smtClean="0"/>
-              <a:t> </a:t>
-            </a:r>
-            <a:br>
-              <a:rPr lang="en-US" dirty="0" smtClean="0"/>
-            </a:br>
-            <a:r>
-              <a:rPr lang="en-US" dirty="0" smtClean="0"/>
-              <a:t>The </a:t>
-            </a:r>
-            <a:r>
-              <a:rPr lang="en-US" dirty="0"/>
-              <a:t>value is a floating point value, stored as an 8-byte IEEE floating point </a:t>
-            </a:r>
-            <a:r>
-              <a:rPr lang="en-US" dirty="0" smtClean="0"/>
-              <a:t>number.</a:t>
-            </a:r>
-          </a:p>
-          <a:p>
-            <a:r>
-              <a:rPr lang="en-US" i="1" dirty="0" smtClean="0"/>
-              <a:t>TEXT</a:t>
-            </a:r>
-            <a:r>
-              <a:rPr lang="en-US" dirty="0"/>
-              <a:t/>
             </a:r>
             <a:br>
               <a:rPr lang="en-US" dirty="0"/>
             </a:br>
             <a:r>
-              <a:rPr lang="en-US" dirty="0" smtClean="0"/>
-              <a:t>The </a:t>
-            </a:r>
-            <a:r>
               <a:rPr lang="en-US" dirty="0"/>
-              <a:t>value is a text string, stored using the database encoding (UTF-8, UTF-16BE or UTF-16LE)</a:t>
-            </a:r>
-            <a:r>
-              <a:rPr lang="en-US" dirty="0" smtClean="0"/>
-              <a:t>.</a:t>
-            </a:r>
-          </a:p>
-          <a:p>
-            <a:r>
-              <a:rPr lang="en-US" i="1" dirty="0" smtClean="0"/>
-              <a:t>BLOB</a:t>
+              <a:t>The value is a signed integer, stored in 1, 2, 3, 4, 6, or 8 bytes depending on the magnitude of the value.</a:t>
+            </a:r>
+          </a:p>
+          <a:p>
+            <a:r>
+              <a:rPr lang="en-US" i="1" dirty="0"/>
+              <a:t>REAL</a:t>
             </a:r>
             <a:r>
               <a:rPr lang="en-US" dirty="0"/>
-              <a:t/>
+              <a:t> </a:t>
             </a:r>
             <a:br>
               <a:rPr lang="en-US" dirty="0"/>
             </a:br>
             <a:r>
-              <a:rPr lang="en-US" dirty="0" smtClean="0"/>
-              <a:t>The </a:t>
-            </a:r>
-            <a:r>
               <a:rPr lang="en-US" dirty="0"/>
-              <a:t>value is a blob of data, stored exactly as it was input.</a:t>
+              <a:t>The value is a floating point value, stored as an 8-byte IEEE floating point number.</a:t>
+            </a:r>
+          </a:p>
+          <a:p>
+            <a:r>
+              <a:rPr lang="en-US" i="1" dirty="0"/>
+              <a:t>TEXT</a:t>
+            </a:r>
+            <a:br>
+              <a:rPr lang="en-US" dirty="0"/>
+            </a:br>
+            <a:r>
+              <a:rPr lang="en-US" dirty="0"/>
+              <a:t>The value is a text string, stored using the database encoding (UTF-8, UTF-16BE or UTF-16LE).</a:t>
+            </a:r>
+          </a:p>
+          <a:p>
+            <a:r>
+              <a:rPr lang="en-US" i="1" dirty="0"/>
+              <a:t>BLOB (Binary Large Object)</a:t>
+            </a:r>
+            <a:br>
+              <a:rPr lang="en-US" dirty="0"/>
+            </a:br>
+            <a:r>
+              <a:rPr lang="en-US" dirty="0"/>
+              <a:t>The value is a blob of data, stored exactly as it was input.</a:t>
             </a:r>
           </a:p>
           <a:p>
@@ -16166,13 +15712,6 @@
   <p:clrMapOvr>
     <a:masterClrMapping/>
   </p:clrMapOvr>
-  <p:timing>
-    <p:tnLst>
-      <p:par>
-        <p:cTn id="1" dur="indefinite" restart="never" nodeType="tmRoot"/>
-      </p:par>
-    </p:tnLst>
-  </p:timing>
 </p:sld>
 </file>
 
@@ -16234,10 +15773,9 @@
               <a:defRPr/>
             </a:pPr>
             <a:r>
-              <a:rPr lang="en-US" smtClean="0"/>
+              <a:rPr lang="en-US"/>
               <a:t>Murach's Android Programming, C13</a:t>
             </a:r>
-            <a:endParaRPr lang="en-US"/>
           </a:p>
         </p:txBody>
       </p:sp>
@@ -16260,10 +15798,9 @@
               <a:defRPr/>
             </a:pPr>
             <a:r>
-              <a:rPr lang="en-US" dirty="0" smtClean="0"/>
+              <a:rPr lang="en-US" dirty="0"/>
               <a:t>© 2015, Mike Murach &amp; Associates, Inc.</a:t>
             </a:r>
-            <a:endParaRPr lang="en-US" dirty="0"/>
           </a:p>
         </p:txBody>
       </p:sp>
@@ -16285,14 +15822,14 @@
             <a:pPr>
               <a:defRPr/>
             </a:pPr>
-            <a:endParaRPr lang="en-US" smtClean="0"/>
+            <a:endParaRPr lang="en-US"/>
           </a:p>
           <a:p>
             <a:pPr algn="r">
               <a:defRPr/>
             </a:pPr>
             <a:r>
-              <a:rPr lang="en-US" sz="900" smtClean="0">
+              <a:rPr lang="en-US" sz="900">
                 <a:latin typeface="Arial Narrow" pitchFamily="34" charset="0"/>
               </a:rPr>
               <a:t>Slide </a:t>
@@ -16334,7 +15871,7 @@
           <a:graphicData uri="http://schemas.openxmlformats.org/presentationml/2006/ole">
             <mc:AlternateContent xmlns:mc="http://schemas.openxmlformats.org/markup-compatibility/2006">
               <mc:Choice xmlns:v="urn:schemas-microsoft-com:vml" Requires="v">
-                <p:oleObj spid="_x0000_s65571" name="Document" r:id="rId3" imgW="6965814" imgH="3816502" progId="Word.Document.12">
+                <p:oleObj spid="_x0000_s65577" name="Document" r:id="rId3" imgW="6965814" imgH="3816502" progId="Word.Document.12">
                   <p:embed/>
                 </p:oleObj>
               </mc:Choice>
@@ -16379,13 +15916,6 @@
   <p:clrMapOvr>
     <a:masterClrMapping/>
   </p:clrMapOvr>
-  <p:timing>
-    <p:tnLst>
-      <p:par>
-        <p:cTn id="1" dur="indefinite" restart="never" nodeType="tmRoot"/>
-      </p:par>
-    </p:tnLst>
-  </p:timing>
 </p:sld>
 </file>
 
@@ -16447,10 +15977,9 @@
               <a:defRPr/>
             </a:pPr>
             <a:r>
-              <a:rPr lang="en-US" smtClean="0"/>
+              <a:rPr lang="en-US"/>
               <a:t>Murach's Android Programming, C13</a:t>
             </a:r>
-            <a:endParaRPr lang="en-US"/>
           </a:p>
         </p:txBody>
       </p:sp>
@@ -16473,10 +16002,9 @@
               <a:defRPr/>
             </a:pPr>
             <a:r>
-              <a:rPr lang="en-US" dirty="0" smtClean="0"/>
+              <a:rPr lang="en-US" dirty="0"/>
               <a:t>© 2015, Mike Murach &amp; Associates, Inc.</a:t>
             </a:r>
-            <a:endParaRPr lang="en-US" dirty="0"/>
           </a:p>
         </p:txBody>
       </p:sp>
@@ -16498,14 +16026,14 @@
             <a:pPr>
               <a:defRPr/>
             </a:pPr>
-            <a:endParaRPr lang="en-US" smtClean="0"/>
+            <a:endParaRPr lang="en-US"/>
           </a:p>
           <a:p>
             <a:pPr algn="r">
               <a:defRPr/>
             </a:pPr>
             <a:r>
-              <a:rPr lang="en-US" sz="900" smtClean="0">
+              <a:rPr lang="en-US" sz="900">
                 <a:latin typeface="Arial Narrow" pitchFamily="34" charset="0"/>
               </a:rPr>
               <a:t>Slide </a:t>
@@ -16547,7 +16075,7 @@
           <a:graphicData uri="http://schemas.openxmlformats.org/presentationml/2006/ole">
             <mc:AlternateContent xmlns:mc="http://schemas.openxmlformats.org/markup-compatibility/2006">
               <mc:Choice xmlns:v="urn:schemas-microsoft-com:vml" Requires="v">
-                <p:oleObj spid="_x0000_s66595" name="Document" r:id="rId3" imgW="6864202" imgH="4715074" progId="Word.Document.12">
+                <p:oleObj spid="_x0000_s66601" name="Document" r:id="rId3" imgW="6864202" imgH="4715074" progId="Word.Document.12">
                   <p:embed/>
                 </p:oleObj>
               </mc:Choice>
@@ -16592,13 +16120,6 @@
   <p:clrMapOvr>
     <a:masterClrMapping/>
   </p:clrMapOvr>
-  <p:timing>
-    <p:tnLst>
-      <p:par>
-        <p:cTn id="1" dur="indefinite" restart="never" nodeType="tmRoot"/>
-      </p:par>
-    </p:tnLst>
-  </p:timing>
 </p:sld>
 </file>
 
@@ -16660,10 +16181,9 @@
               <a:defRPr/>
             </a:pPr>
             <a:r>
-              <a:rPr lang="en-US" smtClean="0"/>
+              <a:rPr lang="en-US"/>
               <a:t>Murach's Android Programming, C13</a:t>
             </a:r>
-            <a:endParaRPr lang="en-US"/>
           </a:p>
         </p:txBody>
       </p:sp>
@@ -16686,10 +16206,9 @@
               <a:defRPr/>
             </a:pPr>
             <a:r>
-              <a:rPr lang="en-US" dirty="0" smtClean="0"/>
+              <a:rPr lang="en-US" dirty="0"/>
               <a:t>© 2015, Mike Murach &amp; Associates, Inc.</a:t>
             </a:r>
-            <a:endParaRPr lang="en-US" dirty="0"/>
           </a:p>
         </p:txBody>
       </p:sp>
@@ -16711,14 +16230,14 @@
             <a:pPr>
               <a:defRPr/>
             </a:pPr>
-            <a:endParaRPr lang="en-US" smtClean="0"/>
+            <a:endParaRPr lang="en-US"/>
           </a:p>
           <a:p>
             <a:pPr algn="r">
               <a:defRPr/>
             </a:pPr>
             <a:r>
-              <a:rPr lang="en-US" sz="900" smtClean="0">
+              <a:rPr lang="en-US" sz="900">
                 <a:latin typeface="Arial Narrow" pitchFamily="34" charset="0"/>
               </a:rPr>
               <a:t>Slide </a:t>
@@ -16760,7 +16279,7 @@
           <a:graphicData uri="http://schemas.openxmlformats.org/presentationml/2006/ole">
             <mc:AlternateContent xmlns:mc="http://schemas.openxmlformats.org/markup-compatibility/2006">
               <mc:Choice xmlns:v="urn:schemas-microsoft-com:vml" Requires="v">
-                <p:oleObj spid="_x0000_s67619" name="Document" r:id="rId3" imgW="7525039" imgH="4164046" progId="Word.Document.12">
+                <p:oleObj spid="_x0000_s67625" name="Document" r:id="rId3" imgW="7525039" imgH="4164046" progId="Word.Document.12">
                   <p:embed/>
                 </p:oleObj>
               </mc:Choice>
@@ -16805,13 +16324,6 @@
   <p:clrMapOvr>
     <a:masterClrMapping/>
   </p:clrMapOvr>
-  <p:timing>
-    <p:tnLst>
-      <p:par>
-        <p:cTn id="1" dur="indefinite" restart="never" nodeType="tmRoot"/>
-      </p:par>
-    </p:tnLst>
-  </p:timing>
 </p:sld>
 </file>
 
@@ -16873,10 +16385,9 @@
               <a:defRPr/>
             </a:pPr>
             <a:r>
-              <a:rPr lang="en-US" smtClean="0"/>
+              <a:rPr lang="en-US"/>
               <a:t>Murach's Android Programming, C13</a:t>
             </a:r>
-            <a:endParaRPr lang="en-US"/>
           </a:p>
         </p:txBody>
       </p:sp>
@@ -16899,10 +16410,9 @@
               <a:defRPr/>
             </a:pPr>
             <a:r>
-              <a:rPr lang="en-US" dirty="0" smtClean="0"/>
+              <a:rPr lang="en-US" dirty="0"/>
               <a:t>© 2015, Mike Murach &amp; Associates, Inc.</a:t>
             </a:r>
-            <a:endParaRPr lang="en-US" dirty="0"/>
           </a:p>
         </p:txBody>
       </p:sp>
@@ -16924,14 +16434,14 @@
             <a:pPr>
               <a:defRPr/>
             </a:pPr>
-            <a:endParaRPr lang="en-US" smtClean="0"/>
+            <a:endParaRPr lang="en-US"/>
           </a:p>
           <a:p>
             <a:pPr algn="r">
               <a:defRPr/>
             </a:pPr>
             <a:r>
-              <a:rPr lang="en-US" sz="900" smtClean="0">
+              <a:rPr lang="en-US" sz="900">
                 <a:latin typeface="Arial Narrow" pitchFamily="34" charset="0"/>
               </a:rPr>
               <a:t>Slide </a:t>
@@ -16973,7 +16483,7 @@
           <a:graphicData uri="http://schemas.openxmlformats.org/presentationml/2006/ole">
             <mc:AlternateContent xmlns:mc="http://schemas.openxmlformats.org/markup-compatibility/2006">
               <mc:Choice xmlns:v="urn:schemas-microsoft-com:vml" Requires="v">
-                <p:oleObj spid="_x0000_s68643" name="Document" r:id="rId3" imgW="6864119" imgH="1678226" progId="Word.Document.12">
+                <p:oleObj spid="_x0000_s68649" name="Document" r:id="rId3" imgW="6864119" imgH="1678226" progId="Word.Document.12">
                   <p:embed/>
                 </p:oleObj>
               </mc:Choice>
@@ -17018,13 +16528,6 @@
   <p:clrMapOvr>
     <a:masterClrMapping/>
   </p:clrMapOvr>
-  <p:timing>
-    <p:tnLst>
-      <p:par>
-        <p:cTn id="1" dur="indefinite" restart="never" nodeType="tmRoot"/>
-      </p:par>
-    </p:tnLst>
-  </p:timing>
 </p:sld>
 </file>
 
@@ -17086,7 +16589,7 @@
           <a:lstStyle/>
           <a:p>
             <a:r>
-              <a:rPr lang="en-US" dirty="0" smtClean="0">
+              <a:rPr lang="en-US" dirty="0">
                 <a:solidFill>
                   <a:srgbClr val="0000FF"/>
                 </a:solidFill>
@@ -17094,25 +16597,20 @@
               <a:t>Exercise: </a:t>
             </a:r>
             <a:br>
-              <a:rPr lang="en-US" dirty="0" smtClean="0">
+              <a:rPr lang="en-US" dirty="0">
                 <a:solidFill>
                   <a:srgbClr val="0000FF"/>
                 </a:solidFill>
               </a:rPr>
             </a:br>
             <a:r>
-              <a:rPr lang="en-US" dirty="0" smtClean="0">
+              <a:rPr lang="en-US" dirty="0">
                 <a:solidFill>
                   <a:srgbClr val="0000FF"/>
                 </a:solidFill>
               </a:rPr>
               <a:t>Download and View the Database File</a:t>
             </a:r>
-            <a:endParaRPr lang="en-US" dirty="0">
-              <a:solidFill>
-                <a:srgbClr val="0000FF"/>
-              </a:solidFill>
-            </a:endParaRPr>
           </a:p>
         </p:txBody>
       </p:sp>
@@ -17131,7 +16629,7 @@
           <a:bodyPr/>
           <a:lstStyle/>
           <a:p>
-            <a:endParaRPr lang="en-US" dirty="0" smtClean="0"/>
+            <a:endParaRPr lang="en-US" dirty="0"/>
           </a:p>
         </p:txBody>
       </p:sp>
@@ -17145,13 +16643,6 @@
   <p:clrMapOvr>
     <a:masterClrMapping/>
   </p:clrMapOvr>
-  <p:timing>
-    <p:tnLst>
-      <p:par>
-        <p:cTn id="1" dur="indefinite" restart="never" nodeType="tmRoot"/>
-      </p:par>
-    </p:tnLst>
-  </p:timing>
 </p:sld>
 </file>
 
@@ -17191,10 +16682,9 @@
               <a:defRPr/>
             </a:pPr>
             <a:r>
-              <a:rPr lang="en-US" smtClean="0"/>
+              <a:rPr lang="en-US"/>
               <a:t>Murach's Android Programming, C13</a:t>
             </a:r>
-            <a:endParaRPr lang="en-US"/>
           </a:p>
         </p:txBody>
       </p:sp>
@@ -17217,10 +16707,9 @@
               <a:defRPr/>
             </a:pPr>
             <a:r>
-              <a:rPr lang="en-US" dirty="0" smtClean="0"/>
+              <a:rPr lang="en-US" dirty="0"/>
               <a:t>© 2015, Mike Murach &amp; Associates, Inc.</a:t>
             </a:r>
-            <a:endParaRPr lang="en-US" dirty="0"/>
           </a:p>
         </p:txBody>
       </p:sp>
@@ -17242,14 +16731,14 @@
             <a:pPr>
               <a:defRPr/>
             </a:pPr>
-            <a:endParaRPr lang="en-US" smtClean="0"/>
+            <a:endParaRPr lang="en-US"/>
           </a:p>
           <a:p>
             <a:pPr algn="r">
               <a:defRPr/>
             </a:pPr>
             <a:r>
-              <a:rPr lang="en-US" sz="900" smtClean="0">
+              <a:rPr lang="en-US" sz="900">
                 <a:latin typeface="Arial Narrow" pitchFamily="34" charset="0"/>
               </a:rPr>
               <a:t>Slide </a:t>
@@ -17291,7 +16780,7 @@
           <a:graphicData uri="http://schemas.openxmlformats.org/presentationml/2006/ole">
             <mc:AlternateContent xmlns:mc="http://schemas.openxmlformats.org/markup-compatibility/2006">
               <mc:Choice xmlns:v="urn:schemas-microsoft-com:vml" Requires="v">
-                <p:oleObj spid="_x0000_s69667" name="Document" r:id="rId3" imgW="6965814" imgH="520776" progId="Word.Document.12">
+                <p:oleObj spid="_x0000_s69673" name="Document" r:id="rId3" imgW="6965814" imgH="520776" progId="Word.Document.12">
                   <p:embed/>
                 </p:oleObj>
               </mc:Choice>
@@ -17400,13 +16889,6 @@
   <p:clrMapOvr>
     <a:masterClrMapping/>
   </p:clrMapOvr>
-  <p:timing>
-    <p:tnLst>
-      <p:par>
-        <p:cTn id="1" dur="indefinite" restart="never" nodeType="tmRoot"/>
-      </p:par>
-    </p:tnLst>
-  </p:timing>
 </p:sld>
 </file>
 
@@ -17446,10 +16928,9 @@
               <a:defRPr/>
             </a:pPr>
             <a:r>
-              <a:rPr lang="en-US" smtClean="0"/>
+              <a:rPr lang="en-US"/>
               <a:t>Murach's Android Programming, C13</a:t>
             </a:r>
-            <a:endParaRPr lang="en-US"/>
           </a:p>
         </p:txBody>
       </p:sp>
@@ -17472,10 +16953,9 @@
               <a:defRPr/>
             </a:pPr>
             <a:r>
-              <a:rPr lang="en-US" dirty="0" smtClean="0"/>
+              <a:rPr lang="en-US" dirty="0"/>
               <a:t>© 2015, Mike Murach &amp; Associates, Inc.</a:t>
             </a:r>
-            <a:endParaRPr lang="en-US" dirty="0"/>
           </a:p>
         </p:txBody>
       </p:sp>
@@ -17497,14 +16977,14 @@
             <a:pPr>
               <a:defRPr/>
             </a:pPr>
-            <a:endParaRPr lang="en-US" smtClean="0"/>
+            <a:endParaRPr lang="en-US"/>
           </a:p>
           <a:p>
             <a:pPr algn="r">
               <a:defRPr/>
             </a:pPr>
             <a:r>
-              <a:rPr lang="en-US" sz="900" smtClean="0">
+              <a:rPr lang="en-US" sz="900">
                 <a:latin typeface="Arial Narrow" pitchFamily="34" charset="0"/>
               </a:rPr>
               <a:t>Slide </a:t>
@@ -17546,7 +17026,7 @@
           <a:graphicData uri="http://schemas.openxmlformats.org/presentationml/2006/ole">
             <mc:AlternateContent xmlns:mc="http://schemas.openxmlformats.org/markup-compatibility/2006">
               <mc:Choice xmlns:v="urn:schemas-microsoft-com:vml" Requires="v">
-                <p:oleObj spid="_x0000_s70691" name="Document" r:id="rId3" imgW="6965814" imgH="5509203" progId="Word.Document.12">
+                <p:oleObj spid="_x0000_s70697" name="Document" r:id="rId3" imgW="6965814" imgH="5509203" progId="Word.Document.12">
                   <p:embed/>
                 </p:oleObj>
               </mc:Choice>
@@ -17591,13 +17071,6 @@
   <p:clrMapOvr>
     <a:masterClrMapping/>
   </p:clrMapOvr>
-  <p:timing>
-    <p:tnLst>
-      <p:par>
-        <p:cTn id="1" dur="indefinite" restart="never" nodeType="tmRoot"/>
-      </p:par>
-    </p:tnLst>
-  </p:timing>
 </p:sld>
 </file>
 
@@ -17637,10 +17110,9 @@
               <a:defRPr/>
             </a:pPr>
             <a:r>
-              <a:rPr lang="en-US" smtClean="0"/>
+              <a:rPr lang="en-US"/>
               <a:t>Murach's Android Programming, C13</a:t>
             </a:r>
-            <a:endParaRPr lang="en-US"/>
           </a:p>
         </p:txBody>
       </p:sp>
@@ -17663,10 +17135,9 @@
               <a:defRPr/>
             </a:pPr>
             <a:r>
-              <a:rPr lang="en-US" dirty="0" smtClean="0"/>
+              <a:rPr lang="en-US" dirty="0"/>
               <a:t>© 2015, Mike Murach &amp; Associates, Inc.</a:t>
             </a:r>
-            <a:endParaRPr lang="en-US" dirty="0"/>
           </a:p>
         </p:txBody>
       </p:sp>
@@ -17688,14 +17159,14 @@
             <a:pPr>
               <a:defRPr/>
             </a:pPr>
-            <a:endParaRPr lang="en-US" smtClean="0"/>
+            <a:endParaRPr lang="en-US"/>
           </a:p>
           <a:p>
             <a:pPr algn="r">
               <a:defRPr/>
             </a:pPr>
             <a:r>
-              <a:rPr lang="en-US" sz="900" smtClean="0">
+              <a:rPr lang="en-US" sz="900">
                 <a:latin typeface="Arial Narrow" pitchFamily="34" charset="0"/>
               </a:rPr>
               <a:t>Slide </a:t>
@@ -17737,7 +17208,7 @@
           <a:graphicData uri="http://schemas.openxmlformats.org/presentationml/2006/ole">
             <mc:AlternateContent xmlns:mc="http://schemas.openxmlformats.org/markup-compatibility/2006">
               <mc:Choice xmlns:v="urn:schemas-microsoft-com:vml" Requires="v">
-                <p:oleObj spid="_x0000_s71748" name="Document" r:id="rId3" imgW="6965814" imgH="427137" progId="Word.Document.12">
+                <p:oleObj spid="_x0000_s71760" name="Document" r:id="rId3" imgW="6965814" imgH="427137" progId="Word.Document.12">
                   <p:embed/>
                 </p:oleObj>
               </mc:Choice>
@@ -17794,7 +17265,7 @@
           <a:graphicData uri="http://schemas.openxmlformats.org/presentationml/2006/ole">
             <mc:AlternateContent xmlns:mc="http://schemas.openxmlformats.org/markup-compatibility/2006">
               <mc:Choice xmlns:v="urn:schemas-microsoft-com:vml" Requires="v">
-                <p:oleObj spid="_x0000_s71749" name="Document" r:id="rId5" imgW="6858000" imgH="622300" progId="Word.Document.12">
+                <p:oleObj spid="_x0000_s71761" name="Document" r:id="rId5" imgW="6858000" imgH="622300" progId="Word.Document.12">
                   <p:embed/>
                 </p:oleObj>
               </mc:Choice>
@@ -17938,13 +17409,6 @@
   <p:clrMapOvr>
     <a:masterClrMapping/>
   </p:clrMapOvr>
-  <p:timing>
-    <p:tnLst>
-      <p:par>
-        <p:cTn id="1" dur="indefinite" restart="never" nodeType="tmRoot"/>
-      </p:par>
-    </p:tnLst>
-  </p:timing>
 </p:sld>
 </file>
 
@@ -18005,18 +17469,13 @@
           <a:lstStyle/>
           <a:p>
             <a:r>
-              <a:rPr lang="en-US" sz="5400" b="1" dirty="0" smtClean="0">
+              <a:rPr lang="en-US" sz="5400" b="1" dirty="0">
                 <a:solidFill>
                   <a:srgbClr val="0000FF"/>
                 </a:solidFill>
               </a:rPr>
               <a:t>Alternative to SQLite</a:t>
             </a:r>
-            <a:endParaRPr lang="en-US" sz="5400" b="1" dirty="0">
-              <a:solidFill>
-                <a:srgbClr val="0000FF"/>
-              </a:solidFill>
-            </a:endParaRPr>
           </a:p>
         </p:txBody>
       </p:sp>
@@ -18052,13 +17511,6 @@
   <p:clrMapOvr>
     <a:masterClrMapping/>
   </p:clrMapOvr>
-  <p:timing>
-    <p:tnLst>
-      <p:par>
-        <p:cTn id="1" dur="indefinite" restart="never" nodeType="tmRoot"/>
-      </p:par>
-    </p:tnLst>
-  </p:timing>
 </p:sld>
 </file>
 
@@ -18095,18 +17547,13 @@
           <a:lstStyle/>
           <a:p>
             <a:r>
-              <a:rPr lang="en-US" b="1" dirty="0" smtClean="0">
+              <a:rPr lang="en-US" b="1" dirty="0">
                 <a:solidFill>
                   <a:srgbClr val="0000FF"/>
                 </a:solidFill>
               </a:rPr>
               <a:t>Realm is on Multiple Platforms</a:t>
             </a:r>
-            <a:endParaRPr lang="en-US" b="1" dirty="0">
-              <a:solidFill>
-                <a:srgbClr val="0000FF"/>
-              </a:solidFill>
-            </a:endParaRPr>
           </a:p>
         </p:txBody>
       </p:sp>
@@ -18216,18 +17663,13 @@
           <a:p>
             <a:pPr algn="ctr"/>
             <a:r>
-              <a:rPr lang="en-US" sz="6600" dirty="0" smtClean="0">
+              <a:rPr lang="en-US" sz="6600" dirty="0">
                 <a:solidFill>
                   <a:srgbClr val="2D2DB9"/>
                 </a:solidFill>
               </a:rPr>
               <a:t>Relational Database Concepts</a:t>
             </a:r>
-            <a:endParaRPr lang="en-US" sz="6600" dirty="0">
-              <a:solidFill>
-                <a:srgbClr val="2D2DB9"/>
-              </a:solidFill>
-            </a:endParaRPr>
           </a:p>
         </p:txBody>
       </p:sp>
@@ -18265,13 +17707,6 @@
   <p:clrMapOvr>
     <a:masterClrMapping/>
   </p:clrMapOvr>
-  <p:timing>
-    <p:tnLst>
-      <p:par>
-        <p:cTn id="1" dur="indefinite" restart="never" nodeType="tmRoot"/>
-      </p:par>
-    </p:tnLst>
-  </p:timing>
 </p:sld>
 </file>
 
@@ -18313,18 +17748,13 @@
           <a:lstStyle/>
           <a:p>
             <a:r>
-              <a:rPr lang="en-US" b="1" dirty="0" smtClean="0">
+              <a:rPr lang="en-US" b="1" dirty="0">
                 <a:solidFill>
                   <a:srgbClr val="0000FF"/>
                 </a:solidFill>
               </a:rPr>
               <a:t>Realm Java</a:t>
             </a:r>
-            <a:endParaRPr lang="en-US" b="1" dirty="0">
-              <a:solidFill>
-                <a:srgbClr val="0000FF"/>
-              </a:solidFill>
-            </a:endParaRPr>
           </a:p>
         </p:txBody>
       </p:sp>
@@ -18351,67 +17781,32 @@
           <a:lstStyle/>
           <a:p>
             <a:r>
-              <a:rPr lang="en-US" dirty="0" smtClean="0"/>
-              <a:t>Almost </a:t>
-            </a:r>
-            <a:r>
               <a:rPr lang="en-US" dirty="0"/>
-              <a:t>zero-configuration </a:t>
-            </a:r>
-            <a:r>
-              <a:rPr lang="en-US" dirty="0" smtClean="0"/>
-              <a:t>setup</a:t>
-            </a:r>
-          </a:p>
-          <a:p>
-            <a:r>
-              <a:rPr lang="en-US" dirty="0" smtClean="0"/>
-              <a:t>Realm </a:t>
-            </a:r>
+              <a:t>Almost zero-configuration setup</a:t>
+            </a:r>
+          </a:p>
+          <a:p>
             <a:r>
               <a:rPr lang="en-US" dirty="0"/>
-              <a:t>Java is built specifically for mobile apps, so its performance is first class. </a:t>
-            </a:r>
-            <a:endParaRPr lang="en-US" dirty="0" smtClean="0"/>
-          </a:p>
-          <a:p>
-            <a:r>
-              <a:rPr lang="en-US" dirty="0" smtClean="0"/>
-              <a:t>Power</a:t>
-            </a:r>
+              <a:t>Realm Java is built specifically for mobile apps, so its performance is first class. </a:t>
+            </a:r>
+          </a:p>
+          <a:p>
             <a:r>
               <a:rPr lang="en-US" dirty="0"/>
-              <a:t>‑user features, like simple migrations, built-in encryption, and </a:t>
-            </a:r>
-            <a:r>
-              <a:rPr lang="en-US" dirty="0" smtClean="0"/>
-              <a:t>more</a:t>
-            </a:r>
-            <a:endParaRPr lang="en-US" dirty="0"/>
-          </a:p>
-          <a:p>
-            <a:r>
-              <a:rPr lang="en-US" dirty="0" smtClean="0"/>
-              <a:t>Realm </a:t>
-            </a:r>
+              <a:t>Power‑user features, like simple migrations, built-in encryption, and more</a:t>
+            </a:r>
+          </a:p>
+          <a:p>
             <a:r>
               <a:rPr lang="en-US" dirty="0"/>
-              <a:t>Java is written in Java, for Java, with Android at heart. </a:t>
-            </a:r>
-            <a:endParaRPr lang="en-US" dirty="0" smtClean="0"/>
-          </a:p>
-          <a:p>
-            <a:r>
-              <a:rPr lang="en-US" dirty="0" smtClean="0"/>
-              <a:t>Use </a:t>
-            </a:r>
+              <a:t>Realm Java is written in Java, for Java, with Android at heart. </a:t>
+            </a:r>
+          </a:p>
+          <a:p>
             <a:r>
               <a:rPr lang="en-US" dirty="0"/>
-              <a:t>techniques you already know, like fluent interfaces, UI adapters, and field annotations</a:t>
-            </a:r>
-            <a:r>
-              <a:rPr lang="en-US" dirty="0" smtClean="0"/>
-              <a:t>.</a:t>
+              <a:t>Use techniques you already know, like fluent interfaces, UI adapters, and field annotations.</a:t>
             </a:r>
           </a:p>
           <a:p>
@@ -18496,18 +17891,13 @@
           <a:lstStyle/>
           <a:p>
             <a:r>
-              <a:rPr lang="en-US" dirty="0" smtClean="0">
+              <a:rPr lang="en-US" dirty="0">
                 <a:solidFill>
                   <a:srgbClr val="0000FF"/>
                 </a:solidFill>
               </a:rPr>
               <a:t>Further SQLite Reading</a:t>
             </a:r>
-            <a:endParaRPr lang="en-US" dirty="0">
-              <a:solidFill>
-                <a:srgbClr val="0000FF"/>
-              </a:solidFill>
-            </a:endParaRPr>
           </a:p>
         </p:txBody>
       </p:sp>
@@ -18530,11 +17920,7 @@
           <a:p>
             <a:r>
               <a:rPr lang="en-US" dirty="0"/>
-              <a:t>W3Schools SQL </a:t>
-            </a:r>
-            <a:r>
-              <a:rPr lang="en-US" dirty="0" smtClean="0"/>
-              <a:t>Tutorial</a:t>
+              <a:t>W3Schools SQL Tutorial</a:t>
             </a:r>
           </a:p>
           <a:p>
@@ -18542,24 +17928,20 @@
               <a:buNone/>
             </a:pPr>
             <a:r>
-              <a:rPr lang="en-US" sz="2600" dirty="0" smtClean="0">
+              <a:rPr lang="en-US" sz="2600" dirty="0">
                 <a:hlinkClick r:id="rId2"/>
               </a:rPr>
               <a:t>http://www.w3schools.com/SQl/default.asp</a:t>
             </a:r>
             <a:r>
-              <a:rPr lang="en-US" sz="2600" dirty="0" smtClean="0"/>
+              <a:rPr lang="en-US" sz="2600" dirty="0"/>
               <a:t> </a:t>
             </a:r>
           </a:p>
           <a:p>
             <a:r>
-              <a:rPr lang="en-US" dirty="0" smtClean="0"/>
-              <a:t>SQLite </a:t>
-            </a:r>
-            <a:r>
               <a:rPr lang="en-US" dirty="0"/>
-              <a:t>home page</a:t>
+              <a:t>SQLite home page</a:t>
             </a:r>
             <a:br>
               <a:rPr lang="en-US" dirty="0"/>
@@ -18568,13 +17950,7 @@
               <a:rPr lang="en-US" sz="2800" dirty="0">
                 <a:hlinkClick r:id="rId3"/>
               </a:rPr>
-              <a:t>http://</a:t>
-            </a:r>
-            <a:r>
-              <a:rPr lang="en-US" sz="2800" dirty="0" smtClean="0">
-                <a:hlinkClick r:id="rId3"/>
-              </a:rPr>
-              <a:t>sqlite.org</a:t>
+              <a:t>http://sqlite.org</a:t>
             </a:r>
             <a:r>
               <a:rPr lang="en-US" sz="2800" dirty="0"/>
@@ -18583,12 +17959,8 @@
           </a:p>
           <a:p>
             <a:r>
-              <a:rPr lang="en-US" dirty="0" smtClean="0"/>
-              <a:t>Android </a:t>
-            </a:r>
-            <a:r>
               <a:rPr lang="en-US" dirty="0"/>
-              <a:t>Developers: Saving Data in SQL Databases</a:t>
+              <a:t>Android Developers: Saving Data in SQL Databases</a:t>
             </a:r>
           </a:p>
           <a:p>
@@ -18608,24 +17980,8 @@
           </a:p>
           <a:p>
             <a:r>
-              <a:rPr lang="en-US" dirty="0" smtClean="0"/>
-              <a:t>Android </a:t>
-            </a:r>
-            <a:r>
               <a:rPr lang="en-US" dirty="0"/>
-              <a:t>SQLite database </a:t>
-            </a:r>
-            <a:r>
-              <a:rPr lang="en-US" dirty="0" smtClean="0"/>
-              <a:t>and content </a:t>
-            </a:r>
-            <a:r>
-              <a:rPr lang="en-US" dirty="0"/>
-              <a:t>provider </a:t>
-            </a:r>
-            <a:r>
-              <a:rPr lang="en-US" dirty="0" smtClean="0"/>
-              <a:t>tutorial, by Lars Vogel, 6/29/2016</a:t>
+              <a:t>Android SQLite database and content provider tutorial, by Lars Vogel, 6/29/2016</a:t>
             </a:r>
           </a:p>
           <a:p>
@@ -18633,13 +17989,13 @@
               <a:buNone/>
             </a:pPr>
             <a:r>
-              <a:rPr lang="en-US" sz="2600" dirty="0" smtClean="0">
+              <a:rPr lang="en-US" sz="2600" dirty="0">
                 <a:hlinkClick r:id="rId5"/>
               </a:rPr>
               <a:t>http://www.vogella.com/tutorials/AndroidSQLite/article.html</a:t>
             </a:r>
             <a:r>
-              <a:rPr lang="en-US" sz="2600" dirty="0" smtClean="0"/>
+              <a:rPr lang="en-US" sz="2600" dirty="0"/>
               <a:t> </a:t>
             </a:r>
           </a:p>
@@ -18699,18 +18055,13 @@
           <a:p>
             <a:pPr algn="l"/>
             <a:r>
-              <a:rPr lang="en-US" dirty="0" smtClean="0">
+              <a:rPr lang="en-US" dirty="0">
                 <a:solidFill>
                   <a:srgbClr val="0000FF"/>
                 </a:solidFill>
               </a:rPr>
               <a:t>Example: Task List Database</a:t>
             </a:r>
-            <a:endParaRPr lang="en-US" dirty="0">
-              <a:solidFill>
-                <a:srgbClr val="0000FF"/>
-              </a:solidFill>
-            </a:endParaRPr>
           </a:p>
         </p:txBody>
       </p:sp>
@@ -18733,10 +18084,9 @@
               <a:defRPr/>
             </a:pPr>
             <a:r>
-              <a:rPr lang="en-US" smtClean="0"/>
+              <a:rPr lang="en-US"/>
               <a:t>Murach's Android Programming, C13</a:t>
             </a:r>
-            <a:endParaRPr lang="en-US"/>
           </a:p>
         </p:txBody>
       </p:sp>
@@ -18764,10 +18114,9 @@
               <a:defRPr/>
             </a:pPr>
             <a:r>
-              <a:rPr lang="en-US" dirty="0" smtClean="0"/>
+              <a:rPr lang="en-US" dirty="0"/>
               <a:t>© 2015, Mike Murach &amp; Associates, Inc. – Modified by Brian Bird 2016</a:t>
             </a:r>
-            <a:endParaRPr lang="en-US" dirty="0"/>
           </a:p>
         </p:txBody>
       </p:sp>
@@ -18789,14 +18138,14 @@
             <a:pPr>
               <a:defRPr/>
             </a:pPr>
-            <a:endParaRPr lang="en-US" smtClean="0"/>
+            <a:endParaRPr lang="en-US"/>
           </a:p>
           <a:p>
             <a:pPr algn="r">
               <a:defRPr/>
             </a:pPr>
             <a:r>
-              <a:rPr lang="en-US" sz="900" smtClean="0">
+              <a:rPr lang="en-US" sz="900">
                 <a:latin typeface="Arial Narrow" pitchFamily="34" charset="0"/>
               </a:rPr>
               <a:t>Slide </a:t>
@@ -18838,7 +18187,7 @@
           <a:graphicData uri="http://schemas.openxmlformats.org/presentationml/2006/ole">
             <mc:AlternateContent xmlns:mc="http://schemas.openxmlformats.org/markup-compatibility/2006">
               <mc:Choice xmlns:v="urn:schemas-microsoft-com:vml" Requires="v">
-                <p:oleObj spid="_x0000_s42019" name="Document" r:id="rId4" imgW="6965729" imgH="496036" progId="Word.Document.12">
+                <p:oleObj spid="_x0000_s42025" name="Document" r:id="rId4" imgW="6965729" imgH="496036" progId="Word.Document.12">
                   <p:embed/>
                 </p:oleObj>
               </mc:Choice>
@@ -19004,7 +18353,7 @@
               <a:buChar char="•"/>
             </a:pPr>
             <a:r>
-              <a:rPr lang="en-US" sz="2000" dirty="0" smtClean="0"/>
+              <a:rPr lang="en-US" sz="2000" dirty="0"/>
               <a:t>The database can hold multiple lists. </a:t>
             </a:r>
           </a:p>
@@ -19014,7 +18363,7 @@
               <a:buChar char="•"/>
             </a:pPr>
             <a:r>
-              <a:rPr lang="en-US" sz="2000" dirty="0" smtClean="0"/>
+              <a:rPr lang="en-US" sz="2000" dirty="0"/>
               <a:t>Each list has multiple tasks.</a:t>
             </a:r>
           </a:p>
@@ -19024,7 +18373,7 @@
               <a:buChar char="•"/>
             </a:pPr>
             <a:r>
-              <a:rPr lang="en-US" sz="2000" dirty="0" smtClean="0"/>
+              <a:rPr lang="en-US" sz="2000" dirty="0"/>
               <a:t>Each task has</a:t>
             </a:r>
           </a:p>
@@ -19034,7 +18383,7 @@
               <a:buChar char="•"/>
             </a:pPr>
             <a:r>
-              <a:rPr lang="en-US" sz="2000" dirty="0" smtClean="0"/>
+              <a:rPr lang="en-US" sz="2000" dirty="0"/>
               <a:t>a name</a:t>
             </a:r>
           </a:p>
@@ -19044,7 +18393,7 @@
               <a:buChar char="•"/>
             </a:pPr>
             <a:r>
-              <a:rPr lang="en-US" sz="2000" dirty="0" smtClean="0"/>
+              <a:rPr lang="en-US" sz="2000" dirty="0"/>
               <a:t>notes</a:t>
             </a:r>
           </a:p>
@@ -19054,7 +18403,7 @@
               <a:buChar char="•"/>
             </a:pPr>
             <a:r>
-              <a:rPr lang="en-US" sz="2000" dirty="0" smtClean="0"/>
+              <a:rPr lang="en-US" sz="2000" dirty="0"/>
               <a:t>date completed</a:t>
             </a:r>
           </a:p>
@@ -19064,7 +18413,7 @@
               <a:buChar char="•"/>
             </a:pPr>
             <a:r>
-              <a:rPr lang="en-US" sz="2000" dirty="0" smtClean="0"/>
+              <a:rPr lang="en-US" sz="2000" dirty="0"/>
               <a:t>a hidden flag</a:t>
             </a:r>
           </a:p>
@@ -19086,13 +18435,6 @@
   <p:clrMapOvr>
     <a:masterClrMapping/>
   </p:clrMapOvr>
-  <p:timing>
-    <p:tnLst>
-      <p:par>
-        <p:cTn id="1" dur="indefinite" restart="never" nodeType="tmRoot"/>
-      </p:par>
-    </p:tnLst>
-  </p:timing>
 </p:sld>
 </file>
 
@@ -19138,8 +18480,20 @@
                 <a:tableStyleId>{5C22544A-7EE6-4342-B048-85BDC9FD1C3A}</a:tableStyleId>
               </a:tblPr>
               <a:tblGrid>
-                <a:gridCol w="3048000"/>
-                <a:gridCol w="3502855"/>
+                <a:gridCol w="3048000">
+                  <a:extLst>
+                    <a:ext uri="{9D8B030D-6E8A-4147-A177-3AD203B41FA5}">
+                      <a16:colId xmlns:a16="http://schemas.microsoft.com/office/drawing/2014/main" val="20000"/>
+                    </a:ext>
+                  </a:extLst>
+                </a:gridCol>
+                <a:gridCol w="3502855">
+                  <a:extLst>
+                    <a:ext uri="{9D8B030D-6E8A-4147-A177-3AD203B41FA5}">
+                      <a16:colId xmlns:a16="http://schemas.microsoft.com/office/drawing/2014/main" val="20001"/>
+                    </a:ext>
+                  </a:extLst>
+                </a:gridCol>
               </a:tblGrid>
               <a:tr h="370840">
                 <a:tc>
@@ -19148,10 +18502,9 @@
                     <a:lstStyle/>
                     <a:p>
                       <a:r>
-                        <a:rPr lang="en-US" dirty="0" smtClean="0"/>
+                        <a:rPr lang="en-US" dirty="0"/>
                         <a:t>_id</a:t>
                       </a:r>
-                      <a:endParaRPr lang="en-US" dirty="0"/>
                     </a:p>
                   </a:txBody>
                   <a:tcPr/>
@@ -19162,14 +18515,18 @@
                     <a:lstStyle/>
                     <a:p>
                       <a:r>
-                        <a:rPr lang="en-US" dirty="0" smtClean="0"/>
+                        <a:rPr lang="en-US" dirty="0"/>
                         <a:t>list _name</a:t>
                       </a:r>
-                      <a:endParaRPr lang="en-US" dirty="0"/>
                     </a:p>
                   </a:txBody>
                   <a:tcPr/>
                 </a:tc>
+                <a:extLst>
+                  <a:ext uri="{0D108BD9-81ED-4DB2-BD59-A6C34878D82A}">
+                    <a16:rowId xmlns:a16="http://schemas.microsoft.com/office/drawing/2014/main" val="10000"/>
+                  </a:ext>
+                </a:extLst>
               </a:tr>
               <a:tr h="370840">
                 <a:tc>
@@ -19192,6 +18549,11 @@
                   </a:txBody>
                   <a:tcPr/>
                 </a:tc>
+                <a:extLst>
+                  <a:ext uri="{0D108BD9-81ED-4DB2-BD59-A6C34878D82A}">
+                    <a16:rowId xmlns:a16="http://schemas.microsoft.com/office/drawing/2014/main" val="10001"/>
+                  </a:ext>
+                </a:extLst>
               </a:tr>
               <a:tr h="370840">
                 <a:tc>
@@ -19214,6 +18576,11 @@
                   </a:txBody>
                   <a:tcPr/>
                 </a:tc>
+                <a:extLst>
+                  <a:ext uri="{0D108BD9-81ED-4DB2-BD59-A6C34878D82A}">
+                    <a16:rowId xmlns:a16="http://schemas.microsoft.com/office/drawing/2014/main" val="10002"/>
+                  </a:ext>
+                </a:extLst>
               </a:tr>
             </a:tbl>
           </a:graphicData>
@@ -19244,12 +18611,48 @@
                 <a:tableStyleId>{5C22544A-7EE6-4342-B048-85BDC9FD1C3A}</a:tableStyleId>
               </a:tblPr>
               <a:tblGrid>
-                <a:gridCol w="580073"/>
-                <a:gridCol w="867727"/>
-                <a:gridCol w="1371600"/>
-                <a:gridCol w="838200"/>
-                <a:gridCol w="1981200"/>
-                <a:gridCol w="990601"/>
+                <a:gridCol w="580073">
+                  <a:extLst>
+                    <a:ext uri="{9D8B030D-6E8A-4147-A177-3AD203B41FA5}">
+                      <a16:colId xmlns:a16="http://schemas.microsoft.com/office/drawing/2014/main" val="20000"/>
+                    </a:ext>
+                  </a:extLst>
+                </a:gridCol>
+                <a:gridCol w="867727">
+                  <a:extLst>
+                    <a:ext uri="{9D8B030D-6E8A-4147-A177-3AD203B41FA5}">
+                      <a16:colId xmlns:a16="http://schemas.microsoft.com/office/drawing/2014/main" val="20001"/>
+                    </a:ext>
+                  </a:extLst>
+                </a:gridCol>
+                <a:gridCol w="1371600">
+                  <a:extLst>
+                    <a:ext uri="{9D8B030D-6E8A-4147-A177-3AD203B41FA5}">
+                      <a16:colId xmlns:a16="http://schemas.microsoft.com/office/drawing/2014/main" val="20002"/>
+                    </a:ext>
+                  </a:extLst>
+                </a:gridCol>
+                <a:gridCol w="838200">
+                  <a:extLst>
+                    <a:ext uri="{9D8B030D-6E8A-4147-A177-3AD203B41FA5}">
+                      <a16:colId xmlns:a16="http://schemas.microsoft.com/office/drawing/2014/main" val="20003"/>
+                    </a:ext>
+                  </a:extLst>
+                </a:gridCol>
+                <a:gridCol w="1981200">
+                  <a:extLst>
+                    <a:ext uri="{9D8B030D-6E8A-4147-A177-3AD203B41FA5}">
+                      <a16:colId xmlns:a16="http://schemas.microsoft.com/office/drawing/2014/main" val="20004"/>
+                    </a:ext>
+                  </a:extLst>
+                </a:gridCol>
+                <a:gridCol w="990601">
+                  <a:extLst>
+                    <a:ext uri="{9D8B030D-6E8A-4147-A177-3AD203B41FA5}">
+                      <a16:colId xmlns:a16="http://schemas.microsoft.com/office/drawing/2014/main" val="20005"/>
+                    </a:ext>
+                  </a:extLst>
+                </a:gridCol>
               </a:tblGrid>
               <a:tr h="370840">
                 <a:tc>
@@ -19258,10 +18661,9 @@
                     <a:lstStyle/>
                     <a:p>
                       <a:r>
-                        <a:rPr lang="en-US" dirty="0" smtClean="0"/>
+                        <a:rPr lang="en-US" dirty="0"/>
                         <a:t>_id</a:t>
                       </a:r>
-                      <a:endParaRPr lang="en-US" dirty="0"/>
                     </a:p>
                   </a:txBody>
                   <a:tcPr/>
@@ -19272,10 +18674,9 @@
                     <a:lstStyle/>
                     <a:p>
                       <a:r>
-                        <a:rPr lang="en-US" dirty="0" smtClean="0"/>
+                        <a:rPr lang="en-US" dirty="0"/>
                         <a:t>list_id</a:t>
                       </a:r>
-                      <a:endParaRPr lang="en-US" dirty="0"/>
                     </a:p>
                   </a:txBody>
                   <a:tcPr/>
@@ -19286,10 +18687,9 @@
                     <a:lstStyle/>
                     <a:p>
                       <a:r>
-                        <a:rPr lang="en-US" dirty="0" smtClean="0"/>
+                        <a:rPr lang="en-US" dirty="0"/>
                         <a:t>task_name</a:t>
                       </a:r>
-                      <a:endParaRPr lang="en-US" dirty="0"/>
                     </a:p>
                   </a:txBody>
                   <a:tcPr/>
@@ -19300,10 +18700,9 @@
                     <a:lstStyle/>
                     <a:p>
                       <a:r>
-                        <a:rPr lang="en-US" dirty="0" smtClean="0"/>
+                        <a:rPr lang="en-US" dirty="0"/>
                         <a:t>notes</a:t>
                       </a:r>
-                      <a:endParaRPr lang="en-US" dirty="0"/>
                     </a:p>
                   </a:txBody>
                   <a:tcPr/>
@@ -19314,10 +18713,9 @@
                     <a:lstStyle/>
                     <a:p>
                       <a:r>
-                        <a:rPr lang="en-US" dirty="0" smtClean="0"/>
+                        <a:rPr lang="en-US" dirty="0"/>
                         <a:t>date_completed</a:t>
                       </a:r>
-                      <a:endParaRPr lang="en-US" dirty="0"/>
                     </a:p>
                   </a:txBody>
                   <a:tcPr/>
@@ -19328,14 +18726,18 @@
                     <a:lstStyle/>
                     <a:p>
                       <a:r>
-                        <a:rPr lang="en-US" dirty="0" smtClean="0"/>
+                        <a:rPr lang="en-US" dirty="0"/>
                         <a:t>hidden</a:t>
                       </a:r>
-                      <a:endParaRPr lang="en-US" dirty="0"/>
                     </a:p>
                   </a:txBody>
                   <a:tcPr/>
                 </a:tc>
+                <a:extLst>
+                  <a:ext uri="{0D108BD9-81ED-4DB2-BD59-A6C34878D82A}">
+                    <a16:rowId xmlns:a16="http://schemas.microsoft.com/office/drawing/2014/main" val="10000"/>
+                  </a:ext>
+                </a:extLst>
               </a:tr>
               <a:tr h="370840">
                 <a:tc>
@@ -19398,6 +18800,11 @@
                   </a:txBody>
                   <a:tcPr/>
                 </a:tc>
+                <a:extLst>
+                  <a:ext uri="{0D108BD9-81ED-4DB2-BD59-A6C34878D82A}">
+                    <a16:rowId xmlns:a16="http://schemas.microsoft.com/office/drawing/2014/main" val="10001"/>
+                  </a:ext>
+                </a:extLst>
               </a:tr>
               <a:tr h="370840">
                 <a:tc>
@@ -19460,6 +18867,11 @@
                   </a:txBody>
                   <a:tcPr/>
                 </a:tc>
+                <a:extLst>
+                  <a:ext uri="{0D108BD9-81ED-4DB2-BD59-A6C34878D82A}">
+                    <a16:rowId xmlns:a16="http://schemas.microsoft.com/office/drawing/2014/main" val="10002"/>
+                  </a:ext>
+                </a:extLst>
               </a:tr>
               <a:tr h="370840">
                 <a:tc>
@@ -19522,6 +18934,11 @@
                   </a:txBody>
                   <a:tcPr/>
                 </a:tc>
+                <a:extLst>
+                  <a:ext uri="{0D108BD9-81ED-4DB2-BD59-A6C34878D82A}">
+                    <a16:rowId xmlns:a16="http://schemas.microsoft.com/office/drawing/2014/main" val="10003"/>
+                  </a:ext>
+                </a:extLst>
               </a:tr>
               <a:tr h="370840">
                 <a:tc>
@@ -19584,6 +19001,11 @@
                   </a:txBody>
                   <a:tcPr/>
                 </a:tc>
+                <a:extLst>
+                  <a:ext uri="{0D108BD9-81ED-4DB2-BD59-A6C34878D82A}">
+                    <a16:rowId xmlns:a16="http://schemas.microsoft.com/office/drawing/2014/main" val="10004"/>
+                  </a:ext>
+                </a:extLst>
               </a:tr>
               <a:tr h="370840">
                 <a:tc>
@@ -19646,6 +19068,11 @@
                   </a:txBody>
                   <a:tcPr/>
                 </a:tc>
+                <a:extLst>
+                  <a:ext uri="{0D108BD9-81ED-4DB2-BD59-A6C34878D82A}">
+                    <a16:rowId xmlns:a16="http://schemas.microsoft.com/office/drawing/2014/main" val="10005"/>
+                  </a:ext>
+                </a:extLst>
               </a:tr>
               <a:tr h="370840">
                 <a:tc>
@@ -19708,6 +19135,11 @@
                   </a:txBody>
                   <a:tcPr/>
                 </a:tc>
+                <a:extLst>
+                  <a:ext uri="{0D108BD9-81ED-4DB2-BD59-A6C34878D82A}">
+                    <a16:rowId xmlns:a16="http://schemas.microsoft.com/office/drawing/2014/main" val="10006"/>
+                  </a:ext>
+                </a:extLst>
               </a:tr>
             </a:tbl>
           </a:graphicData>
@@ -19737,10 +19169,9 @@
           <a:p>
             <a:pPr algn="ctr"/>
             <a:r>
-              <a:rPr lang="en-US" dirty="0" smtClean="0"/>
+              <a:rPr lang="en-US" dirty="0"/>
               <a:t>List Table</a:t>
             </a:r>
-            <a:endParaRPr lang="en-US" dirty="0"/>
           </a:p>
         </p:txBody>
       </p:sp>
@@ -19768,10 +19199,9 @@
           <a:p>
             <a:pPr algn="ctr"/>
             <a:r>
-              <a:rPr lang="en-US" dirty="0" smtClean="0"/>
+              <a:rPr lang="en-US" dirty="0"/>
               <a:t>Task Table</a:t>
             </a:r>
-            <a:endParaRPr lang="en-US" dirty="0"/>
           </a:p>
         </p:txBody>
       </p:sp>
@@ -19798,18 +19228,13 @@
           <a:lstStyle/>
           <a:p>
             <a:r>
-              <a:rPr lang="en-US" sz="2800" dirty="0" smtClean="0">
+              <a:rPr lang="en-US" sz="2800" dirty="0">
                 <a:solidFill>
                   <a:srgbClr val="0000FF"/>
                 </a:solidFill>
               </a:rPr>
               <a:t>The two tables and their fields</a:t>
             </a:r>
-            <a:endParaRPr lang="en-US" sz="2800" dirty="0">
-              <a:solidFill>
-                <a:srgbClr val="0000FF"/>
-              </a:solidFill>
-            </a:endParaRPr>
           </a:p>
         </p:txBody>
       </p:sp>
@@ -19868,8 +19293,20 @@
                 <a:tableStyleId>{5C22544A-7EE6-4342-B048-85BDC9FD1C3A}</a:tableStyleId>
               </a:tblPr>
               <a:tblGrid>
-                <a:gridCol w="3048000"/>
-                <a:gridCol w="3502855"/>
+                <a:gridCol w="3048000">
+                  <a:extLst>
+                    <a:ext uri="{9D8B030D-6E8A-4147-A177-3AD203B41FA5}">
+                      <a16:colId xmlns:a16="http://schemas.microsoft.com/office/drawing/2014/main" val="20000"/>
+                    </a:ext>
+                  </a:extLst>
+                </a:gridCol>
+                <a:gridCol w="3502855">
+                  <a:extLst>
+                    <a:ext uri="{9D8B030D-6E8A-4147-A177-3AD203B41FA5}">
+                      <a16:colId xmlns:a16="http://schemas.microsoft.com/office/drawing/2014/main" val="20001"/>
+                    </a:ext>
+                  </a:extLst>
+                </a:gridCol>
               </a:tblGrid>
               <a:tr h="370840">
                 <a:tc>
@@ -19878,18 +19315,13 @@
                     <a:lstStyle/>
                     <a:p>
                       <a:r>
-                        <a:rPr lang="en-US" b="1" dirty="0" smtClean="0">
+                        <a:rPr lang="en-US" b="1" dirty="0">
                           <a:solidFill>
                             <a:schemeClr val="accent4"/>
                           </a:solidFill>
                         </a:rPr>
                         <a:t>_id</a:t>
                       </a:r>
-                      <a:endParaRPr lang="en-US" b="1" dirty="0">
-                        <a:solidFill>
-                          <a:schemeClr val="accent4"/>
-                        </a:solidFill>
-                      </a:endParaRPr>
                     </a:p>
                   </a:txBody>
                   <a:tcPr/>
@@ -19900,14 +19332,18 @@
                     <a:lstStyle/>
                     <a:p>
                       <a:r>
-                        <a:rPr lang="en-US" dirty="0" smtClean="0"/>
+                        <a:rPr lang="en-US" dirty="0"/>
                         <a:t>list _name</a:t>
                       </a:r>
-                      <a:endParaRPr lang="en-US" dirty="0"/>
                     </a:p>
                   </a:txBody>
                   <a:tcPr/>
                 </a:tc>
+                <a:extLst>
+                  <a:ext uri="{0D108BD9-81ED-4DB2-BD59-A6C34878D82A}">
+                    <a16:rowId xmlns:a16="http://schemas.microsoft.com/office/drawing/2014/main" val="10000"/>
+                  </a:ext>
+                </a:extLst>
               </a:tr>
               <a:tr h="370840">
                 <a:tc>
@@ -19930,6 +19366,11 @@
                   </a:txBody>
                   <a:tcPr/>
                 </a:tc>
+                <a:extLst>
+                  <a:ext uri="{0D108BD9-81ED-4DB2-BD59-A6C34878D82A}">
+                    <a16:rowId xmlns:a16="http://schemas.microsoft.com/office/drawing/2014/main" val="10001"/>
+                  </a:ext>
+                </a:extLst>
               </a:tr>
               <a:tr h="370840">
                 <a:tc>
@@ -19952,6 +19393,11 @@
                   </a:txBody>
                   <a:tcPr/>
                 </a:tc>
+                <a:extLst>
+                  <a:ext uri="{0D108BD9-81ED-4DB2-BD59-A6C34878D82A}">
+                    <a16:rowId xmlns:a16="http://schemas.microsoft.com/office/drawing/2014/main" val="10002"/>
+                  </a:ext>
+                </a:extLst>
               </a:tr>
             </a:tbl>
           </a:graphicData>
@@ -19982,12 +19428,48 @@
                 <a:tableStyleId>{5C22544A-7EE6-4342-B048-85BDC9FD1C3A}</a:tableStyleId>
               </a:tblPr>
               <a:tblGrid>
-                <a:gridCol w="580073"/>
-                <a:gridCol w="867727"/>
-                <a:gridCol w="1371600"/>
-                <a:gridCol w="838200"/>
-                <a:gridCol w="1981200"/>
-                <a:gridCol w="990601"/>
+                <a:gridCol w="580073">
+                  <a:extLst>
+                    <a:ext uri="{9D8B030D-6E8A-4147-A177-3AD203B41FA5}">
+                      <a16:colId xmlns:a16="http://schemas.microsoft.com/office/drawing/2014/main" val="20000"/>
+                    </a:ext>
+                  </a:extLst>
+                </a:gridCol>
+                <a:gridCol w="867727">
+                  <a:extLst>
+                    <a:ext uri="{9D8B030D-6E8A-4147-A177-3AD203B41FA5}">
+                      <a16:colId xmlns:a16="http://schemas.microsoft.com/office/drawing/2014/main" val="20001"/>
+                    </a:ext>
+                  </a:extLst>
+                </a:gridCol>
+                <a:gridCol w="1371600">
+                  <a:extLst>
+                    <a:ext uri="{9D8B030D-6E8A-4147-A177-3AD203B41FA5}">
+                      <a16:colId xmlns:a16="http://schemas.microsoft.com/office/drawing/2014/main" val="20002"/>
+                    </a:ext>
+                  </a:extLst>
+                </a:gridCol>
+                <a:gridCol w="838200">
+                  <a:extLst>
+                    <a:ext uri="{9D8B030D-6E8A-4147-A177-3AD203B41FA5}">
+                      <a16:colId xmlns:a16="http://schemas.microsoft.com/office/drawing/2014/main" val="20003"/>
+                    </a:ext>
+                  </a:extLst>
+                </a:gridCol>
+                <a:gridCol w="1981200">
+                  <a:extLst>
+                    <a:ext uri="{9D8B030D-6E8A-4147-A177-3AD203B41FA5}">
+                      <a16:colId xmlns:a16="http://schemas.microsoft.com/office/drawing/2014/main" val="20004"/>
+                    </a:ext>
+                  </a:extLst>
+                </a:gridCol>
+                <a:gridCol w="990601">
+                  <a:extLst>
+                    <a:ext uri="{9D8B030D-6E8A-4147-A177-3AD203B41FA5}">
+                      <a16:colId xmlns:a16="http://schemas.microsoft.com/office/drawing/2014/main" val="20005"/>
+                    </a:ext>
+                  </a:extLst>
+                </a:gridCol>
               </a:tblGrid>
               <a:tr h="370840">
                 <a:tc>
@@ -19996,18 +19478,13 @@
                     <a:lstStyle/>
                     <a:p>
                       <a:r>
-                        <a:rPr lang="en-US" dirty="0" smtClean="0">
+                        <a:rPr lang="en-US" dirty="0">
                           <a:solidFill>
                             <a:schemeClr val="accent4"/>
                           </a:solidFill>
                         </a:rPr>
                         <a:t>_id</a:t>
                       </a:r>
-                      <a:endParaRPr lang="en-US" dirty="0">
-                        <a:solidFill>
-                          <a:schemeClr val="accent4"/>
-                        </a:solidFill>
-                      </a:endParaRPr>
                     </a:p>
                   </a:txBody>
                   <a:tcPr/>
@@ -20018,10 +19495,9 @@
                     <a:lstStyle/>
                     <a:p>
                       <a:r>
-                        <a:rPr lang="en-US" dirty="0" smtClean="0"/>
+                        <a:rPr lang="en-US" dirty="0"/>
                         <a:t>list_id</a:t>
                       </a:r>
-                      <a:endParaRPr lang="en-US" dirty="0"/>
                     </a:p>
                   </a:txBody>
                   <a:tcPr/>
@@ -20032,10 +19508,9 @@
                     <a:lstStyle/>
                     <a:p>
                       <a:r>
-                        <a:rPr lang="en-US" dirty="0" smtClean="0"/>
+                        <a:rPr lang="en-US" dirty="0"/>
                         <a:t>task_name</a:t>
                       </a:r>
-                      <a:endParaRPr lang="en-US" dirty="0"/>
                     </a:p>
                   </a:txBody>
                   <a:tcPr/>
@@ -20046,10 +19521,9 @@
                     <a:lstStyle/>
                     <a:p>
                       <a:r>
-                        <a:rPr lang="en-US" dirty="0" smtClean="0"/>
+                        <a:rPr lang="en-US" dirty="0"/>
                         <a:t>notes</a:t>
                       </a:r>
-                      <a:endParaRPr lang="en-US" dirty="0"/>
                     </a:p>
                   </a:txBody>
                   <a:tcPr/>
@@ -20060,10 +19534,9 @@
                     <a:lstStyle/>
                     <a:p>
                       <a:r>
-                        <a:rPr lang="en-US" dirty="0" smtClean="0"/>
+                        <a:rPr lang="en-US" dirty="0"/>
                         <a:t>date_completed</a:t>
                       </a:r>
-                      <a:endParaRPr lang="en-US" dirty="0"/>
                     </a:p>
                   </a:txBody>
                   <a:tcPr/>
@@ -20074,14 +19547,18 @@
                     <a:lstStyle/>
                     <a:p>
                       <a:r>
-                        <a:rPr lang="en-US" dirty="0" smtClean="0"/>
+                        <a:rPr lang="en-US" dirty="0"/>
                         <a:t>hidden</a:t>
                       </a:r>
-                      <a:endParaRPr lang="en-US" dirty="0"/>
                     </a:p>
                   </a:txBody>
                   <a:tcPr/>
                 </a:tc>
+                <a:extLst>
+                  <a:ext uri="{0D108BD9-81ED-4DB2-BD59-A6C34878D82A}">
+                    <a16:rowId xmlns:a16="http://schemas.microsoft.com/office/drawing/2014/main" val="10000"/>
+                  </a:ext>
+                </a:extLst>
               </a:tr>
               <a:tr h="370840">
                 <a:tc>
@@ -20144,6 +19621,11 @@
                   </a:txBody>
                   <a:tcPr/>
                 </a:tc>
+                <a:extLst>
+                  <a:ext uri="{0D108BD9-81ED-4DB2-BD59-A6C34878D82A}">
+                    <a16:rowId xmlns:a16="http://schemas.microsoft.com/office/drawing/2014/main" val="10001"/>
+                  </a:ext>
+                </a:extLst>
               </a:tr>
               <a:tr h="370840">
                 <a:tc>
@@ -20206,6 +19688,11 @@
                   </a:txBody>
                   <a:tcPr/>
                 </a:tc>
+                <a:extLst>
+                  <a:ext uri="{0D108BD9-81ED-4DB2-BD59-A6C34878D82A}">
+                    <a16:rowId xmlns:a16="http://schemas.microsoft.com/office/drawing/2014/main" val="10002"/>
+                  </a:ext>
+                </a:extLst>
               </a:tr>
               <a:tr h="370840">
                 <a:tc>
@@ -20268,6 +19755,11 @@
                   </a:txBody>
                   <a:tcPr/>
                 </a:tc>
+                <a:extLst>
+                  <a:ext uri="{0D108BD9-81ED-4DB2-BD59-A6C34878D82A}">
+                    <a16:rowId xmlns:a16="http://schemas.microsoft.com/office/drawing/2014/main" val="10003"/>
+                  </a:ext>
+                </a:extLst>
               </a:tr>
               <a:tr h="370840">
                 <a:tc>
@@ -20330,6 +19822,11 @@
                   </a:txBody>
                   <a:tcPr/>
                 </a:tc>
+                <a:extLst>
+                  <a:ext uri="{0D108BD9-81ED-4DB2-BD59-A6C34878D82A}">
+                    <a16:rowId xmlns:a16="http://schemas.microsoft.com/office/drawing/2014/main" val="10004"/>
+                  </a:ext>
+                </a:extLst>
               </a:tr>
               <a:tr h="370840">
                 <a:tc>
@@ -20392,6 +19889,11 @@
                   </a:txBody>
                   <a:tcPr/>
                 </a:tc>
+                <a:extLst>
+                  <a:ext uri="{0D108BD9-81ED-4DB2-BD59-A6C34878D82A}">
+                    <a16:rowId xmlns:a16="http://schemas.microsoft.com/office/drawing/2014/main" val="10005"/>
+                  </a:ext>
+                </a:extLst>
               </a:tr>
               <a:tr h="370840">
                 <a:tc>
@@ -20454,6 +19956,11 @@
                   </a:txBody>
                   <a:tcPr/>
                 </a:tc>
+                <a:extLst>
+                  <a:ext uri="{0D108BD9-81ED-4DB2-BD59-A6C34878D82A}">
+                    <a16:rowId xmlns:a16="http://schemas.microsoft.com/office/drawing/2014/main" val="10006"/>
+                  </a:ext>
+                </a:extLst>
               </a:tr>
             </a:tbl>
           </a:graphicData>
@@ -20482,10 +19989,9 @@
           <a:lstStyle/>
           <a:p>
             <a:r>
-              <a:rPr lang="en-US" dirty="0" smtClean="0"/>
+              <a:rPr lang="en-US" dirty="0"/>
               <a:t>List Table</a:t>
             </a:r>
-            <a:endParaRPr lang="en-US" dirty="0"/>
           </a:p>
         </p:txBody>
       </p:sp>
@@ -20512,10 +20018,9 @@
           <a:lstStyle/>
           <a:p>
             <a:r>
-              <a:rPr lang="en-US" dirty="0" smtClean="0"/>
+              <a:rPr lang="en-US" dirty="0"/>
               <a:t>Task Table</a:t>
             </a:r>
-            <a:endParaRPr lang="en-US" dirty="0"/>
           </a:p>
         </p:txBody>
       </p:sp>
@@ -20542,18 +20047,13 @@
           <a:lstStyle/>
           <a:p>
             <a:r>
-              <a:rPr lang="en-US" sz="2800" dirty="0" smtClean="0">
+              <a:rPr lang="en-US" sz="2800" dirty="0">
                 <a:solidFill>
                   <a:srgbClr val="0000FF"/>
                 </a:solidFill>
               </a:rPr>
               <a:t>Each table has a primary key</a:t>
             </a:r>
-            <a:endParaRPr lang="en-US" sz="2800" dirty="0">
-              <a:solidFill>
-                <a:srgbClr val="0000FF"/>
-              </a:solidFill>
-            </a:endParaRPr>
           </a:p>
         </p:txBody>
       </p:sp>
@@ -20607,7 +20107,7 @@
               <a:buNone/>
               <a:tabLst/>
             </a:pPr>
-            <a:endParaRPr kumimoji="0" lang="en-US" sz="2400" b="0" i="0" u="none" strike="noStrike" cap="none" normalizeH="0" baseline="0" smtClean="0">
+            <a:endParaRPr kumimoji="0" lang="en-US" sz="2400" b="0" i="0" u="none" strike="noStrike" cap="none" normalizeH="0" baseline="0">
               <a:ln>
                 <a:noFill/>
               </a:ln>
@@ -20670,7 +20170,7 @@
               <a:buNone/>
               <a:tabLst/>
             </a:pPr>
-            <a:endParaRPr kumimoji="0" lang="en-US" sz="2400" b="0" i="0" u="none" strike="noStrike" cap="none" normalizeH="0" baseline="0" smtClean="0">
+            <a:endParaRPr kumimoji="0" lang="en-US" sz="2400" b="0" i="0" u="none" strike="noStrike" cap="none" normalizeH="0" baseline="0">
               <a:ln>
                 <a:noFill/>
               </a:ln>
